--- a/assets/Pictures.pptx
+++ b/assets/Pictures.pptx
@@ -267,7 +267,7 @@
           <a:p>
             <a:fld id="{D997B5FA-0921-464F-AAE1-844C04324D75}" type="datetimeFigureOut">
               <a:rPr lang="zh-CN" altLang="en-US" smtClean="0"/>
-              <a:t>2017/10/10</a:t>
+              <a:t>2018/2/9</a:t>
             </a:fld>
             <a:endParaRPr lang="zh-CN" altLang="en-US"/>
           </a:p>
@@ -437,7 +437,7 @@
           <a:p>
             <a:fld id="{D997B5FA-0921-464F-AAE1-844C04324D75}" type="datetimeFigureOut">
               <a:rPr lang="zh-CN" altLang="en-US" smtClean="0"/>
-              <a:t>2017/10/10</a:t>
+              <a:t>2018/2/9</a:t>
             </a:fld>
             <a:endParaRPr lang="zh-CN" altLang="en-US"/>
           </a:p>
@@ -617,7 +617,7 @@
           <a:p>
             <a:fld id="{D997B5FA-0921-464F-AAE1-844C04324D75}" type="datetimeFigureOut">
               <a:rPr lang="zh-CN" altLang="en-US" smtClean="0"/>
-              <a:t>2017/10/10</a:t>
+              <a:t>2018/2/9</a:t>
             </a:fld>
             <a:endParaRPr lang="zh-CN" altLang="en-US"/>
           </a:p>
@@ -787,7 +787,7 @@
           <a:p>
             <a:fld id="{D997B5FA-0921-464F-AAE1-844C04324D75}" type="datetimeFigureOut">
               <a:rPr lang="zh-CN" altLang="en-US" smtClean="0"/>
-              <a:t>2017/10/10</a:t>
+              <a:t>2018/2/9</a:t>
             </a:fld>
             <a:endParaRPr lang="zh-CN" altLang="en-US"/>
           </a:p>
@@ -1033,7 +1033,7 @@
           <a:p>
             <a:fld id="{D997B5FA-0921-464F-AAE1-844C04324D75}" type="datetimeFigureOut">
               <a:rPr lang="zh-CN" altLang="en-US" smtClean="0"/>
-              <a:t>2017/10/10</a:t>
+              <a:t>2018/2/9</a:t>
             </a:fld>
             <a:endParaRPr lang="zh-CN" altLang="en-US"/>
           </a:p>
@@ -1265,7 +1265,7 @@
           <a:p>
             <a:fld id="{D997B5FA-0921-464F-AAE1-844C04324D75}" type="datetimeFigureOut">
               <a:rPr lang="zh-CN" altLang="en-US" smtClean="0"/>
-              <a:t>2017/10/10</a:t>
+              <a:t>2018/2/9</a:t>
             </a:fld>
             <a:endParaRPr lang="zh-CN" altLang="en-US"/>
           </a:p>
@@ -1632,7 +1632,7 @@
           <a:p>
             <a:fld id="{D997B5FA-0921-464F-AAE1-844C04324D75}" type="datetimeFigureOut">
               <a:rPr lang="zh-CN" altLang="en-US" smtClean="0"/>
-              <a:t>2017/10/10</a:t>
+              <a:t>2018/2/9</a:t>
             </a:fld>
             <a:endParaRPr lang="zh-CN" altLang="en-US"/>
           </a:p>
@@ -1750,7 +1750,7 @@
           <a:p>
             <a:fld id="{D997B5FA-0921-464F-AAE1-844C04324D75}" type="datetimeFigureOut">
               <a:rPr lang="zh-CN" altLang="en-US" smtClean="0"/>
-              <a:t>2017/10/10</a:t>
+              <a:t>2018/2/9</a:t>
             </a:fld>
             <a:endParaRPr lang="zh-CN" altLang="en-US"/>
           </a:p>
@@ -1845,7 +1845,7 @@
           <a:p>
             <a:fld id="{D997B5FA-0921-464F-AAE1-844C04324D75}" type="datetimeFigureOut">
               <a:rPr lang="zh-CN" altLang="en-US" smtClean="0"/>
-              <a:t>2017/10/10</a:t>
+              <a:t>2018/2/9</a:t>
             </a:fld>
             <a:endParaRPr lang="zh-CN" altLang="en-US"/>
           </a:p>
@@ -2122,7 +2122,7 @@
           <a:p>
             <a:fld id="{D997B5FA-0921-464F-AAE1-844C04324D75}" type="datetimeFigureOut">
               <a:rPr lang="zh-CN" altLang="en-US" smtClean="0"/>
-              <a:t>2017/10/10</a:t>
+              <a:t>2018/2/9</a:t>
             </a:fld>
             <a:endParaRPr lang="zh-CN" altLang="en-US"/>
           </a:p>
@@ -2375,7 +2375,7 @@
           <a:p>
             <a:fld id="{D997B5FA-0921-464F-AAE1-844C04324D75}" type="datetimeFigureOut">
               <a:rPr lang="zh-CN" altLang="en-US" smtClean="0"/>
-              <a:t>2017/10/10</a:t>
+              <a:t>2018/2/9</a:t>
             </a:fld>
             <a:endParaRPr lang="zh-CN" altLang="en-US"/>
           </a:p>
@@ -2588,7 +2588,7 @@
           <a:p>
             <a:fld id="{D997B5FA-0921-464F-AAE1-844C04324D75}" type="datetimeFigureOut">
               <a:rPr lang="zh-CN" altLang="en-US" smtClean="0"/>
-              <a:t>2017/10/10</a:t>
+              <a:t>2018/2/9</a:t>
             </a:fld>
             <a:endParaRPr lang="zh-CN" altLang="en-US"/>
           </a:p>
@@ -37857,6 +37857,1061 @@
           <a:chExt cx="0" cy="0"/>
         </a:xfrm>
       </p:grpSpPr>
+      <p:sp>
+        <p:nvSpPr>
+          <p:cNvPr id="2" name="圆角矩形 1"/>
+          <p:cNvSpPr/>
+          <p:nvPr/>
+        </p:nvSpPr>
+        <p:spPr>
+          <a:xfrm>
+            <a:off x="6853646" y="783771"/>
+            <a:ext cx="3300549" cy="5599611"/>
+          </a:xfrm>
+          <a:prstGeom prst="roundRect">
+            <a:avLst/>
+          </a:prstGeom>
+        </p:spPr>
+        <p:style>
+          <a:lnRef idx="2">
+            <a:schemeClr val="accent3">
+              <a:shade val="50000"/>
+            </a:schemeClr>
+          </a:lnRef>
+          <a:fillRef idx="1">
+            <a:schemeClr val="accent3"/>
+          </a:fillRef>
+          <a:effectRef idx="0">
+            <a:schemeClr val="accent3"/>
+          </a:effectRef>
+          <a:fontRef idx="minor">
+            <a:schemeClr val="lt1"/>
+          </a:fontRef>
+        </p:style>
+        <p:txBody>
+          <a:bodyPr rtlCol="0" anchor="ctr"/>
+          <a:lstStyle/>
+          <a:p>
+            <a:pPr algn="ctr"/>
+            <a:endParaRPr lang="zh-CN" altLang="en-US"/>
+          </a:p>
+        </p:txBody>
+      </p:sp>
+      <p:sp>
+        <p:nvSpPr>
+          <p:cNvPr id="3" name="圆角矩形 2"/>
+          <p:cNvSpPr/>
+          <p:nvPr/>
+        </p:nvSpPr>
+        <p:spPr>
+          <a:xfrm>
+            <a:off x="1436915" y="783771"/>
+            <a:ext cx="3300549" cy="5599611"/>
+          </a:xfrm>
+          <a:prstGeom prst="roundRect">
+            <a:avLst/>
+          </a:prstGeom>
+        </p:spPr>
+        <p:style>
+          <a:lnRef idx="3">
+            <a:schemeClr val="lt1"/>
+          </a:lnRef>
+          <a:fillRef idx="1">
+            <a:schemeClr val="accent3"/>
+          </a:fillRef>
+          <a:effectRef idx="1">
+            <a:schemeClr val="accent3"/>
+          </a:effectRef>
+          <a:fontRef idx="minor">
+            <a:schemeClr val="lt1"/>
+          </a:fontRef>
+        </p:style>
+        <p:txBody>
+          <a:bodyPr rtlCol="0" anchor="ctr"/>
+          <a:lstStyle/>
+          <a:p>
+            <a:pPr algn="ctr"/>
+            <a:endParaRPr lang="zh-CN" altLang="en-US"/>
+          </a:p>
+        </p:txBody>
+      </p:sp>
+      <p:sp>
+        <p:nvSpPr>
+          <p:cNvPr id="4" name="圆角矩形 3"/>
+          <p:cNvSpPr/>
+          <p:nvPr/>
+        </p:nvSpPr>
+        <p:spPr>
+          <a:xfrm>
+            <a:off x="1785256" y="1236629"/>
+            <a:ext cx="2603863" cy="592182"/>
+          </a:xfrm>
+          <a:prstGeom prst="roundRect">
+            <a:avLst/>
+          </a:prstGeom>
+        </p:spPr>
+        <p:style>
+          <a:lnRef idx="0">
+            <a:schemeClr val="accent4"/>
+          </a:lnRef>
+          <a:fillRef idx="3">
+            <a:schemeClr val="accent4"/>
+          </a:fillRef>
+          <a:effectRef idx="3">
+            <a:schemeClr val="accent4"/>
+          </a:effectRef>
+          <a:fontRef idx="minor">
+            <a:schemeClr val="lt1"/>
+          </a:fontRef>
+        </p:style>
+        <p:txBody>
+          <a:bodyPr rtlCol="0" anchor="ctr"/>
+          <a:lstStyle/>
+          <a:p>
+            <a:pPr algn="ctr"/>
+            <a:r>
+              <a:rPr lang="zh-CN" altLang="en-US" sz="2000" b="1" dirty="0">
+                <a:solidFill>
+                  <a:schemeClr val="tx1"/>
+                </a:solidFill>
+              </a:rPr>
+              <a:t>对象</a:t>
+            </a:r>
+          </a:p>
+        </p:txBody>
+      </p:sp>
+      <p:sp>
+        <p:nvSpPr>
+          <p:cNvPr id="6" name="圆角矩形 5"/>
+          <p:cNvSpPr/>
+          <p:nvPr/>
+        </p:nvSpPr>
+        <p:spPr>
+          <a:xfrm>
+            <a:off x="1785255" y="2081361"/>
+            <a:ext cx="2603863" cy="592182"/>
+          </a:xfrm>
+          <a:prstGeom prst="roundRect">
+            <a:avLst/>
+          </a:prstGeom>
+        </p:spPr>
+        <p:style>
+          <a:lnRef idx="0">
+            <a:schemeClr val="accent4"/>
+          </a:lnRef>
+          <a:fillRef idx="3">
+            <a:schemeClr val="accent4"/>
+          </a:fillRef>
+          <a:effectRef idx="3">
+            <a:schemeClr val="accent4"/>
+          </a:effectRef>
+          <a:fontRef idx="minor">
+            <a:schemeClr val="lt1"/>
+          </a:fontRef>
+        </p:style>
+        <p:txBody>
+          <a:bodyPr rtlCol="0" anchor="ctr"/>
+          <a:lstStyle/>
+          <a:p>
+            <a:pPr algn="ctr"/>
+            <a:r>
+              <a:rPr lang="zh-CN" altLang="en-US" sz="2000" b="1" dirty="0">
+                <a:solidFill>
+                  <a:schemeClr val="tx1"/>
+                </a:solidFill>
+              </a:rPr>
+              <a:t>对象</a:t>
+            </a:r>
+          </a:p>
+        </p:txBody>
+      </p:sp>
+      <p:sp>
+        <p:nvSpPr>
+          <p:cNvPr id="7" name="圆角矩形 6"/>
+          <p:cNvSpPr/>
+          <p:nvPr/>
+        </p:nvSpPr>
+        <p:spPr>
+          <a:xfrm>
+            <a:off x="1785254" y="2891258"/>
+            <a:ext cx="2603863" cy="592182"/>
+          </a:xfrm>
+          <a:prstGeom prst="roundRect">
+            <a:avLst/>
+          </a:prstGeom>
+        </p:spPr>
+        <p:style>
+          <a:lnRef idx="0">
+            <a:schemeClr val="accent4"/>
+          </a:lnRef>
+          <a:fillRef idx="3">
+            <a:schemeClr val="accent4"/>
+          </a:fillRef>
+          <a:effectRef idx="3">
+            <a:schemeClr val="accent4"/>
+          </a:effectRef>
+          <a:fontRef idx="minor">
+            <a:schemeClr val="lt1"/>
+          </a:fontRef>
+        </p:style>
+        <p:txBody>
+          <a:bodyPr rtlCol="0" anchor="ctr"/>
+          <a:lstStyle/>
+          <a:p>
+            <a:pPr algn="ctr"/>
+            <a:r>
+              <a:rPr lang="zh-CN" altLang="en-US" sz="2000" b="1" dirty="0">
+                <a:solidFill>
+                  <a:schemeClr val="tx1"/>
+                </a:solidFill>
+              </a:rPr>
+              <a:t>对象</a:t>
+            </a:r>
+          </a:p>
+        </p:txBody>
+      </p:sp>
+      <p:sp>
+        <p:nvSpPr>
+          <p:cNvPr id="9" name="圆角矩形 8"/>
+          <p:cNvSpPr/>
+          <p:nvPr/>
+        </p:nvSpPr>
+        <p:spPr>
+          <a:xfrm>
+            <a:off x="1785254" y="3670673"/>
+            <a:ext cx="2603863" cy="592182"/>
+          </a:xfrm>
+          <a:prstGeom prst="roundRect">
+            <a:avLst/>
+          </a:prstGeom>
+        </p:spPr>
+        <p:style>
+          <a:lnRef idx="0">
+            <a:schemeClr val="accent4"/>
+          </a:lnRef>
+          <a:fillRef idx="3">
+            <a:schemeClr val="accent4"/>
+          </a:fillRef>
+          <a:effectRef idx="3">
+            <a:schemeClr val="accent4"/>
+          </a:effectRef>
+          <a:fontRef idx="minor">
+            <a:schemeClr val="lt1"/>
+          </a:fontRef>
+        </p:style>
+        <p:txBody>
+          <a:bodyPr rtlCol="0" anchor="ctr"/>
+          <a:lstStyle/>
+          <a:p>
+            <a:pPr algn="ctr"/>
+            <a:r>
+              <a:rPr lang="zh-CN" altLang="en-US" sz="2000" b="1" dirty="0">
+                <a:solidFill>
+                  <a:schemeClr val="tx1"/>
+                </a:solidFill>
+              </a:rPr>
+              <a:t>对象</a:t>
+            </a:r>
+          </a:p>
+        </p:txBody>
+      </p:sp>
+      <p:sp>
+        <p:nvSpPr>
+          <p:cNvPr id="10" name="圆角矩形 9"/>
+          <p:cNvSpPr/>
+          <p:nvPr/>
+        </p:nvSpPr>
+        <p:spPr>
+          <a:xfrm>
+            <a:off x="1785254" y="4463153"/>
+            <a:ext cx="2603863" cy="592182"/>
+          </a:xfrm>
+          <a:prstGeom prst="roundRect">
+            <a:avLst/>
+          </a:prstGeom>
+        </p:spPr>
+        <p:style>
+          <a:lnRef idx="0">
+            <a:schemeClr val="accent4"/>
+          </a:lnRef>
+          <a:fillRef idx="3">
+            <a:schemeClr val="accent4"/>
+          </a:fillRef>
+          <a:effectRef idx="3">
+            <a:schemeClr val="accent4"/>
+          </a:effectRef>
+          <a:fontRef idx="minor">
+            <a:schemeClr val="lt1"/>
+          </a:fontRef>
+        </p:style>
+        <p:txBody>
+          <a:bodyPr rtlCol="0" anchor="ctr"/>
+          <a:lstStyle/>
+          <a:p>
+            <a:pPr algn="ctr"/>
+            <a:r>
+              <a:rPr lang="zh-CN" altLang="en-US" sz="2000" b="1" dirty="0">
+                <a:solidFill>
+                  <a:schemeClr val="tx1"/>
+                </a:solidFill>
+              </a:rPr>
+              <a:t>对象</a:t>
+            </a:r>
+          </a:p>
+        </p:txBody>
+      </p:sp>
+      <p:sp>
+        <p:nvSpPr>
+          <p:cNvPr id="11" name="圆角矩形 10"/>
+          <p:cNvSpPr/>
+          <p:nvPr/>
+        </p:nvSpPr>
+        <p:spPr>
+          <a:xfrm>
+            <a:off x="1785254" y="5264341"/>
+            <a:ext cx="2603863" cy="592182"/>
+          </a:xfrm>
+          <a:prstGeom prst="roundRect">
+            <a:avLst/>
+          </a:prstGeom>
+        </p:spPr>
+        <p:style>
+          <a:lnRef idx="0">
+            <a:schemeClr val="accent4"/>
+          </a:lnRef>
+          <a:fillRef idx="3">
+            <a:schemeClr val="accent4"/>
+          </a:fillRef>
+          <a:effectRef idx="3">
+            <a:schemeClr val="accent4"/>
+          </a:effectRef>
+          <a:fontRef idx="minor">
+            <a:schemeClr val="lt1"/>
+          </a:fontRef>
+        </p:style>
+        <p:txBody>
+          <a:bodyPr rtlCol="0" anchor="ctr"/>
+          <a:lstStyle/>
+          <a:p>
+            <a:pPr algn="ctr"/>
+            <a:r>
+              <a:rPr lang="zh-CN" altLang="en-US" sz="2000" b="1" dirty="0">
+                <a:solidFill>
+                  <a:schemeClr val="tx1"/>
+                </a:solidFill>
+              </a:rPr>
+              <a:t>对象</a:t>
+            </a:r>
+          </a:p>
+        </p:txBody>
+      </p:sp>
+      <p:cxnSp>
+        <p:nvCxnSpPr>
+          <p:cNvPr id="13" name="直接箭头连接符 12"/>
+          <p:cNvCxnSpPr/>
+          <p:nvPr/>
+        </p:nvCxnSpPr>
+        <p:spPr>
+          <a:xfrm flipH="1">
+            <a:off x="1132115" y="1524011"/>
+            <a:ext cx="609600" cy="0"/>
+          </a:xfrm>
+          <a:prstGeom prst="straightConnector1">
+            <a:avLst/>
+          </a:prstGeom>
+          <a:ln w="57150">
+            <a:tailEnd type="arrow"/>
+          </a:ln>
+        </p:spPr>
+        <p:style>
+          <a:lnRef idx="3">
+            <a:schemeClr val="dk1"/>
+          </a:lnRef>
+          <a:fillRef idx="0">
+            <a:schemeClr val="dk1"/>
+          </a:fillRef>
+          <a:effectRef idx="2">
+            <a:schemeClr val="dk1"/>
+          </a:effectRef>
+          <a:fontRef idx="minor">
+            <a:schemeClr val="tx1"/>
+          </a:fontRef>
+        </p:style>
+      </p:cxnSp>
+      <p:sp>
+        <p:nvSpPr>
+          <p:cNvPr id="14" name="TextBox 13"/>
+          <p:cNvSpPr txBox="1"/>
+          <p:nvPr/>
+        </p:nvSpPr>
+        <p:spPr>
+          <a:xfrm>
+            <a:off x="222314" y="869082"/>
+            <a:ext cx="993349" cy="400110"/>
+          </a:xfrm>
+          <a:prstGeom prst="rect">
+            <a:avLst/>
+          </a:prstGeom>
+          <a:noFill/>
+        </p:spPr>
+        <p:txBody>
+          <a:bodyPr wrap="none" rtlCol="0">
+            <a:spAutoFit/>
+          </a:bodyPr>
+          <a:lstStyle/>
+          <a:p>
+            <a:r>
+              <a:rPr lang="en-US" altLang="zh-CN" sz="2000" b="1" dirty="0" smtClean="0"/>
+              <a:t>Iterator</a:t>
+            </a:r>
+            <a:endParaRPr lang="zh-CN" altLang="en-US" b="1" dirty="0"/>
+          </a:p>
+        </p:txBody>
+      </p:sp>
+      <p:sp>
+        <p:nvSpPr>
+          <p:cNvPr id="15" name="TextBox 14"/>
+          <p:cNvSpPr txBox="1"/>
+          <p:nvPr/>
+        </p:nvSpPr>
+        <p:spPr>
+          <a:xfrm>
+            <a:off x="452845" y="1339345"/>
+            <a:ext cx="646331" cy="369332"/>
+          </a:xfrm>
+          <a:prstGeom prst="rect">
+            <a:avLst/>
+          </a:prstGeom>
+          <a:noFill/>
+        </p:spPr>
+        <p:txBody>
+          <a:bodyPr wrap="none" rtlCol="0">
+            <a:spAutoFit/>
+          </a:bodyPr>
+          <a:lstStyle/>
+          <a:p>
+            <a:r>
+              <a:rPr lang="zh-CN" altLang="en-US" b="1" dirty="0" smtClean="0"/>
+              <a:t>对象</a:t>
+            </a:r>
+            <a:endParaRPr lang="zh-CN" altLang="en-US" b="1" dirty="0"/>
+          </a:p>
+        </p:txBody>
+      </p:sp>
+      <p:sp>
+        <p:nvSpPr>
+          <p:cNvPr id="16" name="TextBox 15"/>
+          <p:cNvSpPr txBox="1"/>
+          <p:nvPr/>
+        </p:nvSpPr>
+        <p:spPr>
+          <a:xfrm>
+            <a:off x="2295141" y="383177"/>
+            <a:ext cx="1601721" cy="369332"/>
+          </a:xfrm>
+          <a:prstGeom prst="rect">
+            <a:avLst/>
+          </a:prstGeom>
+          <a:noFill/>
+        </p:spPr>
+        <p:txBody>
+          <a:bodyPr wrap="none" rtlCol="0">
+            <a:spAutoFit/>
+          </a:bodyPr>
+          <a:lstStyle/>
+          <a:p>
+            <a:r>
+              <a:rPr lang="en-US" altLang="zh-CN" b="1" dirty="0" smtClean="0"/>
+              <a:t>Collection</a:t>
+            </a:r>
+            <a:r>
+              <a:rPr lang="zh-CN" altLang="en-US" b="1" dirty="0"/>
+              <a:t>集合</a:t>
+            </a:r>
+          </a:p>
+        </p:txBody>
+      </p:sp>
+      <p:sp>
+        <p:nvSpPr>
+          <p:cNvPr id="17" name="TextBox 16"/>
+          <p:cNvSpPr txBox="1"/>
+          <p:nvPr/>
+        </p:nvSpPr>
+        <p:spPr>
+          <a:xfrm>
+            <a:off x="7965952" y="383177"/>
+            <a:ext cx="1088760" cy="369332"/>
+          </a:xfrm>
+          <a:prstGeom prst="rect">
+            <a:avLst/>
+          </a:prstGeom>
+          <a:noFill/>
+        </p:spPr>
+        <p:txBody>
+          <a:bodyPr wrap="none" rtlCol="0">
+            <a:spAutoFit/>
+          </a:bodyPr>
+          <a:lstStyle/>
+          <a:p>
+            <a:r>
+              <a:rPr lang="en-US" altLang="zh-CN" b="1" dirty="0" smtClean="0"/>
+              <a:t>Map</a:t>
+            </a:r>
+            <a:r>
+              <a:rPr lang="zh-CN" altLang="en-US" b="1" dirty="0" smtClean="0"/>
+              <a:t>集合</a:t>
+            </a:r>
+            <a:endParaRPr lang="zh-CN" altLang="en-US" b="1" dirty="0"/>
+          </a:p>
+        </p:txBody>
+      </p:sp>
+      <p:cxnSp>
+        <p:nvCxnSpPr>
+          <p:cNvPr id="18" name="直接箭头连接符 17"/>
+          <p:cNvCxnSpPr/>
+          <p:nvPr/>
+        </p:nvCxnSpPr>
+        <p:spPr>
+          <a:xfrm flipH="1">
+            <a:off x="6548846" y="1524011"/>
+            <a:ext cx="609600" cy="0"/>
+          </a:xfrm>
+          <a:prstGeom prst="straightConnector1">
+            <a:avLst/>
+          </a:prstGeom>
+          <a:ln w="57150">
+            <a:tailEnd type="arrow"/>
+          </a:ln>
+        </p:spPr>
+        <p:style>
+          <a:lnRef idx="3">
+            <a:schemeClr val="dk1"/>
+          </a:lnRef>
+          <a:fillRef idx="0">
+            <a:schemeClr val="dk1"/>
+          </a:fillRef>
+          <a:effectRef idx="2">
+            <a:schemeClr val="dk1"/>
+          </a:effectRef>
+          <a:fontRef idx="minor">
+            <a:schemeClr val="tx1"/>
+          </a:fontRef>
+        </p:style>
+      </p:cxnSp>
+      <p:sp>
+        <p:nvSpPr>
+          <p:cNvPr id="19" name="TextBox 18"/>
+          <p:cNvSpPr txBox="1"/>
+          <p:nvPr/>
+        </p:nvSpPr>
+        <p:spPr>
+          <a:xfrm>
+            <a:off x="5639045" y="869082"/>
+            <a:ext cx="993349" cy="400110"/>
+          </a:xfrm>
+          <a:prstGeom prst="rect">
+            <a:avLst/>
+          </a:prstGeom>
+          <a:noFill/>
+        </p:spPr>
+        <p:txBody>
+          <a:bodyPr wrap="none" rtlCol="0">
+            <a:spAutoFit/>
+          </a:bodyPr>
+          <a:lstStyle/>
+          <a:p>
+            <a:r>
+              <a:rPr lang="en-US" altLang="zh-CN" sz="2000" b="1" dirty="0" smtClean="0"/>
+              <a:t>Iterator</a:t>
+            </a:r>
+            <a:endParaRPr lang="zh-CN" altLang="en-US" b="1" dirty="0"/>
+          </a:p>
+        </p:txBody>
+      </p:sp>
+      <p:sp>
+        <p:nvSpPr>
+          <p:cNvPr id="20" name="TextBox 19"/>
+          <p:cNvSpPr txBox="1"/>
+          <p:nvPr/>
+        </p:nvSpPr>
+        <p:spPr>
+          <a:xfrm>
+            <a:off x="4977261" y="1339345"/>
+            <a:ext cx="1655133" cy="369332"/>
+          </a:xfrm>
+          <a:prstGeom prst="rect">
+            <a:avLst/>
+          </a:prstGeom>
+          <a:noFill/>
+        </p:spPr>
+        <p:txBody>
+          <a:bodyPr wrap="none" rtlCol="0">
+            <a:spAutoFit/>
+          </a:bodyPr>
+          <a:lstStyle/>
+          <a:p>
+            <a:r>
+              <a:rPr lang="en-US" altLang="zh-CN" b="1" dirty="0" err="1" smtClean="0"/>
+              <a:t>Map.Entry</a:t>
+            </a:r>
+            <a:r>
+              <a:rPr lang="zh-CN" altLang="en-US" b="1" dirty="0" smtClean="0"/>
+              <a:t>对象</a:t>
+            </a:r>
+            <a:endParaRPr lang="zh-CN" altLang="en-US" b="1" dirty="0"/>
+          </a:p>
+        </p:txBody>
+      </p:sp>
+      <p:sp>
+        <p:nvSpPr>
+          <p:cNvPr id="21" name="圆角矩形 20"/>
+          <p:cNvSpPr/>
+          <p:nvPr/>
+        </p:nvSpPr>
+        <p:spPr>
+          <a:xfrm>
+            <a:off x="7208400" y="1339345"/>
+            <a:ext cx="2603863" cy="1160004"/>
+          </a:xfrm>
+          <a:prstGeom prst="roundRect">
+            <a:avLst/>
+          </a:prstGeom>
+        </p:spPr>
+        <p:style>
+          <a:lnRef idx="1">
+            <a:schemeClr val="accent5"/>
+          </a:lnRef>
+          <a:fillRef idx="2">
+            <a:schemeClr val="accent5"/>
+          </a:fillRef>
+          <a:effectRef idx="1">
+            <a:schemeClr val="accent5"/>
+          </a:effectRef>
+          <a:fontRef idx="minor">
+            <a:schemeClr val="dk1"/>
+          </a:fontRef>
+        </p:style>
+        <p:txBody>
+          <a:bodyPr rtlCol="0" anchor="t"/>
+          <a:lstStyle/>
+          <a:p>
+            <a:pPr algn="ctr"/>
+            <a:r>
+              <a:rPr lang="en-US" altLang="zh-CN" sz="2000" b="1" dirty="0" err="1" smtClean="0">
+                <a:solidFill>
+                  <a:schemeClr val="tx1"/>
+                </a:solidFill>
+              </a:rPr>
+              <a:t>Map.Entry</a:t>
+            </a:r>
+            <a:endParaRPr lang="zh-CN" altLang="en-US" sz="2000" b="1" dirty="0">
+              <a:solidFill>
+                <a:schemeClr val="tx1"/>
+              </a:solidFill>
+            </a:endParaRPr>
+          </a:p>
+        </p:txBody>
+      </p:sp>
+      <p:sp>
+        <p:nvSpPr>
+          <p:cNvPr id="22" name="圆角矩形 21"/>
+          <p:cNvSpPr/>
+          <p:nvPr/>
+        </p:nvSpPr>
+        <p:spPr>
+          <a:xfrm>
+            <a:off x="7539327" y="1774752"/>
+            <a:ext cx="819422" cy="519042"/>
+          </a:xfrm>
+          <a:prstGeom prst="roundRect">
+            <a:avLst/>
+          </a:prstGeom>
+        </p:spPr>
+        <p:style>
+          <a:lnRef idx="1">
+            <a:schemeClr val="accent6"/>
+          </a:lnRef>
+          <a:fillRef idx="3">
+            <a:schemeClr val="accent6"/>
+          </a:fillRef>
+          <a:effectRef idx="2">
+            <a:schemeClr val="accent6"/>
+          </a:effectRef>
+          <a:fontRef idx="minor">
+            <a:schemeClr val="lt1"/>
+          </a:fontRef>
+        </p:style>
+        <p:txBody>
+          <a:bodyPr rtlCol="0" anchor="ctr"/>
+          <a:lstStyle/>
+          <a:p>
+            <a:pPr algn="ctr"/>
+            <a:r>
+              <a:rPr lang="en-US" altLang="zh-CN" sz="2000" b="1" dirty="0" smtClean="0">
+                <a:solidFill>
+                  <a:schemeClr val="tx1"/>
+                </a:solidFill>
+              </a:rPr>
+              <a:t>key</a:t>
+            </a:r>
+            <a:endParaRPr lang="zh-CN" altLang="en-US" sz="2000" b="1" dirty="0">
+              <a:solidFill>
+                <a:schemeClr val="tx1"/>
+              </a:solidFill>
+            </a:endParaRPr>
+          </a:p>
+        </p:txBody>
+      </p:sp>
+      <p:sp>
+        <p:nvSpPr>
+          <p:cNvPr id="23" name="圆角矩形 22"/>
+          <p:cNvSpPr/>
+          <p:nvPr/>
+        </p:nvSpPr>
+        <p:spPr>
+          <a:xfrm>
+            <a:off x="8374922" y="1767781"/>
+            <a:ext cx="1112640" cy="519042"/>
+          </a:xfrm>
+          <a:prstGeom prst="roundRect">
+            <a:avLst/>
+          </a:prstGeom>
+        </p:spPr>
+        <p:style>
+          <a:lnRef idx="1">
+            <a:schemeClr val="accent4"/>
+          </a:lnRef>
+          <a:fillRef idx="3">
+            <a:schemeClr val="accent4"/>
+          </a:fillRef>
+          <a:effectRef idx="2">
+            <a:schemeClr val="accent4"/>
+          </a:effectRef>
+          <a:fontRef idx="minor">
+            <a:schemeClr val="lt1"/>
+          </a:fontRef>
+        </p:style>
+        <p:txBody>
+          <a:bodyPr rtlCol="0" anchor="ctr"/>
+          <a:lstStyle/>
+          <a:p>
+            <a:pPr algn="ctr"/>
+            <a:r>
+              <a:rPr lang="en-US" altLang="zh-CN" sz="2000" b="1" dirty="0" smtClean="0">
+                <a:solidFill>
+                  <a:schemeClr val="tx1"/>
+                </a:solidFill>
+              </a:rPr>
+              <a:t>value</a:t>
+            </a:r>
+            <a:endParaRPr lang="zh-CN" altLang="en-US" sz="2000" b="1" dirty="0">
+              <a:solidFill>
+                <a:schemeClr val="tx1"/>
+              </a:solidFill>
+            </a:endParaRPr>
+          </a:p>
+        </p:txBody>
+      </p:sp>
+      <p:sp>
+        <p:nvSpPr>
+          <p:cNvPr id="24" name="圆角矩形 23"/>
+          <p:cNvSpPr/>
+          <p:nvPr/>
+        </p:nvSpPr>
+        <p:spPr>
+          <a:xfrm>
+            <a:off x="7208400" y="2806760"/>
+            <a:ext cx="2603863" cy="1160004"/>
+          </a:xfrm>
+          <a:prstGeom prst="roundRect">
+            <a:avLst/>
+          </a:prstGeom>
+        </p:spPr>
+        <p:style>
+          <a:lnRef idx="1">
+            <a:schemeClr val="accent5"/>
+          </a:lnRef>
+          <a:fillRef idx="2">
+            <a:schemeClr val="accent5"/>
+          </a:fillRef>
+          <a:effectRef idx="1">
+            <a:schemeClr val="accent5"/>
+          </a:effectRef>
+          <a:fontRef idx="minor">
+            <a:schemeClr val="dk1"/>
+          </a:fontRef>
+        </p:style>
+        <p:txBody>
+          <a:bodyPr rtlCol="0" anchor="t"/>
+          <a:lstStyle/>
+          <a:p>
+            <a:pPr algn="ctr"/>
+            <a:r>
+              <a:rPr lang="en-US" altLang="zh-CN" sz="2000" b="1" dirty="0" err="1" smtClean="0">
+                <a:solidFill>
+                  <a:schemeClr val="tx1"/>
+                </a:solidFill>
+              </a:rPr>
+              <a:t>Map.Entry</a:t>
+            </a:r>
+            <a:endParaRPr lang="zh-CN" altLang="en-US" sz="2000" b="1" dirty="0">
+              <a:solidFill>
+                <a:schemeClr val="tx1"/>
+              </a:solidFill>
+            </a:endParaRPr>
+          </a:p>
+        </p:txBody>
+      </p:sp>
+      <p:sp>
+        <p:nvSpPr>
+          <p:cNvPr id="25" name="圆角矩形 24"/>
+          <p:cNvSpPr/>
+          <p:nvPr/>
+        </p:nvSpPr>
+        <p:spPr>
+          <a:xfrm>
+            <a:off x="7539327" y="3242167"/>
+            <a:ext cx="819422" cy="519042"/>
+          </a:xfrm>
+          <a:prstGeom prst="roundRect">
+            <a:avLst/>
+          </a:prstGeom>
+        </p:spPr>
+        <p:style>
+          <a:lnRef idx="1">
+            <a:schemeClr val="accent6"/>
+          </a:lnRef>
+          <a:fillRef idx="3">
+            <a:schemeClr val="accent6"/>
+          </a:fillRef>
+          <a:effectRef idx="2">
+            <a:schemeClr val="accent6"/>
+          </a:effectRef>
+          <a:fontRef idx="minor">
+            <a:schemeClr val="lt1"/>
+          </a:fontRef>
+        </p:style>
+        <p:txBody>
+          <a:bodyPr rtlCol="0" anchor="ctr"/>
+          <a:lstStyle/>
+          <a:p>
+            <a:pPr algn="ctr"/>
+            <a:r>
+              <a:rPr lang="en-US" altLang="zh-CN" sz="2000" b="1" dirty="0" smtClean="0">
+                <a:solidFill>
+                  <a:schemeClr val="tx1"/>
+                </a:solidFill>
+              </a:rPr>
+              <a:t>key</a:t>
+            </a:r>
+            <a:endParaRPr lang="zh-CN" altLang="en-US" sz="2000" b="1" dirty="0">
+              <a:solidFill>
+                <a:schemeClr val="tx1"/>
+              </a:solidFill>
+            </a:endParaRPr>
+          </a:p>
+        </p:txBody>
+      </p:sp>
+      <p:sp>
+        <p:nvSpPr>
+          <p:cNvPr id="26" name="圆角矩形 25"/>
+          <p:cNvSpPr/>
+          <p:nvPr/>
+        </p:nvSpPr>
+        <p:spPr>
+          <a:xfrm>
+            <a:off x="8374922" y="3235196"/>
+            <a:ext cx="1112640" cy="519042"/>
+          </a:xfrm>
+          <a:prstGeom prst="roundRect">
+            <a:avLst/>
+          </a:prstGeom>
+        </p:spPr>
+        <p:style>
+          <a:lnRef idx="1">
+            <a:schemeClr val="accent4"/>
+          </a:lnRef>
+          <a:fillRef idx="3">
+            <a:schemeClr val="accent4"/>
+          </a:fillRef>
+          <a:effectRef idx="2">
+            <a:schemeClr val="accent4"/>
+          </a:effectRef>
+          <a:fontRef idx="minor">
+            <a:schemeClr val="lt1"/>
+          </a:fontRef>
+        </p:style>
+        <p:txBody>
+          <a:bodyPr rtlCol="0" anchor="ctr"/>
+          <a:lstStyle/>
+          <a:p>
+            <a:pPr algn="ctr"/>
+            <a:r>
+              <a:rPr lang="en-US" altLang="zh-CN" sz="2000" b="1" dirty="0" smtClean="0">
+                <a:solidFill>
+                  <a:schemeClr val="tx1"/>
+                </a:solidFill>
+              </a:rPr>
+              <a:t>value</a:t>
+            </a:r>
+            <a:endParaRPr lang="zh-CN" altLang="en-US" sz="2000" b="1" dirty="0">
+              <a:solidFill>
+                <a:schemeClr val="tx1"/>
+              </a:solidFill>
+            </a:endParaRPr>
+          </a:p>
+        </p:txBody>
+      </p:sp>
+      <p:sp>
+        <p:nvSpPr>
+          <p:cNvPr id="30" name="圆角矩形 29"/>
+          <p:cNvSpPr/>
+          <p:nvPr/>
+        </p:nvSpPr>
+        <p:spPr>
+          <a:xfrm>
+            <a:off x="7208400" y="4330760"/>
+            <a:ext cx="2603863" cy="1160004"/>
+          </a:xfrm>
+          <a:prstGeom prst="roundRect">
+            <a:avLst/>
+          </a:prstGeom>
+        </p:spPr>
+        <p:style>
+          <a:lnRef idx="1">
+            <a:schemeClr val="accent5"/>
+          </a:lnRef>
+          <a:fillRef idx="2">
+            <a:schemeClr val="accent5"/>
+          </a:fillRef>
+          <a:effectRef idx="1">
+            <a:schemeClr val="accent5"/>
+          </a:effectRef>
+          <a:fontRef idx="minor">
+            <a:schemeClr val="dk1"/>
+          </a:fontRef>
+        </p:style>
+        <p:txBody>
+          <a:bodyPr rtlCol="0" anchor="t"/>
+          <a:lstStyle/>
+          <a:p>
+            <a:pPr algn="ctr"/>
+            <a:r>
+              <a:rPr lang="en-US" altLang="zh-CN" sz="2000" b="1" dirty="0" err="1" smtClean="0">
+                <a:solidFill>
+                  <a:schemeClr val="tx1"/>
+                </a:solidFill>
+              </a:rPr>
+              <a:t>Map.Entry</a:t>
+            </a:r>
+            <a:endParaRPr lang="zh-CN" altLang="en-US" sz="2000" b="1" dirty="0">
+              <a:solidFill>
+                <a:schemeClr val="tx1"/>
+              </a:solidFill>
+            </a:endParaRPr>
+          </a:p>
+        </p:txBody>
+      </p:sp>
+      <p:sp>
+        <p:nvSpPr>
+          <p:cNvPr id="31" name="圆角矩形 30"/>
+          <p:cNvSpPr/>
+          <p:nvPr/>
+        </p:nvSpPr>
+        <p:spPr>
+          <a:xfrm>
+            <a:off x="7539327" y="4766167"/>
+            <a:ext cx="819422" cy="519042"/>
+          </a:xfrm>
+          <a:prstGeom prst="roundRect">
+            <a:avLst/>
+          </a:prstGeom>
+        </p:spPr>
+        <p:style>
+          <a:lnRef idx="1">
+            <a:schemeClr val="accent6"/>
+          </a:lnRef>
+          <a:fillRef idx="3">
+            <a:schemeClr val="accent6"/>
+          </a:fillRef>
+          <a:effectRef idx="2">
+            <a:schemeClr val="accent6"/>
+          </a:effectRef>
+          <a:fontRef idx="minor">
+            <a:schemeClr val="lt1"/>
+          </a:fontRef>
+        </p:style>
+        <p:txBody>
+          <a:bodyPr rtlCol="0" anchor="ctr"/>
+          <a:lstStyle/>
+          <a:p>
+            <a:pPr algn="ctr"/>
+            <a:r>
+              <a:rPr lang="en-US" altLang="zh-CN" sz="2000" b="1" dirty="0" smtClean="0">
+                <a:solidFill>
+                  <a:schemeClr val="tx1"/>
+                </a:solidFill>
+              </a:rPr>
+              <a:t>key</a:t>
+            </a:r>
+            <a:endParaRPr lang="zh-CN" altLang="en-US" sz="2000" b="1" dirty="0">
+              <a:solidFill>
+                <a:schemeClr val="tx1"/>
+              </a:solidFill>
+            </a:endParaRPr>
+          </a:p>
+        </p:txBody>
+      </p:sp>
+      <p:sp>
+        <p:nvSpPr>
+          <p:cNvPr id="32" name="圆角矩形 31"/>
+          <p:cNvSpPr/>
+          <p:nvPr/>
+        </p:nvSpPr>
+        <p:spPr>
+          <a:xfrm>
+            <a:off x="8374922" y="4759196"/>
+            <a:ext cx="1112640" cy="519042"/>
+          </a:xfrm>
+          <a:prstGeom prst="roundRect">
+            <a:avLst/>
+          </a:prstGeom>
+        </p:spPr>
+        <p:style>
+          <a:lnRef idx="1">
+            <a:schemeClr val="accent4"/>
+          </a:lnRef>
+          <a:fillRef idx="3">
+            <a:schemeClr val="accent4"/>
+          </a:fillRef>
+          <a:effectRef idx="2">
+            <a:schemeClr val="accent4"/>
+          </a:effectRef>
+          <a:fontRef idx="minor">
+            <a:schemeClr val="lt1"/>
+          </a:fontRef>
+        </p:style>
+        <p:txBody>
+          <a:bodyPr rtlCol="0" anchor="ctr"/>
+          <a:lstStyle/>
+          <a:p>
+            <a:pPr algn="ctr"/>
+            <a:r>
+              <a:rPr lang="en-US" altLang="zh-CN" sz="2000" b="1" dirty="0" smtClean="0">
+                <a:solidFill>
+                  <a:schemeClr val="tx1"/>
+                </a:solidFill>
+              </a:rPr>
+              <a:t>value</a:t>
+            </a:r>
+            <a:endParaRPr lang="zh-CN" altLang="en-US" sz="2000" b="1" dirty="0">
+              <a:solidFill>
+                <a:schemeClr val="tx1"/>
+              </a:solidFill>
+            </a:endParaRPr>
+          </a:p>
+        </p:txBody>
+      </p:sp>
     </p:spTree>
     <p:extLst>
       <p:ext uri="{BB962C8B-B14F-4D97-AF65-F5344CB8AC3E}">
@@ -52013,7 +53068,7 @@
   <a:extraClrSchemeLst/>
   <a:extLst>
     <a:ext uri="{05A4C25C-085E-4340-85A3-A5531E510DB2}">
-      <thm15:themeFamily xmlns="" xmlns:thm15="http://schemas.microsoft.com/office/thememl/2012/main" name="Office Theme" id="{62F939B6-93AF-4DB8-9C6B-D6C7DFDC589F}" vid="{4A3C46E8-61CC-4603-A589-7422A47A8E4A}"/>
+      <thm15:themeFamily xmlns:thm15="http://schemas.microsoft.com/office/thememl/2012/main" xmlns="" name="Office Theme" id="{62F939B6-93AF-4DB8-9C6B-D6C7DFDC589F}" vid="{4A3C46E8-61CC-4603-A589-7422A47A8E4A}"/>
     </a:ext>
   </a:extLst>
 </a:theme>

--- a/assets/Pictures.pptx
+++ b/assets/Pictures.pptx
@@ -35,6 +35,9 @@
     <p:sldId id="284" r:id="rId29"/>
     <p:sldId id="285" r:id="rId30"/>
     <p:sldId id="286" r:id="rId31"/>
+    <p:sldId id="287" r:id="rId32"/>
+    <p:sldId id="288" r:id="rId33"/>
+    <p:sldId id="289" r:id="rId34"/>
   </p:sldIdLst>
   <p:sldSz cx="12192000" cy="6858000"/>
   <p:notesSz cx="6858000" cy="9144000"/>
@@ -267,7 +270,7 @@
           <a:p>
             <a:fld id="{D997B5FA-0921-464F-AAE1-844C04324D75}" type="datetimeFigureOut">
               <a:rPr lang="zh-CN" altLang="en-US" smtClean="0"/>
-              <a:t>2018/2/9</a:t>
+              <a:t>2018/2/23</a:t>
             </a:fld>
             <a:endParaRPr lang="zh-CN" altLang="en-US"/>
           </a:p>
@@ -437,7 +440,7 @@
           <a:p>
             <a:fld id="{D997B5FA-0921-464F-AAE1-844C04324D75}" type="datetimeFigureOut">
               <a:rPr lang="zh-CN" altLang="en-US" smtClean="0"/>
-              <a:t>2018/2/9</a:t>
+              <a:t>2018/2/23</a:t>
             </a:fld>
             <a:endParaRPr lang="zh-CN" altLang="en-US"/>
           </a:p>
@@ -617,7 +620,7 @@
           <a:p>
             <a:fld id="{D997B5FA-0921-464F-AAE1-844C04324D75}" type="datetimeFigureOut">
               <a:rPr lang="zh-CN" altLang="en-US" smtClean="0"/>
-              <a:t>2018/2/9</a:t>
+              <a:t>2018/2/23</a:t>
             </a:fld>
             <a:endParaRPr lang="zh-CN" altLang="en-US"/>
           </a:p>
@@ -787,7 +790,7 @@
           <a:p>
             <a:fld id="{D997B5FA-0921-464F-AAE1-844C04324D75}" type="datetimeFigureOut">
               <a:rPr lang="zh-CN" altLang="en-US" smtClean="0"/>
-              <a:t>2018/2/9</a:t>
+              <a:t>2018/2/23</a:t>
             </a:fld>
             <a:endParaRPr lang="zh-CN" altLang="en-US"/>
           </a:p>
@@ -1033,7 +1036,7 @@
           <a:p>
             <a:fld id="{D997B5FA-0921-464F-AAE1-844C04324D75}" type="datetimeFigureOut">
               <a:rPr lang="zh-CN" altLang="en-US" smtClean="0"/>
-              <a:t>2018/2/9</a:t>
+              <a:t>2018/2/23</a:t>
             </a:fld>
             <a:endParaRPr lang="zh-CN" altLang="en-US"/>
           </a:p>
@@ -1265,7 +1268,7 @@
           <a:p>
             <a:fld id="{D997B5FA-0921-464F-AAE1-844C04324D75}" type="datetimeFigureOut">
               <a:rPr lang="zh-CN" altLang="en-US" smtClean="0"/>
-              <a:t>2018/2/9</a:t>
+              <a:t>2018/2/23</a:t>
             </a:fld>
             <a:endParaRPr lang="zh-CN" altLang="en-US"/>
           </a:p>
@@ -1632,7 +1635,7 @@
           <a:p>
             <a:fld id="{D997B5FA-0921-464F-AAE1-844C04324D75}" type="datetimeFigureOut">
               <a:rPr lang="zh-CN" altLang="en-US" smtClean="0"/>
-              <a:t>2018/2/9</a:t>
+              <a:t>2018/2/23</a:t>
             </a:fld>
             <a:endParaRPr lang="zh-CN" altLang="en-US"/>
           </a:p>
@@ -1750,7 +1753,7 @@
           <a:p>
             <a:fld id="{D997B5FA-0921-464F-AAE1-844C04324D75}" type="datetimeFigureOut">
               <a:rPr lang="zh-CN" altLang="en-US" smtClean="0"/>
-              <a:t>2018/2/9</a:t>
+              <a:t>2018/2/23</a:t>
             </a:fld>
             <a:endParaRPr lang="zh-CN" altLang="en-US"/>
           </a:p>
@@ -1845,7 +1848,7 @@
           <a:p>
             <a:fld id="{D997B5FA-0921-464F-AAE1-844C04324D75}" type="datetimeFigureOut">
               <a:rPr lang="zh-CN" altLang="en-US" smtClean="0"/>
-              <a:t>2018/2/9</a:t>
+              <a:t>2018/2/23</a:t>
             </a:fld>
             <a:endParaRPr lang="zh-CN" altLang="en-US"/>
           </a:p>
@@ -2122,7 +2125,7 @@
           <a:p>
             <a:fld id="{D997B5FA-0921-464F-AAE1-844C04324D75}" type="datetimeFigureOut">
               <a:rPr lang="zh-CN" altLang="en-US" smtClean="0"/>
-              <a:t>2018/2/9</a:t>
+              <a:t>2018/2/23</a:t>
             </a:fld>
             <a:endParaRPr lang="zh-CN" altLang="en-US"/>
           </a:p>
@@ -2375,7 +2378,7 @@
           <a:p>
             <a:fld id="{D997B5FA-0921-464F-AAE1-844C04324D75}" type="datetimeFigureOut">
               <a:rPr lang="zh-CN" altLang="en-US" smtClean="0"/>
-              <a:t>2018/2/9</a:t>
+              <a:t>2018/2/23</a:t>
             </a:fld>
             <a:endParaRPr lang="zh-CN" altLang="en-US"/>
           </a:p>
@@ -2588,7 +2591,7 @@
           <a:p>
             <a:fld id="{D997B5FA-0921-464F-AAE1-844C04324D75}" type="datetimeFigureOut">
               <a:rPr lang="zh-CN" altLang="en-US" smtClean="0"/>
-              <a:t>2018/2/9</a:t>
+              <a:t>2018/2/23</a:t>
             </a:fld>
             <a:endParaRPr lang="zh-CN" altLang="en-US"/>
           </a:p>
@@ -34617,7 +34620,7 @@
           <p:spPr>
             <a:xfrm>
               <a:off x="1243213" y="946961"/>
-              <a:ext cx="646331" cy="369332"/>
+              <a:ext cx="649537" cy="369332"/>
             </a:xfrm>
             <a:prstGeom prst="rect">
               <a:avLst/>
@@ -34636,7 +34639,7 @@
                     <a:schemeClr val="bg1"/>
                   </a:solidFill>
                 </a:rPr>
-                <a:t>开始</a:t>
+                <a:t>结束</a:t>
               </a:r>
               <a:endParaRPr lang="zh-CN" altLang="en-US" b="1" dirty="0">
                 <a:solidFill>
@@ -38916,6 +38919,7780 @@
     <p:extLst>
       <p:ext uri="{BB962C8B-B14F-4D97-AF65-F5344CB8AC3E}">
         <p14:creationId xmlns:p14="http://schemas.microsoft.com/office/powerpoint/2010/main" val="784749204"/>
+      </p:ext>
+    </p:extLst>
+  </p:cSld>
+  <p:clrMapOvr>
+    <a:masterClrMapping/>
+  </p:clrMapOvr>
+  <p:timing>
+    <p:tnLst>
+      <p:par>
+        <p:cTn id="1" dur="indefinite" restart="never" nodeType="tmRoot"/>
+      </p:par>
+    </p:tnLst>
+  </p:timing>
+</p:sld>
+</file>
+
+<file path=ppt/slides/slide31.xml><?xml version="1.0" encoding="utf-8"?>
+<p:sld xmlns:a="http://schemas.openxmlformats.org/drawingml/2006/main" xmlns:r="http://schemas.openxmlformats.org/officeDocument/2006/relationships" xmlns:p="http://schemas.openxmlformats.org/presentationml/2006/main">
+  <p:cSld>
+    <p:spTree>
+      <p:nvGrpSpPr>
+        <p:cNvPr id="1" name=""/>
+        <p:cNvGrpSpPr/>
+        <p:nvPr/>
+      </p:nvGrpSpPr>
+      <p:grpSpPr>
+        <a:xfrm>
+          <a:off x="0" y="0"/>
+          <a:ext cx="0" cy="0"/>
+          <a:chOff x="0" y="0"/>
+          <a:chExt cx="0" cy="0"/>
+        </a:xfrm>
+      </p:grpSpPr>
+      <p:sp>
+        <p:nvSpPr>
+          <p:cNvPr id="2" name="矩形 1"/>
+          <p:cNvSpPr/>
+          <p:nvPr/>
+        </p:nvSpPr>
+        <p:spPr>
+          <a:xfrm>
+            <a:off x="5888593" y="4215286"/>
+            <a:ext cx="2155370" cy="513184"/>
+          </a:xfrm>
+          <a:prstGeom prst="rect">
+            <a:avLst/>
+          </a:prstGeom>
+          <a:ln>
+            <a:solidFill>
+              <a:schemeClr val="tx1"/>
+            </a:solidFill>
+          </a:ln>
+        </p:spPr>
+        <p:style>
+          <a:lnRef idx="2">
+            <a:schemeClr val="accent4">
+              <a:shade val="50000"/>
+            </a:schemeClr>
+          </a:lnRef>
+          <a:fillRef idx="1">
+            <a:schemeClr val="accent4"/>
+          </a:fillRef>
+          <a:effectRef idx="0">
+            <a:schemeClr val="accent4"/>
+          </a:effectRef>
+          <a:fontRef idx="minor">
+            <a:schemeClr val="lt1"/>
+          </a:fontRef>
+        </p:style>
+        <p:txBody>
+          <a:bodyPr rtlCol="0" anchor="ctr"/>
+          <a:lstStyle/>
+          <a:p>
+            <a:pPr algn="ctr"/>
+            <a:r>
+              <a:rPr lang="en-US" altLang="zh-CN" b="1" dirty="0" smtClean="0">
+                <a:solidFill>
+                  <a:schemeClr val="tx1"/>
+                </a:solidFill>
+              </a:rPr>
+              <a:t>MySQL</a:t>
+            </a:r>
+            <a:r>
+              <a:rPr lang="zh-CN" altLang="en-US" b="1" dirty="0" smtClean="0">
+                <a:solidFill>
+                  <a:schemeClr val="tx1"/>
+                </a:solidFill>
+              </a:rPr>
+              <a:t>连接实现</a:t>
+            </a:r>
+            <a:endParaRPr lang="zh-CN" altLang="en-US" b="1" dirty="0">
+              <a:solidFill>
+                <a:schemeClr val="tx1"/>
+              </a:solidFill>
+            </a:endParaRPr>
+          </a:p>
+        </p:txBody>
+      </p:sp>
+      <p:sp>
+        <p:nvSpPr>
+          <p:cNvPr id="3" name="矩形 2"/>
+          <p:cNvSpPr/>
+          <p:nvPr/>
+        </p:nvSpPr>
+        <p:spPr>
+          <a:xfrm>
+            <a:off x="5888593" y="4728470"/>
+            <a:ext cx="2155370" cy="226655"/>
+          </a:xfrm>
+          <a:prstGeom prst="rect">
+            <a:avLst/>
+          </a:prstGeom>
+          <a:ln/>
+        </p:spPr>
+        <p:style>
+          <a:lnRef idx="2">
+            <a:schemeClr val="dk1"/>
+          </a:lnRef>
+          <a:fillRef idx="1">
+            <a:schemeClr val="lt1"/>
+          </a:fillRef>
+          <a:effectRef idx="0">
+            <a:schemeClr val="dk1"/>
+          </a:effectRef>
+          <a:fontRef idx="minor">
+            <a:schemeClr val="dk1"/>
+          </a:fontRef>
+        </p:style>
+        <p:txBody>
+          <a:bodyPr rtlCol="0" anchor="ctr"/>
+          <a:lstStyle/>
+          <a:p>
+            <a:pPr algn="ctr"/>
+            <a:endParaRPr lang="zh-CN" altLang="en-US" sz="1400" dirty="0">
+              <a:solidFill>
+                <a:schemeClr val="tx1"/>
+              </a:solidFill>
+            </a:endParaRPr>
+          </a:p>
+        </p:txBody>
+      </p:sp>
+      <p:sp>
+        <p:nvSpPr>
+          <p:cNvPr id="4" name="矩形 3"/>
+          <p:cNvSpPr/>
+          <p:nvPr/>
+        </p:nvSpPr>
+        <p:spPr>
+          <a:xfrm>
+            <a:off x="5888593" y="4955125"/>
+            <a:ext cx="2155370" cy="226655"/>
+          </a:xfrm>
+          <a:prstGeom prst="rect">
+            <a:avLst/>
+          </a:prstGeom>
+          <a:ln/>
+        </p:spPr>
+        <p:style>
+          <a:lnRef idx="2">
+            <a:schemeClr val="dk1"/>
+          </a:lnRef>
+          <a:fillRef idx="1">
+            <a:schemeClr val="lt1"/>
+          </a:fillRef>
+          <a:effectRef idx="0">
+            <a:schemeClr val="dk1"/>
+          </a:effectRef>
+          <a:fontRef idx="minor">
+            <a:schemeClr val="dk1"/>
+          </a:fontRef>
+        </p:style>
+        <p:txBody>
+          <a:bodyPr rtlCol="0" anchor="ctr"/>
+          <a:lstStyle/>
+          <a:p>
+            <a:pPr algn="ctr"/>
+            <a:endParaRPr lang="zh-CN" altLang="en-US" sz="1400" dirty="0">
+              <a:solidFill>
+                <a:schemeClr val="tx1"/>
+              </a:solidFill>
+            </a:endParaRPr>
+          </a:p>
+        </p:txBody>
+      </p:sp>
+      <p:sp>
+        <p:nvSpPr>
+          <p:cNvPr id="5" name="矩形 4"/>
+          <p:cNvSpPr/>
+          <p:nvPr/>
+        </p:nvSpPr>
+        <p:spPr>
+          <a:xfrm>
+            <a:off x="2841262" y="4215286"/>
+            <a:ext cx="2155370" cy="513184"/>
+          </a:xfrm>
+          <a:prstGeom prst="rect">
+            <a:avLst/>
+          </a:prstGeom>
+          <a:ln>
+            <a:solidFill>
+              <a:schemeClr val="tx1"/>
+            </a:solidFill>
+          </a:ln>
+        </p:spPr>
+        <p:style>
+          <a:lnRef idx="2">
+            <a:schemeClr val="accent4">
+              <a:shade val="50000"/>
+            </a:schemeClr>
+          </a:lnRef>
+          <a:fillRef idx="1">
+            <a:schemeClr val="accent4"/>
+          </a:fillRef>
+          <a:effectRef idx="0">
+            <a:schemeClr val="accent4"/>
+          </a:effectRef>
+          <a:fontRef idx="minor">
+            <a:schemeClr val="lt1"/>
+          </a:fontRef>
+        </p:style>
+        <p:txBody>
+          <a:bodyPr rtlCol="0" anchor="ctr"/>
+          <a:lstStyle/>
+          <a:p>
+            <a:pPr algn="ctr"/>
+            <a:r>
+              <a:rPr lang="en-US" altLang="zh-CN" b="1" dirty="0" smtClean="0">
+                <a:solidFill>
+                  <a:schemeClr val="tx1"/>
+                </a:solidFill>
+              </a:rPr>
+              <a:t>Oracle</a:t>
+            </a:r>
+            <a:r>
+              <a:rPr lang="zh-CN" altLang="en-US" b="1" dirty="0" smtClean="0">
+                <a:solidFill>
+                  <a:schemeClr val="tx1"/>
+                </a:solidFill>
+              </a:rPr>
+              <a:t>连接实现</a:t>
+            </a:r>
+            <a:endParaRPr lang="zh-CN" altLang="en-US" b="1" dirty="0">
+              <a:solidFill>
+                <a:schemeClr val="tx1"/>
+              </a:solidFill>
+            </a:endParaRPr>
+          </a:p>
+        </p:txBody>
+      </p:sp>
+      <p:sp>
+        <p:nvSpPr>
+          <p:cNvPr id="6" name="矩形 5"/>
+          <p:cNvSpPr/>
+          <p:nvPr/>
+        </p:nvSpPr>
+        <p:spPr>
+          <a:xfrm>
+            <a:off x="2841262" y="4728470"/>
+            <a:ext cx="2155370" cy="226655"/>
+          </a:xfrm>
+          <a:prstGeom prst="rect">
+            <a:avLst/>
+          </a:prstGeom>
+          <a:ln/>
+        </p:spPr>
+        <p:style>
+          <a:lnRef idx="2">
+            <a:schemeClr val="dk1"/>
+          </a:lnRef>
+          <a:fillRef idx="1">
+            <a:schemeClr val="lt1"/>
+          </a:fillRef>
+          <a:effectRef idx="0">
+            <a:schemeClr val="dk1"/>
+          </a:effectRef>
+          <a:fontRef idx="minor">
+            <a:schemeClr val="dk1"/>
+          </a:fontRef>
+        </p:style>
+        <p:txBody>
+          <a:bodyPr rtlCol="0" anchor="ctr"/>
+          <a:lstStyle/>
+          <a:p>
+            <a:pPr algn="ctr"/>
+            <a:endParaRPr lang="zh-CN" altLang="en-US" sz="1400" dirty="0">
+              <a:solidFill>
+                <a:schemeClr val="tx1"/>
+              </a:solidFill>
+            </a:endParaRPr>
+          </a:p>
+        </p:txBody>
+      </p:sp>
+      <p:sp>
+        <p:nvSpPr>
+          <p:cNvPr id="7" name="矩形 6"/>
+          <p:cNvSpPr/>
+          <p:nvPr/>
+        </p:nvSpPr>
+        <p:spPr>
+          <a:xfrm>
+            <a:off x="2841262" y="4955125"/>
+            <a:ext cx="2155370" cy="226655"/>
+          </a:xfrm>
+          <a:prstGeom prst="rect">
+            <a:avLst/>
+          </a:prstGeom>
+          <a:ln/>
+        </p:spPr>
+        <p:style>
+          <a:lnRef idx="2">
+            <a:schemeClr val="dk1"/>
+          </a:lnRef>
+          <a:fillRef idx="1">
+            <a:schemeClr val="lt1"/>
+          </a:fillRef>
+          <a:effectRef idx="0">
+            <a:schemeClr val="dk1"/>
+          </a:effectRef>
+          <a:fontRef idx="minor">
+            <a:schemeClr val="dk1"/>
+          </a:fontRef>
+        </p:style>
+        <p:txBody>
+          <a:bodyPr rtlCol="0" anchor="ctr"/>
+          <a:lstStyle/>
+          <a:p>
+            <a:pPr algn="ctr"/>
+            <a:endParaRPr lang="zh-CN" altLang="en-US" sz="1400" dirty="0">
+              <a:solidFill>
+                <a:schemeClr val="tx1"/>
+              </a:solidFill>
+            </a:endParaRPr>
+          </a:p>
+        </p:txBody>
+      </p:sp>
+      <p:sp>
+        <p:nvSpPr>
+          <p:cNvPr id="8" name="矩形 7"/>
+          <p:cNvSpPr/>
+          <p:nvPr/>
+        </p:nvSpPr>
+        <p:spPr>
+          <a:xfrm>
+            <a:off x="4380609" y="1828732"/>
+            <a:ext cx="2155370" cy="513184"/>
+          </a:xfrm>
+          <a:prstGeom prst="rect">
+            <a:avLst/>
+          </a:prstGeom>
+          <a:solidFill>
+            <a:schemeClr val="accent1">
+              <a:lumMod val="60000"/>
+              <a:lumOff val="40000"/>
+            </a:schemeClr>
+          </a:solidFill>
+          <a:ln>
+            <a:solidFill>
+              <a:schemeClr val="tx1"/>
+            </a:solidFill>
+          </a:ln>
+        </p:spPr>
+        <p:style>
+          <a:lnRef idx="2">
+            <a:schemeClr val="accent1">
+              <a:shade val="50000"/>
+            </a:schemeClr>
+          </a:lnRef>
+          <a:fillRef idx="1">
+            <a:schemeClr val="accent1"/>
+          </a:fillRef>
+          <a:effectRef idx="0">
+            <a:schemeClr val="accent1"/>
+          </a:effectRef>
+          <a:fontRef idx="minor">
+            <a:schemeClr val="lt1"/>
+          </a:fontRef>
+        </p:style>
+        <p:txBody>
+          <a:bodyPr rtlCol="0" anchor="ctr"/>
+          <a:lstStyle/>
+          <a:p>
+            <a:pPr algn="ctr"/>
+            <a:r>
+              <a:rPr lang="en-US" altLang="zh-CN" b="1" dirty="0" smtClean="0">
+                <a:solidFill>
+                  <a:schemeClr val="tx1"/>
+                </a:solidFill>
+              </a:rPr>
+              <a:t>Connection</a:t>
+            </a:r>
+            <a:endParaRPr lang="zh-CN" altLang="en-US" b="1" dirty="0">
+              <a:solidFill>
+                <a:schemeClr val="tx1"/>
+              </a:solidFill>
+            </a:endParaRPr>
+          </a:p>
+        </p:txBody>
+      </p:sp>
+      <p:sp>
+        <p:nvSpPr>
+          <p:cNvPr id="9" name="矩形 8"/>
+          <p:cNvSpPr/>
+          <p:nvPr/>
+        </p:nvSpPr>
+        <p:spPr>
+          <a:xfrm>
+            <a:off x="4380609" y="2341916"/>
+            <a:ext cx="2155370" cy="226655"/>
+          </a:xfrm>
+          <a:prstGeom prst="rect">
+            <a:avLst/>
+          </a:prstGeom>
+          <a:ln/>
+        </p:spPr>
+        <p:style>
+          <a:lnRef idx="2">
+            <a:schemeClr val="dk1"/>
+          </a:lnRef>
+          <a:fillRef idx="1">
+            <a:schemeClr val="lt1"/>
+          </a:fillRef>
+          <a:effectRef idx="0">
+            <a:schemeClr val="dk1"/>
+          </a:effectRef>
+          <a:fontRef idx="minor">
+            <a:schemeClr val="dk1"/>
+          </a:fontRef>
+        </p:style>
+        <p:txBody>
+          <a:bodyPr rtlCol="0" anchor="ctr"/>
+          <a:lstStyle/>
+          <a:p>
+            <a:pPr algn="ctr"/>
+            <a:endParaRPr lang="zh-CN" altLang="en-US" sz="1400" dirty="0">
+              <a:solidFill>
+                <a:schemeClr val="tx1"/>
+              </a:solidFill>
+            </a:endParaRPr>
+          </a:p>
+        </p:txBody>
+      </p:sp>
+      <p:sp>
+        <p:nvSpPr>
+          <p:cNvPr id="10" name="矩形 9"/>
+          <p:cNvSpPr/>
+          <p:nvPr/>
+        </p:nvSpPr>
+        <p:spPr>
+          <a:xfrm>
+            <a:off x="4380609" y="2568571"/>
+            <a:ext cx="2155370" cy="226655"/>
+          </a:xfrm>
+          <a:prstGeom prst="rect">
+            <a:avLst/>
+          </a:prstGeom>
+          <a:ln/>
+        </p:spPr>
+        <p:style>
+          <a:lnRef idx="2">
+            <a:schemeClr val="dk1"/>
+          </a:lnRef>
+          <a:fillRef idx="1">
+            <a:schemeClr val="lt1"/>
+          </a:fillRef>
+          <a:effectRef idx="0">
+            <a:schemeClr val="dk1"/>
+          </a:effectRef>
+          <a:fontRef idx="minor">
+            <a:schemeClr val="dk1"/>
+          </a:fontRef>
+        </p:style>
+        <p:txBody>
+          <a:bodyPr rtlCol="0" anchor="ctr"/>
+          <a:lstStyle/>
+          <a:p>
+            <a:pPr algn="ctr"/>
+            <a:endParaRPr lang="zh-CN" altLang="en-US" sz="1400" dirty="0">
+              <a:solidFill>
+                <a:schemeClr val="tx1"/>
+              </a:solidFill>
+            </a:endParaRPr>
+          </a:p>
+        </p:txBody>
+      </p:sp>
+      <p:sp>
+        <p:nvSpPr>
+          <p:cNvPr id="11" name="等腰三角形 10"/>
+          <p:cNvSpPr/>
+          <p:nvPr/>
+        </p:nvSpPr>
+        <p:spPr>
+          <a:xfrm>
+            <a:off x="5725212" y="2814415"/>
+            <a:ext cx="261257" cy="225222"/>
+          </a:xfrm>
+          <a:prstGeom prst="triangle">
+            <a:avLst/>
+          </a:prstGeom>
+          <a:ln w="28575"/>
+        </p:spPr>
+        <p:style>
+          <a:lnRef idx="2">
+            <a:schemeClr val="dk1"/>
+          </a:lnRef>
+          <a:fillRef idx="1">
+            <a:schemeClr val="lt1"/>
+          </a:fillRef>
+          <a:effectRef idx="0">
+            <a:schemeClr val="dk1"/>
+          </a:effectRef>
+          <a:fontRef idx="minor">
+            <a:schemeClr val="dk1"/>
+          </a:fontRef>
+        </p:style>
+        <p:txBody>
+          <a:bodyPr rtlCol="0" anchor="ctr"/>
+          <a:lstStyle/>
+          <a:p>
+            <a:pPr algn="ctr"/>
+            <a:endParaRPr lang="zh-CN" altLang="en-US"/>
+          </a:p>
+        </p:txBody>
+      </p:sp>
+      <p:sp>
+        <p:nvSpPr>
+          <p:cNvPr id="12" name="等腰三角形 11"/>
+          <p:cNvSpPr/>
+          <p:nvPr/>
+        </p:nvSpPr>
+        <p:spPr>
+          <a:xfrm>
+            <a:off x="4866003" y="2813862"/>
+            <a:ext cx="261257" cy="225222"/>
+          </a:xfrm>
+          <a:prstGeom prst="triangle">
+            <a:avLst/>
+          </a:prstGeom>
+          <a:ln w="28575"/>
+        </p:spPr>
+        <p:style>
+          <a:lnRef idx="2">
+            <a:schemeClr val="dk1"/>
+          </a:lnRef>
+          <a:fillRef idx="1">
+            <a:schemeClr val="lt1"/>
+          </a:fillRef>
+          <a:effectRef idx="0">
+            <a:schemeClr val="dk1"/>
+          </a:effectRef>
+          <a:fontRef idx="minor">
+            <a:schemeClr val="dk1"/>
+          </a:fontRef>
+        </p:style>
+        <p:txBody>
+          <a:bodyPr rtlCol="0" anchor="ctr"/>
+          <a:lstStyle/>
+          <a:p>
+            <a:pPr algn="ctr"/>
+            <a:endParaRPr lang="zh-CN" altLang="en-US" dirty="0"/>
+          </a:p>
+        </p:txBody>
+      </p:sp>
+      <p:cxnSp>
+        <p:nvCxnSpPr>
+          <p:cNvPr id="13" name="肘形连接符 12"/>
+          <p:cNvCxnSpPr>
+            <a:stCxn id="2" idx="0"/>
+            <a:endCxn id="11" idx="3"/>
+          </p:cNvCxnSpPr>
+          <p:nvPr/>
+        </p:nvCxnSpPr>
+        <p:spPr>
+          <a:xfrm rot="16200000" flipV="1">
+            <a:off x="5823236" y="3072243"/>
+            <a:ext cx="1175649" cy="1110437"/>
+          </a:xfrm>
+          <a:prstGeom prst="bentConnector3">
+            <a:avLst>
+              <a:gd name="adj1" fmla="val 50000"/>
+            </a:avLst>
+          </a:prstGeom>
+          <a:ln w="28575">
+            <a:prstDash val="dash"/>
+            <a:headEnd type="none" w="med" len="med"/>
+            <a:tailEnd type="none" w="med" len="med"/>
+          </a:ln>
+        </p:spPr>
+        <p:style>
+          <a:lnRef idx="3">
+            <a:schemeClr val="dk1"/>
+          </a:lnRef>
+          <a:fillRef idx="0">
+            <a:schemeClr val="dk1"/>
+          </a:fillRef>
+          <a:effectRef idx="2">
+            <a:schemeClr val="dk1"/>
+          </a:effectRef>
+          <a:fontRef idx="minor">
+            <a:schemeClr val="tx1"/>
+          </a:fontRef>
+        </p:style>
+      </p:cxnSp>
+      <p:cxnSp>
+        <p:nvCxnSpPr>
+          <p:cNvPr id="14" name="肘形连接符 13"/>
+          <p:cNvCxnSpPr>
+            <a:stCxn id="5" idx="0"/>
+            <a:endCxn id="12" idx="3"/>
+          </p:cNvCxnSpPr>
+          <p:nvPr/>
+        </p:nvCxnSpPr>
+        <p:spPr>
+          <a:xfrm rot="5400000" flipH="1" flipV="1">
+            <a:off x="3869688" y="3088343"/>
+            <a:ext cx="1176202" cy="1077685"/>
+          </a:xfrm>
+          <a:prstGeom prst="bentConnector3">
+            <a:avLst>
+              <a:gd name="adj1" fmla="val 50000"/>
+            </a:avLst>
+          </a:prstGeom>
+          <a:ln w="28575">
+            <a:prstDash val="dash"/>
+            <a:headEnd type="none" w="med" len="med"/>
+            <a:tailEnd type="none" w="med" len="med"/>
+          </a:ln>
+        </p:spPr>
+        <p:style>
+          <a:lnRef idx="3">
+            <a:schemeClr val="dk1"/>
+          </a:lnRef>
+          <a:fillRef idx="0">
+            <a:schemeClr val="dk1"/>
+          </a:fillRef>
+          <a:effectRef idx="2">
+            <a:schemeClr val="dk1"/>
+          </a:effectRef>
+          <a:fontRef idx="minor">
+            <a:schemeClr val="tx1"/>
+          </a:fontRef>
+        </p:style>
+      </p:cxnSp>
+      <p:sp>
+        <p:nvSpPr>
+          <p:cNvPr id="16" name="圆角矩形 15"/>
+          <p:cNvSpPr/>
+          <p:nvPr/>
+        </p:nvSpPr>
+        <p:spPr>
+          <a:xfrm>
+            <a:off x="1056240" y="1024083"/>
+            <a:ext cx="1878565" cy="924606"/>
+          </a:xfrm>
+          <a:prstGeom prst="roundRect">
+            <a:avLst/>
+          </a:prstGeom>
+        </p:spPr>
+        <p:style>
+          <a:lnRef idx="1">
+            <a:schemeClr val="accent4"/>
+          </a:lnRef>
+          <a:fillRef idx="2">
+            <a:schemeClr val="accent4"/>
+          </a:fillRef>
+          <a:effectRef idx="1">
+            <a:schemeClr val="accent4"/>
+          </a:effectRef>
+          <a:fontRef idx="minor">
+            <a:schemeClr val="dk1"/>
+          </a:fontRef>
+        </p:style>
+        <p:txBody>
+          <a:bodyPr rtlCol="0" anchor="ctr"/>
+          <a:lstStyle/>
+          <a:p>
+            <a:pPr algn="ctr"/>
+            <a:r>
+              <a:rPr lang="zh-CN" altLang="en-US" sz="2400" b="1" dirty="0" smtClean="0">
+                <a:solidFill>
+                  <a:schemeClr val="tx1"/>
+                </a:solidFill>
+              </a:rPr>
+              <a:t>客户端</a:t>
+            </a:r>
+            <a:endParaRPr lang="zh-CN" altLang="en-US" sz="2400" b="1" dirty="0">
+              <a:solidFill>
+                <a:schemeClr val="tx1"/>
+              </a:solidFill>
+            </a:endParaRPr>
+          </a:p>
+        </p:txBody>
+      </p:sp>
+      <p:sp>
+        <p:nvSpPr>
+          <p:cNvPr id="25" name="TextBox 24"/>
+          <p:cNvSpPr txBox="1"/>
+          <p:nvPr/>
+        </p:nvSpPr>
+        <p:spPr>
+          <a:xfrm>
+            <a:off x="1320542" y="5853623"/>
+            <a:ext cx="1441420" cy="307777"/>
+          </a:xfrm>
+          <a:prstGeom prst="rect">
+            <a:avLst/>
+          </a:prstGeom>
+          <a:noFill/>
+        </p:spPr>
+        <p:txBody>
+          <a:bodyPr wrap="none" rtlCol="0">
+            <a:spAutoFit/>
+          </a:bodyPr>
+          <a:lstStyle/>
+          <a:p>
+            <a:r>
+              <a:rPr lang="zh-CN" altLang="en-US" sz="1400" b="1" dirty="0" smtClean="0"/>
+              <a:t>数据库驱动程序</a:t>
+            </a:r>
+            <a:endParaRPr lang="zh-CN" altLang="en-US" sz="1400" b="1" dirty="0"/>
+          </a:p>
+        </p:txBody>
+      </p:sp>
+      <p:sp>
+        <p:nvSpPr>
+          <p:cNvPr id="34" name="矩形 33"/>
+          <p:cNvSpPr/>
+          <p:nvPr/>
+        </p:nvSpPr>
+        <p:spPr>
+          <a:xfrm>
+            <a:off x="8789093" y="1828732"/>
+            <a:ext cx="2155370" cy="513184"/>
+          </a:xfrm>
+          <a:prstGeom prst="rect">
+            <a:avLst/>
+          </a:prstGeom>
+          <a:ln>
+            <a:solidFill>
+              <a:schemeClr val="tx1"/>
+            </a:solidFill>
+          </a:ln>
+        </p:spPr>
+        <p:style>
+          <a:lnRef idx="2">
+            <a:schemeClr val="accent4">
+              <a:shade val="50000"/>
+            </a:schemeClr>
+          </a:lnRef>
+          <a:fillRef idx="1">
+            <a:schemeClr val="accent4"/>
+          </a:fillRef>
+          <a:effectRef idx="0">
+            <a:schemeClr val="accent4"/>
+          </a:effectRef>
+          <a:fontRef idx="minor">
+            <a:schemeClr val="lt1"/>
+          </a:fontRef>
+        </p:style>
+        <p:txBody>
+          <a:bodyPr rtlCol="0" anchor="ctr"/>
+          <a:lstStyle/>
+          <a:p>
+            <a:pPr algn="ctr"/>
+            <a:r>
+              <a:rPr lang="en-US" altLang="zh-CN" b="1" dirty="0" err="1" smtClean="0">
+                <a:solidFill>
+                  <a:schemeClr val="tx1"/>
+                </a:solidFill>
+              </a:rPr>
+              <a:t>DriverManager</a:t>
+            </a:r>
+            <a:endParaRPr lang="zh-CN" altLang="en-US" b="1" dirty="0">
+              <a:solidFill>
+                <a:schemeClr val="tx1"/>
+              </a:solidFill>
+            </a:endParaRPr>
+          </a:p>
+        </p:txBody>
+      </p:sp>
+      <p:sp>
+        <p:nvSpPr>
+          <p:cNvPr id="35" name="矩形 34"/>
+          <p:cNvSpPr/>
+          <p:nvPr/>
+        </p:nvSpPr>
+        <p:spPr>
+          <a:xfrm>
+            <a:off x="8789093" y="2341916"/>
+            <a:ext cx="2155370" cy="226655"/>
+          </a:xfrm>
+          <a:prstGeom prst="rect">
+            <a:avLst/>
+          </a:prstGeom>
+          <a:ln/>
+        </p:spPr>
+        <p:style>
+          <a:lnRef idx="2">
+            <a:schemeClr val="dk1"/>
+          </a:lnRef>
+          <a:fillRef idx="1">
+            <a:schemeClr val="lt1"/>
+          </a:fillRef>
+          <a:effectRef idx="0">
+            <a:schemeClr val="dk1"/>
+          </a:effectRef>
+          <a:fontRef idx="minor">
+            <a:schemeClr val="dk1"/>
+          </a:fontRef>
+        </p:style>
+        <p:txBody>
+          <a:bodyPr rtlCol="0" anchor="ctr"/>
+          <a:lstStyle/>
+          <a:p>
+            <a:pPr algn="ctr"/>
+            <a:endParaRPr lang="zh-CN" altLang="en-US" sz="1400" dirty="0">
+              <a:solidFill>
+                <a:schemeClr val="tx1"/>
+              </a:solidFill>
+            </a:endParaRPr>
+          </a:p>
+        </p:txBody>
+      </p:sp>
+      <p:sp>
+        <p:nvSpPr>
+          <p:cNvPr id="36" name="矩形 35"/>
+          <p:cNvSpPr/>
+          <p:nvPr/>
+        </p:nvSpPr>
+        <p:spPr>
+          <a:xfrm>
+            <a:off x="8789093" y="2568571"/>
+            <a:ext cx="2155370" cy="226655"/>
+          </a:xfrm>
+          <a:prstGeom prst="rect">
+            <a:avLst/>
+          </a:prstGeom>
+          <a:ln/>
+        </p:spPr>
+        <p:style>
+          <a:lnRef idx="2">
+            <a:schemeClr val="dk1"/>
+          </a:lnRef>
+          <a:fillRef idx="1">
+            <a:schemeClr val="lt1"/>
+          </a:fillRef>
+          <a:effectRef idx="0">
+            <a:schemeClr val="dk1"/>
+          </a:effectRef>
+          <a:fontRef idx="minor">
+            <a:schemeClr val="dk1"/>
+          </a:fontRef>
+        </p:style>
+        <p:txBody>
+          <a:bodyPr rtlCol="0" anchor="ctr"/>
+          <a:lstStyle/>
+          <a:p>
+            <a:pPr algn="ctr"/>
+            <a:endParaRPr lang="zh-CN" altLang="en-US" sz="1400" dirty="0">
+              <a:solidFill>
+                <a:schemeClr val="tx1"/>
+              </a:solidFill>
+            </a:endParaRPr>
+          </a:p>
+        </p:txBody>
+      </p:sp>
+      <p:sp>
+        <p:nvSpPr>
+          <p:cNvPr id="37" name="TextBox 36"/>
+          <p:cNvSpPr txBox="1"/>
+          <p:nvPr/>
+        </p:nvSpPr>
+        <p:spPr>
+          <a:xfrm>
+            <a:off x="6938679" y="1736800"/>
+            <a:ext cx="1551643" cy="338554"/>
+          </a:xfrm>
+          <a:prstGeom prst="rect">
+            <a:avLst/>
+          </a:prstGeom>
+          <a:noFill/>
+        </p:spPr>
+        <p:txBody>
+          <a:bodyPr wrap="none" rtlCol="0">
+            <a:spAutoFit/>
+          </a:bodyPr>
+          <a:lstStyle/>
+          <a:p>
+            <a:r>
+              <a:rPr lang="en-US" altLang="zh-CN" sz="1600" b="1" dirty="0" err="1" smtClean="0"/>
+              <a:t>getConnection</a:t>
+            </a:r>
+            <a:r>
+              <a:rPr lang="en-US" altLang="zh-CN" sz="1600" b="1" dirty="0" smtClean="0"/>
+              <a:t>()</a:t>
+            </a:r>
+            <a:endParaRPr lang="zh-CN" altLang="en-US" sz="1600" b="1" dirty="0"/>
+          </a:p>
+        </p:txBody>
+      </p:sp>
+      <p:cxnSp>
+        <p:nvCxnSpPr>
+          <p:cNvPr id="38" name="肘形连接符 37"/>
+          <p:cNvCxnSpPr>
+            <a:stCxn id="16" idx="0"/>
+            <a:endCxn id="34" idx="0"/>
+          </p:cNvCxnSpPr>
+          <p:nvPr/>
+        </p:nvCxnSpPr>
+        <p:spPr>
+          <a:xfrm rot="16200000" flipH="1">
+            <a:off x="5528825" y="-2509220"/>
+            <a:ext cx="804649" cy="7871255"/>
+          </a:xfrm>
+          <a:prstGeom prst="bentConnector3">
+            <a:avLst>
+              <a:gd name="adj1" fmla="val -28410"/>
+            </a:avLst>
+          </a:prstGeom>
+          <a:ln w="28575">
+            <a:prstDash val="dash"/>
+            <a:headEnd type="none" w="med" len="med"/>
+            <a:tailEnd type="arrow" w="med" len="med"/>
+          </a:ln>
+        </p:spPr>
+        <p:style>
+          <a:lnRef idx="3">
+            <a:schemeClr val="dk1"/>
+          </a:lnRef>
+          <a:fillRef idx="0">
+            <a:schemeClr val="dk1"/>
+          </a:fillRef>
+          <a:effectRef idx="2">
+            <a:schemeClr val="dk1"/>
+          </a:effectRef>
+          <a:fontRef idx="minor">
+            <a:schemeClr val="tx1"/>
+          </a:fontRef>
+        </p:style>
+      </p:cxnSp>
+      <p:cxnSp>
+        <p:nvCxnSpPr>
+          <p:cNvPr id="44" name="肘形连接符 43"/>
+          <p:cNvCxnSpPr>
+            <a:stCxn id="16" idx="3"/>
+            <a:endCxn id="8" idx="1"/>
+          </p:cNvCxnSpPr>
+          <p:nvPr/>
+        </p:nvCxnSpPr>
+        <p:spPr>
+          <a:xfrm>
+            <a:off x="2934805" y="1486386"/>
+            <a:ext cx="1445804" cy="598938"/>
+          </a:xfrm>
+          <a:prstGeom prst="bentConnector3">
+            <a:avLst>
+              <a:gd name="adj1" fmla="val 50000"/>
+            </a:avLst>
+          </a:prstGeom>
+          <a:ln w="28575">
+            <a:prstDash val="dash"/>
+            <a:headEnd type="none" w="med" len="med"/>
+            <a:tailEnd type="arrow" w="med" len="med"/>
+          </a:ln>
+        </p:spPr>
+        <p:style>
+          <a:lnRef idx="3">
+            <a:schemeClr val="dk1"/>
+          </a:lnRef>
+          <a:fillRef idx="0">
+            <a:schemeClr val="dk1"/>
+          </a:fillRef>
+          <a:effectRef idx="2">
+            <a:schemeClr val="dk1"/>
+          </a:effectRef>
+          <a:fontRef idx="minor">
+            <a:schemeClr val="tx1"/>
+          </a:fontRef>
+        </p:style>
+      </p:cxnSp>
+      <p:cxnSp>
+        <p:nvCxnSpPr>
+          <p:cNvPr id="48" name="肘形连接符 47"/>
+          <p:cNvCxnSpPr>
+            <a:stCxn id="34" idx="1"/>
+            <a:endCxn id="8" idx="3"/>
+          </p:cNvCxnSpPr>
+          <p:nvPr/>
+        </p:nvCxnSpPr>
+        <p:spPr>
+          <a:xfrm rot="10800000">
+            <a:off x="6535979" y="2085324"/>
+            <a:ext cx="2253114" cy="12700"/>
+          </a:xfrm>
+          <a:prstGeom prst="bentConnector3">
+            <a:avLst>
+              <a:gd name="adj1" fmla="val 50000"/>
+            </a:avLst>
+          </a:prstGeom>
+          <a:ln w="28575">
+            <a:prstDash val="dash"/>
+            <a:headEnd type="none" w="med" len="med"/>
+            <a:tailEnd type="arrow" w="med" len="med"/>
+          </a:ln>
+        </p:spPr>
+        <p:style>
+          <a:lnRef idx="3">
+            <a:schemeClr val="dk1"/>
+          </a:lnRef>
+          <a:fillRef idx="0">
+            <a:schemeClr val="dk1"/>
+          </a:fillRef>
+          <a:effectRef idx="2">
+            <a:schemeClr val="dk1"/>
+          </a:effectRef>
+          <a:fontRef idx="minor">
+            <a:schemeClr val="tx1"/>
+          </a:fontRef>
+        </p:style>
+      </p:cxnSp>
+      <p:sp>
+        <p:nvSpPr>
+          <p:cNvPr id="55" name="流程图: 磁盘 54"/>
+          <p:cNvSpPr/>
+          <p:nvPr/>
+        </p:nvSpPr>
+        <p:spPr>
+          <a:xfrm>
+            <a:off x="3091567" y="5717908"/>
+            <a:ext cx="1611085" cy="579206"/>
+          </a:xfrm>
+          <a:prstGeom prst="flowChartMagneticDisk">
+            <a:avLst/>
+          </a:prstGeom>
+        </p:spPr>
+        <p:style>
+          <a:lnRef idx="2">
+            <a:schemeClr val="accent3">
+              <a:shade val="50000"/>
+            </a:schemeClr>
+          </a:lnRef>
+          <a:fillRef idx="1">
+            <a:schemeClr val="accent3"/>
+          </a:fillRef>
+          <a:effectRef idx="0">
+            <a:schemeClr val="accent3"/>
+          </a:effectRef>
+          <a:fontRef idx="minor">
+            <a:schemeClr val="lt1"/>
+          </a:fontRef>
+        </p:style>
+        <p:txBody>
+          <a:bodyPr rtlCol="0" anchor="ctr"/>
+          <a:lstStyle/>
+          <a:p>
+            <a:pPr algn="ctr"/>
+            <a:r>
+              <a:rPr lang="en-US" altLang="zh-CN" b="1" dirty="0" smtClean="0">
+                <a:solidFill>
+                  <a:schemeClr val="tx1"/>
+                </a:solidFill>
+              </a:rPr>
+              <a:t>Oracle</a:t>
+            </a:r>
+            <a:endParaRPr lang="zh-CN" altLang="en-US" b="1" dirty="0">
+              <a:solidFill>
+                <a:schemeClr val="tx1"/>
+              </a:solidFill>
+            </a:endParaRPr>
+          </a:p>
+        </p:txBody>
+      </p:sp>
+      <p:sp>
+        <p:nvSpPr>
+          <p:cNvPr id="56" name="流程图: 磁盘 55"/>
+          <p:cNvSpPr/>
+          <p:nvPr/>
+        </p:nvSpPr>
+        <p:spPr>
+          <a:xfrm>
+            <a:off x="6160736" y="5717908"/>
+            <a:ext cx="1611085" cy="579206"/>
+          </a:xfrm>
+          <a:prstGeom prst="flowChartMagneticDisk">
+            <a:avLst/>
+          </a:prstGeom>
+        </p:spPr>
+        <p:style>
+          <a:lnRef idx="2">
+            <a:schemeClr val="accent3">
+              <a:shade val="50000"/>
+            </a:schemeClr>
+          </a:lnRef>
+          <a:fillRef idx="1">
+            <a:schemeClr val="accent3"/>
+          </a:fillRef>
+          <a:effectRef idx="0">
+            <a:schemeClr val="accent3"/>
+          </a:effectRef>
+          <a:fontRef idx="minor">
+            <a:schemeClr val="lt1"/>
+          </a:fontRef>
+        </p:style>
+        <p:txBody>
+          <a:bodyPr rtlCol="0" anchor="ctr"/>
+          <a:lstStyle/>
+          <a:p>
+            <a:pPr algn="ctr"/>
+            <a:r>
+              <a:rPr lang="en-US" altLang="zh-CN" b="1" dirty="0" smtClean="0">
+                <a:solidFill>
+                  <a:schemeClr val="tx1"/>
+                </a:solidFill>
+              </a:rPr>
+              <a:t>MySQL</a:t>
+            </a:r>
+            <a:endParaRPr lang="zh-CN" altLang="en-US" b="1" dirty="0">
+              <a:solidFill>
+                <a:schemeClr val="tx1"/>
+              </a:solidFill>
+            </a:endParaRPr>
+          </a:p>
+        </p:txBody>
+      </p:sp>
+      <p:sp>
+        <p:nvSpPr>
+          <p:cNvPr id="58" name="下箭头 57"/>
+          <p:cNvSpPr/>
+          <p:nvPr/>
+        </p:nvSpPr>
+        <p:spPr>
+          <a:xfrm>
+            <a:off x="3773078" y="5338354"/>
+            <a:ext cx="291738" cy="296092"/>
+          </a:xfrm>
+          <a:prstGeom prst="downArrow">
+            <a:avLst/>
+          </a:prstGeom>
+        </p:spPr>
+        <p:style>
+          <a:lnRef idx="1">
+            <a:schemeClr val="accent3"/>
+          </a:lnRef>
+          <a:fillRef idx="3">
+            <a:schemeClr val="accent3"/>
+          </a:fillRef>
+          <a:effectRef idx="2">
+            <a:schemeClr val="accent3"/>
+          </a:effectRef>
+          <a:fontRef idx="minor">
+            <a:schemeClr val="lt1"/>
+          </a:fontRef>
+        </p:style>
+        <p:txBody>
+          <a:bodyPr rtlCol="0" anchor="ctr"/>
+          <a:lstStyle/>
+          <a:p>
+            <a:pPr algn="ctr"/>
+            <a:endParaRPr lang="zh-CN" altLang="en-US"/>
+          </a:p>
+        </p:txBody>
+      </p:sp>
+      <p:sp>
+        <p:nvSpPr>
+          <p:cNvPr id="59" name="下箭头 58"/>
+          <p:cNvSpPr/>
+          <p:nvPr/>
+        </p:nvSpPr>
+        <p:spPr>
+          <a:xfrm>
+            <a:off x="6820410" y="5338354"/>
+            <a:ext cx="291738" cy="296092"/>
+          </a:xfrm>
+          <a:prstGeom prst="downArrow">
+            <a:avLst/>
+          </a:prstGeom>
+        </p:spPr>
+        <p:style>
+          <a:lnRef idx="1">
+            <a:schemeClr val="accent3"/>
+          </a:lnRef>
+          <a:fillRef idx="3">
+            <a:schemeClr val="accent3"/>
+          </a:fillRef>
+          <a:effectRef idx="2">
+            <a:schemeClr val="accent3"/>
+          </a:effectRef>
+          <a:fontRef idx="minor">
+            <a:schemeClr val="lt1"/>
+          </a:fontRef>
+        </p:style>
+        <p:txBody>
+          <a:bodyPr rtlCol="0" anchor="ctr"/>
+          <a:lstStyle/>
+          <a:p>
+            <a:pPr algn="ctr"/>
+            <a:endParaRPr lang="zh-CN" altLang="en-US"/>
+          </a:p>
+        </p:txBody>
+      </p:sp>
+      <p:cxnSp>
+        <p:nvCxnSpPr>
+          <p:cNvPr id="63" name="曲线连接符 62"/>
+          <p:cNvCxnSpPr>
+            <a:stCxn id="36" idx="2"/>
+            <a:endCxn id="2" idx="3"/>
+          </p:cNvCxnSpPr>
+          <p:nvPr/>
+        </p:nvCxnSpPr>
+        <p:spPr>
+          <a:xfrm rot="5400000">
+            <a:off x="8117045" y="2722145"/>
+            <a:ext cx="1676652" cy="1822815"/>
+          </a:xfrm>
+          <a:prstGeom prst="curvedConnector2">
+            <a:avLst/>
+          </a:prstGeom>
+          <a:ln w="28575">
+            <a:headEnd type="none" w="med" len="med"/>
+            <a:tailEnd type="arrow" w="med" len="med"/>
+          </a:ln>
+        </p:spPr>
+        <p:style>
+          <a:lnRef idx="3">
+            <a:schemeClr val="accent5"/>
+          </a:lnRef>
+          <a:fillRef idx="0">
+            <a:schemeClr val="accent5"/>
+          </a:fillRef>
+          <a:effectRef idx="2">
+            <a:schemeClr val="accent5"/>
+          </a:effectRef>
+          <a:fontRef idx="minor">
+            <a:schemeClr val="tx1"/>
+          </a:fontRef>
+        </p:style>
+      </p:cxnSp>
+      <p:cxnSp>
+        <p:nvCxnSpPr>
+          <p:cNvPr id="68" name="曲线连接符 67"/>
+          <p:cNvCxnSpPr>
+            <a:stCxn id="36" idx="2"/>
+            <a:endCxn id="7" idx="2"/>
+          </p:cNvCxnSpPr>
+          <p:nvPr/>
+        </p:nvCxnSpPr>
+        <p:spPr>
+          <a:xfrm rot="5400000">
+            <a:off x="5699586" y="1014588"/>
+            <a:ext cx="2386554" cy="5947831"/>
+          </a:xfrm>
+          <a:prstGeom prst="curvedConnector3">
+            <a:avLst>
+              <a:gd name="adj1" fmla="val 109579"/>
+            </a:avLst>
+          </a:prstGeom>
+          <a:ln w="28575">
+            <a:headEnd type="none" w="med" len="med"/>
+            <a:tailEnd type="arrow" w="med" len="med"/>
+          </a:ln>
+        </p:spPr>
+        <p:style>
+          <a:lnRef idx="3">
+            <a:schemeClr val="accent5"/>
+          </a:lnRef>
+          <a:fillRef idx="0">
+            <a:schemeClr val="accent5"/>
+          </a:fillRef>
+          <a:effectRef idx="2">
+            <a:schemeClr val="accent5"/>
+          </a:effectRef>
+          <a:fontRef idx="minor">
+            <a:schemeClr val="tx1"/>
+          </a:fontRef>
+        </p:style>
+      </p:cxnSp>
+    </p:spTree>
+    <p:extLst>
+      <p:ext uri="{BB962C8B-B14F-4D97-AF65-F5344CB8AC3E}">
+        <p14:creationId xmlns:p14="http://schemas.microsoft.com/office/powerpoint/2010/main" val="2912255839"/>
+      </p:ext>
+    </p:extLst>
+  </p:cSld>
+  <p:clrMapOvr>
+    <a:masterClrMapping/>
+  </p:clrMapOvr>
+  <p:timing>
+    <p:tnLst>
+      <p:par>
+        <p:cTn id="1" dur="indefinite" restart="never" nodeType="tmRoot"/>
+      </p:par>
+    </p:tnLst>
+  </p:timing>
+</p:sld>
+</file>
+
+<file path=ppt/slides/slide32.xml><?xml version="1.0" encoding="utf-8"?>
+<p:sld xmlns:a="http://schemas.openxmlformats.org/drawingml/2006/main" xmlns:r="http://schemas.openxmlformats.org/officeDocument/2006/relationships" xmlns:p="http://schemas.openxmlformats.org/presentationml/2006/main">
+  <p:cSld>
+    <p:spTree>
+      <p:nvGrpSpPr>
+        <p:cNvPr id="1" name=""/>
+        <p:cNvGrpSpPr/>
+        <p:nvPr/>
+      </p:nvGrpSpPr>
+      <p:grpSpPr>
+        <a:xfrm>
+          <a:off x="0" y="0"/>
+          <a:ext cx="0" cy="0"/>
+          <a:chOff x="0" y="0"/>
+          <a:chExt cx="0" cy="0"/>
+        </a:xfrm>
+      </p:grpSpPr>
+      <p:sp>
+        <p:nvSpPr>
+          <p:cNvPr id="2" name="圆角矩形 1"/>
+          <p:cNvSpPr/>
+          <p:nvPr/>
+        </p:nvSpPr>
+        <p:spPr>
+          <a:xfrm>
+            <a:off x="1210491" y="1236617"/>
+            <a:ext cx="1724314" cy="712072"/>
+          </a:xfrm>
+          <a:prstGeom prst="roundRect">
+            <a:avLst/>
+          </a:prstGeom>
+        </p:spPr>
+        <p:style>
+          <a:lnRef idx="1">
+            <a:schemeClr val="accent4"/>
+          </a:lnRef>
+          <a:fillRef idx="2">
+            <a:schemeClr val="accent4"/>
+          </a:fillRef>
+          <a:effectRef idx="1">
+            <a:schemeClr val="accent4"/>
+          </a:effectRef>
+          <a:fontRef idx="minor">
+            <a:schemeClr val="dk1"/>
+          </a:fontRef>
+        </p:style>
+        <p:txBody>
+          <a:bodyPr rtlCol="0" anchor="ctr"/>
+          <a:lstStyle/>
+          <a:p>
+            <a:pPr algn="ctr"/>
+            <a:r>
+              <a:rPr lang="zh-CN" altLang="en-US" sz="2400" b="1" dirty="0" smtClean="0">
+                <a:solidFill>
+                  <a:schemeClr val="tx1"/>
+                </a:solidFill>
+              </a:rPr>
+              <a:t>程序</a:t>
+            </a:r>
+            <a:endParaRPr lang="zh-CN" altLang="en-US" sz="2400" b="1" dirty="0">
+              <a:solidFill>
+                <a:schemeClr val="tx1"/>
+              </a:solidFill>
+            </a:endParaRPr>
+          </a:p>
+        </p:txBody>
+      </p:sp>
+      <p:sp>
+        <p:nvSpPr>
+          <p:cNvPr id="3" name="圆角矩形 2"/>
+          <p:cNvSpPr/>
+          <p:nvPr/>
+        </p:nvSpPr>
+        <p:spPr>
+          <a:xfrm>
+            <a:off x="4206239" y="1820091"/>
+            <a:ext cx="1724314" cy="712072"/>
+          </a:xfrm>
+          <a:prstGeom prst="roundRect">
+            <a:avLst/>
+          </a:prstGeom>
+        </p:spPr>
+        <p:style>
+          <a:lnRef idx="1">
+            <a:schemeClr val="accent4"/>
+          </a:lnRef>
+          <a:fillRef idx="2">
+            <a:schemeClr val="accent4"/>
+          </a:fillRef>
+          <a:effectRef idx="1">
+            <a:schemeClr val="accent4"/>
+          </a:effectRef>
+          <a:fontRef idx="minor">
+            <a:schemeClr val="dk1"/>
+          </a:fontRef>
+        </p:style>
+        <p:txBody>
+          <a:bodyPr rtlCol="0" anchor="ctr"/>
+          <a:lstStyle/>
+          <a:p>
+            <a:pPr algn="ctr"/>
+            <a:r>
+              <a:rPr lang="en-US" altLang="zh-CN" sz="2400" b="1" dirty="0" smtClean="0">
+                <a:solidFill>
+                  <a:schemeClr val="tx1"/>
+                </a:solidFill>
+              </a:rPr>
+              <a:t>JDBC</a:t>
+            </a:r>
+            <a:endParaRPr lang="zh-CN" altLang="en-US" sz="2400" b="1" dirty="0">
+              <a:solidFill>
+                <a:schemeClr val="tx1"/>
+              </a:solidFill>
+            </a:endParaRPr>
+          </a:p>
+        </p:txBody>
+      </p:sp>
+      <p:sp>
+        <p:nvSpPr>
+          <p:cNvPr id="5" name="流程图: 磁盘 4"/>
+          <p:cNvSpPr/>
+          <p:nvPr/>
+        </p:nvSpPr>
+        <p:spPr>
+          <a:xfrm>
+            <a:off x="8412480" y="1654629"/>
+            <a:ext cx="1715588" cy="800173"/>
+          </a:xfrm>
+          <a:prstGeom prst="flowChartMagneticDisk">
+            <a:avLst/>
+          </a:prstGeom>
+        </p:spPr>
+        <p:style>
+          <a:lnRef idx="1">
+            <a:schemeClr val="accent1"/>
+          </a:lnRef>
+          <a:fillRef idx="2">
+            <a:schemeClr val="accent1"/>
+          </a:fillRef>
+          <a:effectRef idx="1">
+            <a:schemeClr val="accent1"/>
+          </a:effectRef>
+          <a:fontRef idx="minor">
+            <a:schemeClr val="dk1"/>
+          </a:fontRef>
+        </p:style>
+        <p:txBody>
+          <a:bodyPr rtlCol="0" anchor="ctr"/>
+          <a:lstStyle/>
+          <a:p>
+            <a:pPr algn="ctr"/>
+            <a:r>
+              <a:rPr lang="zh-CN" altLang="en-US" sz="2400" b="1" dirty="0" smtClean="0"/>
+              <a:t>数据库</a:t>
+            </a:r>
+            <a:endParaRPr lang="zh-CN" altLang="en-US" b="1" dirty="0"/>
+          </a:p>
+        </p:txBody>
+      </p:sp>
+      <p:sp>
+        <p:nvSpPr>
+          <p:cNvPr id="6" name="矩形 5"/>
+          <p:cNvSpPr/>
+          <p:nvPr/>
+        </p:nvSpPr>
+        <p:spPr>
+          <a:xfrm>
+            <a:off x="7887726" y="2899951"/>
+            <a:ext cx="439767" cy="261257"/>
+          </a:xfrm>
+          <a:prstGeom prst="rect">
+            <a:avLst/>
+          </a:prstGeom>
+        </p:spPr>
+        <p:style>
+          <a:lnRef idx="1">
+            <a:schemeClr val="accent1"/>
+          </a:lnRef>
+          <a:fillRef idx="2">
+            <a:schemeClr val="accent1"/>
+          </a:fillRef>
+          <a:effectRef idx="1">
+            <a:schemeClr val="accent1"/>
+          </a:effectRef>
+          <a:fontRef idx="minor">
+            <a:schemeClr val="dk1"/>
+          </a:fontRef>
+        </p:style>
+        <p:txBody>
+          <a:bodyPr rtlCol="0" anchor="ctr"/>
+          <a:lstStyle/>
+          <a:p>
+            <a:pPr algn="ctr"/>
+            <a:endParaRPr lang="zh-CN" altLang="en-US"/>
+          </a:p>
+        </p:txBody>
+      </p:sp>
+      <p:sp>
+        <p:nvSpPr>
+          <p:cNvPr id="7" name="矩形 6"/>
+          <p:cNvSpPr/>
+          <p:nvPr/>
+        </p:nvSpPr>
+        <p:spPr>
+          <a:xfrm>
+            <a:off x="8323131" y="2899951"/>
+            <a:ext cx="439767" cy="261257"/>
+          </a:xfrm>
+          <a:prstGeom prst="rect">
+            <a:avLst/>
+          </a:prstGeom>
+        </p:spPr>
+        <p:style>
+          <a:lnRef idx="1">
+            <a:schemeClr val="accent1"/>
+          </a:lnRef>
+          <a:fillRef idx="2">
+            <a:schemeClr val="accent1"/>
+          </a:fillRef>
+          <a:effectRef idx="1">
+            <a:schemeClr val="accent1"/>
+          </a:effectRef>
+          <a:fontRef idx="minor">
+            <a:schemeClr val="dk1"/>
+          </a:fontRef>
+        </p:style>
+        <p:txBody>
+          <a:bodyPr rtlCol="0" anchor="ctr"/>
+          <a:lstStyle/>
+          <a:p>
+            <a:pPr algn="ctr"/>
+            <a:endParaRPr lang="zh-CN" altLang="en-US"/>
+          </a:p>
+        </p:txBody>
+      </p:sp>
+      <p:sp>
+        <p:nvSpPr>
+          <p:cNvPr id="8" name="矩形 7"/>
+          <p:cNvSpPr/>
+          <p:nvPr/>
+        </p:nvSpPr>
+        <p:spPr>
+          <a:xfrm>
+            <a:off x="8758544" y="2899951"/>
+            <a:ext cx="439767" cy="261257"/>
+          </a:xfrm>
+          <a:prstGeom prst="rect">
+            <a:avLst/>
+          </a:prstGeom>
+          <a:solidFill>
+            <a:srgbClr val="FFFF00"/>
+          </a:solidFill>
+        </p:spPr>
+        <p:style>
+          <a:lnRef idx="1">
+            <a:schemeClr val="accent1"/>
+          </a:lnRef>
+          <a:fillRef idx="2">
+            <a:schemeClr val="accent1"/>
+          </a:fillRef>
+          <a:effectRef idx="1">
+            <a:schemeClr val="accent1"/>
+          </a:effectRef>
+          <a:fontRef idx="minor">
+            <a:schemeClr val="dk1"/>
+          </a:fontRef>
+        </p:style>
+        <p:txBody>
+          <a:bodyPr rtlCol="0" anchor="ctr"/>
+          <a:lstStyle/>
+          <a:p>
+            <a:pPr algn="ctr"/>
+            <a:endParaRPr lang="zh-CN" altLang="en-US"/>
+          </a:p>
+        </p:txBody>
+      </p:sp>
+      <p:sp>
+        <p:nvSpPr>
+          <p:cNvPr id="9" name="矩形 8"/>
+          <p:cNvSpPr/>
+          <p:nvPr/>
+        </p:nvSpPr>
+        <p:spPr>
+          <a:xfrm>
+            <a:off x="9193957" y="2899951"/>
+            <a:ext cx="439767" cy="261257"/>
+          </a:xfrm>
+          <a:prstGeom prst="rect">
+            <a:avLst/>
+          </a:prstGeom>
+        </p:spPr>
+        <p:style>
+          <a:lnRef idx="1">
+            <a:schemeClr val="accent1"/>
+          </a:lnRef>
+          <a:fillRef idx="2">
+            <a:schemeClr val="accent1"/>
+          </a:fillRef>
+          <a:effectRef idx="1">
+            <a:schemeClr val="accent1"/>
+          </a:effectRef>
+          <a:fontRef idx="minor">
+            <a:schemeClr val="dk1"/>
+          </a:fontRef>
+        </p:style>
+        <p:txBody>
+          <a:bodyPr rtlCol="0" anchor="ctr"/>
+          <a:lstStyle/>
+          <a:p>
+            <a:pPr algn="ctr"/>
+            <a:endParaRPr lang="zh-CN" altLang="en-US"/>
+          </a:p>
+        </p:txBody>
+      </p:sp>
+      <p:sp>
+        <p:nvSpPr>
+          <p:cNvPr id="10" name="矩形 9"/>
+          <p:cNvSpPr/>
+          <p:nvPr/>
+        </p:nvSpPr>
+        <p:spPr>
+          <a:xfrm>
+            <a:off x="9629370" y="2899951"/>
+            <a:ext cx="439767" cy="261257"/>
+          </a:xfrm>
+          <a:prstGeom prst="rect">
+            <a:avLst/>
+          </a:prstGeom>
+        </p:spPr>
+        <p:style>
+          <a:lnRef idx="1">
+            <a:schemeClr val="accent1"/>
+          </a:lnRef>
+          <a:fillRef idx="2">
+            <a:schemeClr val="accent1"/>
+          </a:fillRef>
+          <a:effectRef idx="1">
+            <a:schemeClr val="accent1"/>
+          </a:effectRef>
+          <a:fontRef idx="minor">
+            <a:schemeClr val="dk1"/>
+          </a:fontRef>
+        </p:style>
+        <p:txBody>
+          <a:bodyPr rtlCol="0" anchor="ctr"/>
+          <a:lstStyle/>
+          <a:p>
+            <a:pPr algn="ctr"/>
+            <a:endParaRPr lang="zh-CN" altLang="en-US"/>
+          </a:p>
+        </p:txBody>
+      </p:sp>
+      <p:sp>
+        <p:nvSpPr>
+          <p:cNvPr id="11" name="矩形 10"/>
+          <p:cNvSpPr/>
+          <p:nvPr/>
+        </p:nvSpPr>
+        <p:spPr>
+          <a:xfrm>
+            <a:off x="10064783" y="2899951"/>
+            <a:ext cx="439767" cy="261257"/>
+          </a:xfrm>
+          <a:prstGeom prst="rect">
+            <a:avLst/>
+          </a:prstGeom>
+        </p:spPr>
+        <p:style>
+          <a:lnRef idx="1">
+            <a:schemeClr val="accent1"/>
+          </a:lnRef>
+          <a:fillRef idx="2">
+            <a:schemeClr val="accent1"/>
+          </a:fillRef>
+          <a:effectRef idx="1">
+            <a:schemeClr val="accent1"/>
+          </a:effectRef>
+          <a:fontRef idx="minor">
+            <a:schemeClr val="dk1"/>
+          </a:fontRef>
+        </p:style>
+        <p:txBody>
+          <a:bodyPr rtlCol="0" anchor="ctr"/>
+          <a:lstStyle/>
+          <a:p>
+            <a:pPr algn="ctr"/>
+            <a:endParaRPr lang="zh-CN" altLang="en-US"/>
+          </a:p>
+        </p:txBody>
+      </p:sp>
+      <p:sp>
+        <p:nvSpPr>
+          <p:cNvPr id="12" name="矩形 11"/>
+          <p:cNvSpPr/>
+          <p:nvPr/>
+        </p:nvSpPr>
+        <p:spPr>
+          <a:xfrm>
+            <a:off x="7887726" y="3161208"/>
+            <a:ext cx="439767" cy="261257"/>
+          </a:xfrm>
+          <a:prstGeom prst="rect">
+            <a:avLst/>
+          </a:prstGeom>
+          <a:solidFill>
+            <a:srgbClr val="FFC000"/>
+          </a:solidFill>
+        </p:spPr>
+        <p:style>
+          <a:lnRef idx="1">
+            <a:schemeClr val="accent1"/>
+          </a:lnRef>
+          <a:fillRef idx="2">
+            <a:schemeClr val="accent1"/>
+          </a:fillRef>
+          <a:effectRef idx="1">
+            <a:schemeClr val="accent1"/>
+          </a:effectRef>
+          <a:fontRef idx="minor">
+            <a:schemeClr val="dk1"/>
+          </a:fontRef>
+        </p:style>
+        <p:txBody>
+          <a:bodyPr rtlCol="0" anchor="ctr"/>
+          <a:lstStyle/>
+          <a:p>
+            <a:pPr algn="ctr"/>
+            <a:endParaRPr lang="zh-CN" altLang="en-US"/>
+          </a:p>
+        </p:txBody>
+      </p:sp>
+      <p:sp>
+        <p:nvSpPr>
+          <p:cNvPr id="13" name="矩形 12"/>
+          <p:cNvSpPr/>
+          <p:nvPr/>
+        </p:nvSpPr>
+        <p:spPr>
+          <a:xfrm>
+            <a:off x="8323131" y="3161208"/>
+            <a:ext cx="439767" cy="261257"/>
+          </a:xfrm>
+          <a:prstGeom prst="rect">
+            <a:avLst/>
+          </a:prstGeom>
+        </p:spPr>
+        <p:style>
+          <a:lnRef idx="1">
+            <a:schemeClr val="accent1"/>
+          </a:lnRef>
+          <a:fillRef idx="2">
+            <a:schemeClr val="accent1"/>
+          </a:fillRef>
+          <a:effectRef idx="1">
+            <a:schemeClr val="accent1"/>
+          </a:effectRef>
+          <a:fontRef idx="minor">
+            <a:schemeClr val="dk1"/>
+          </a:fontRef>
+        </p:style>
+        <p:txBody>
+          <a:bodyPr rtlCol="0" anchor="ctr"/>
+          <a:lstStyle/>
+          <a:p>
+            <a:pPr algn="ctr"/>
+            <a:endParaRPr lang="zh-CN" altLang="en-US"/>
+          </a:p>
+        </p:txBody>
+      </p:sp>
+      <p:sp>
+        <p:nvSpPr>
+          <p:cNvPr id="14" name="矩形 13"/>
+          <p:cNvSpPr/>
+          <p:nvPr/>
+        </p:nvSpPr>
+        <p:spPr>
+          <a:xfrm>
+            <a:off x="8758544" y="3161208"/>
+            <a:ext cx="439767" cy="261257"/>
+          </a:xfrm>
+          <a:prstGeom prst="rect">
+            <a:avLst/>
+          </a:prstGeom>
+        </p:spPr>
+        <p:style>
+          <a:lnRef idx="1">
+            <a:schemeClr val="accent1"/>
+          </a:lnRef>
+          <a:fillRef idx="2">
+            <a:schemeClr val="accent1"/>
+          </a:fillRef>
+          <a:effectRef idx="1">
+            <a:schemeClr val="accent1"/>
+          </a:effectRef>
+          <a:fontRef idx="minor">
+            <a:schemeClr val="dk1"/>
+          </a:fontRef>
+        </p:style>
+        <p:txBody>
+          <a:bodyPr rtlCol="0" anchor="ctr"/>
+          <a:lstStyle/>
+          <a:p>
+            <a:pPr algn="ctr"/>
+            <a:endParaRPr lang="zh-CN" altLang="en-US"/>
+          </a:p>
+        </p:txBody>
+      </p:sp>
+      <p:sp>
+        <p:nvSpPr>
+          <p:cNvPr id="15" name="矩形 14"/>
+          <p:cNvSpPr/>
+          <p:nvPr/>
+        </p:nvSpPr>
+        <p:spPr>
+          <a:xfrm>
+            <a:off x="9193957" y="3161208"/>
+            <a:ext cx="439767" cy="261257"/>
+          </a:xfrm>
+          <a:prstGeom prst="rect">
+            <a:avLst/>
+          </a:prstGeom>
+        </p:spPr>
+        <p:style>
+          <a:lnRef idx="1">
+            <a:schemeClr val="accent1"/>
+          </a:lnRef>
+          <a:fillRef idx="2">
+            <a:schemeClr val="accent1"/>
+          </a:fillRef>
+          <a:effectRef idx="1">
+            <a:schemeClr val="accent1"/>
+          </a:effectRef>
+          <a:fontRef idx="minor">
+            <a:schemeClr val="dk1"/>
+          </a:fontRef>
+        </p:style>
+        <p:txBody>
+          <a:bodyPr rtlCol="0" anchor="ctr"/>
+          <a:lstStyle/>
+          <a:p>
+            <a:pPr algn="ctr"/>
+            <a:endParaRPr lang="zh-CN" altLang="en-US"/>
+          </a:p>
+        </p:txBody>
+      </p:sp>
+      <p:sp>
+        <p:nvSpPr>
+          <p:cNvPr id="16" name="矩形 15"/>
+          <p:cNvSpPr/>
+          <p:nvPr/>
+        </p:nvSpPr>
+        <p:spPr>
+          <a:xfrm>
+            <a:off x="9629370" y="3161208"/>
+            <a:ext cx="439767" cy="261257"/>
+          </a:xfrm>
+          <a:prstGeom prst="rect">
+            <a:avLst/>
+          </a:prstGeom>
+        </p:spPr>
+        <p:style>
+          <a:lnRef idx="1">
+            <a:schemeClr val="accent1"/>
+          </a:lnRef>
+          <a:fillRef idx="2">
+            <a:schemeClr val="accent1"/>
+          </a:fillRef>
+          <a:effectRef idx="1">
+            <a:schemeClr val="accent1"/>
+          </a:effectRef>
+          <a:fontRef idx="minor">
+            <a:schemeClr val="dk1"/>
+          </a:fontRef>
+        </p:style>
+        <p:txBody>
+          <a:bodyPr rtlCol="0" anchor="ctr"/>
+          <a:lstStyle/>
+          <a:p>
+            <a:pPr algn="ctr"/>
+            <a:endParaRPr lang="zh-CN" altLang="en-US"/>
+          </a:p>
+        </p:txBody>
+      </p:sp>
+      <p:sp>
+        <p:nvSpPr>
+          <p:cNvPr id="17" name="矩形 16"/>
+          <p:cNvSpPr/>
+          <p:nvPr/>
+        </p:nvSpPr>
+        <p:spPr>
+          <a:xfrm>
+            <a:off x="10064783" y="3161208"/>
+            <a:ext cx="439767" cy="261257"/>
+          </a:xfrm>
+          <a:prstGeom prst="rect">
+            <a:avLst/>
+          </a:prstGeom>
+          <a:solidFill>
+            <a:srgbClr val="FFFF00"/>
+          </a:solidFill>
+        </p:spPr>
+        <p:style>
+          <a:lnRef idx="1">
+            <a:schemeClr val="accent1"/>
+          </a:lnRef>
+          <a:fillRef idx="2">
+            <a:schemeClr val="accent1"/>
+          </a:fillRef>
+          <a:effectRef idx="1">
+            <a:schemeClr val="accent1"/>
+          </a:effectRef>
+          <a:fontRef idx="minor">
+            <a:schemeClr val="dk1"/>
+          </a:fontRef>
+        </p:style>
+        <p:txBody>
+          <a:bodyPr rtlCol="0" anchor="ctr"/>
+          <a:lstStyle/>
+          <a:p>
+            <a:pPr algn="ctr"/>
+            <a:endParaRPr lang="zh-CN" altLang="en-US"/>
+          </a:p>
+        </p:txBody>
+      </p:sp>
+      <p:sp>
+        <p:nvSpPr>
+          <p:cNvPr id="18" name="矩形 17"/>
+          <p:cNvSpPr/>
+          <p:nvPr/>
+        </p:nvSpPr>
+        <p:spPr>
+          <a:xfrm>
+            <a:off x="7887726" y="3422465"/>
+            <a:ext cx="439767" cy="261257"/>
+          </a:xfrm>
+          <a:prstGeom prst="rect">
+            <a:avLst/>
+          </a:prstGeom>
+        </p:spPr>
+        <p:style>
+          <a:lnRef idx="1">
+            <a:schemeClr val="accent1"/>
+          </a:lnRef>
+          <a:fillRef idx="2">
+            <a:schemeClr val="accent1"/>
+          </a:fillRef>
+          <a:effectRef idx="1">
+            <a:schemeClr val="accent1"/>
+          </a:effectRef>
+          <a:fontRef idx="minor">
+            <a:schemeClr val="dk1"/>
+          </a:fontRef>
+        </p:style>
+        <p:txBody>
+          <a:bodyPr rtlCol="0" anchor="ctr"/>
+          <a:lstStyle/>
+          <a:p>
+            <a:pPr algn="ctr"/>
+            <a:endParaRPr lang="zh-CN" altLang="en-US"/>
+          </a:p>
+        </p:txBody>
+      </p:sp>
+      <p:sp>
+        <p:nvSpPr>
+          <p:cNvPr id="19" name="矩形 18"/>
+          <p:cNvSpPr/>
+          <p:nvPr/>
+        </p:nvSpPr>
+        <p:spPr>
+          <a:xfrm>
+            <a:off x="8323131" y="3422465"/>
+            <a:ext cx="439767" cy="261257"/>
+          </a:xfrm>
+          <a:prstGeom prst="rect">
+            <a:avLst/>
+          </a:prstGeom>
+        </p:spPr>
+        <p:style>
+          <a:lnRef idx="1">
+            <a:schemeClr val="accent1"/>
+          </a:lnRef>
+          <a:fillRef idx="2">
+            <a:schemeClr val="accent1"/>
+          </a:fillRef>
+          <a:effectRef idx="1">
+            <a:schemeClr val="accent1"/>
+          </a:effectRef>
+          <a:fontRef idx="minor">
+            <a:schemeClr val="dk1"/>
+          </a:fontRef>
+        </p:style>
+        <p:txBody>
+          <a:bodyPr rtlCol="0" anchor="ctr"/>
+          <a:lstStyle/>
+          <a:p>
+            <a:pPr algn="ctr"/>
+            <a:endParaRPr lang="zh-CN" altLang="en-US"/>
+          </a:p>
+        </p:txBody>
+      </p:sp>
+      <p:sp>
+        <p:nvSpPr>
+          <p:cNvPr id="20" name="矩形 19"/>
+          <p:cNvSpPr/>
+          <p:nvPr/>
+        </p:nvSpPr>
+        <p:spPr>
+          <a:xfrm>
+            <a:off x="8758544" y="3422465"/>
+            <a:ext cx="439767" cy="261257"/>
+          </a:xfrm>
+          <a:prstGeom prst="rect">
+            <a:avLst/>
+          </a:prstGeom>
+        </p:spPr>
+        <p:style>
+          <a:lnRef idx="1">
+            <a:schemeClr val="accent1"/>
+          </a:lnRef>
+          <a:fillRef idx="2">
+            <a:schemeClr val="accent1"/>
+          </a:fillRef>
+          <a:effectRef idx="1">
+            <a:schemeClr val="accent1"/>
+          </a:effectRef>
+          <a:fontRef idx="minor">
+            <a:schemeClr val="dk1"/>
+          </a:fontRef>
+        </p:style>
+        <p:txBody>
+          <a:bodyPr rtlCol="0" anchor="ctr"/>
+          <a:lstStyle/>
+          <a:p>
+            <a:pPr algn="ctr"/>
+            <a:endParaRPr lang="zh-CN" altLang="en-US"/>
+          </a:p>
+        </p:txBody>
+      </p:sp>
+      <p:sp>
+        <p:nvSpPr>
+          <p:cNvPr id="21" name="矩形 20"/>
+          <p:cNvSpPr/>
+          <p:nvPr/>
+        </p:nvSpPr>
+        <p:spPr>
+          <a:xfrm>
+            <a:off x="9193957" y="3422465"/>
+            <a:ext cx="439767" cy="261257"/>
+          </a:xfrm>
+          <a:prstGeom prst="rect">
+            <a:avLst/>
+          </a:prstGeom>
+        </p:spPr>
+        <p:style>
+          <a:lnRef idx="1">
+            <a:schemeClr val="accent1"/>
+          </a:lnRef>
+          <a:fillRef idx="2">
+            <a:schemeClr val="accent1"/>
+          </a:fillRef>
+          <a:effectRef idx="1">
+            <a:schemeClr val="accent1"/>
+          </a:effectRef>
+          <a:fontRef idx="minor">
+            <a:schemeClr val="dk1"/>
+          </a:fontRef>
+        </p:style>
+        <p:txBody>
+          <a:bodyPr rtlCol="0" anchor="ctr"/>
+          <a:lstStyle/>
+          <a:p>
+            <a:pPr algn="ctr"/>
+            <a:endParaRPr lang="zh-CN" altLang="en-US"/>
+          </a:p>
+        </p:txBody>
+      </p:sp>
+      <p:sp>
+        <p:nvSpPr>
+          <p:cNvPr id="22" name="矩形 21"/>
+          <p:cNvSpPr/>
+          <p:nvPr/>
+        </p:nvSpPr>
+        <p:spPr>
+          <a:xfrm>
+            <a:off x="9629370" y="3422465"/>
+            <a:ext cx="439767" cy="261257"/>
+          </a:xfrm>
+          <a:prstGeom prst="rect">
+            <a:avLst/>
+          </a:prstGeom>
+          <a:solidFill>
+            <a:srgbClr val="FFC000"/>
+          </a:solidFill>
+        </p:spPr>
+        <p:style>
+          <a:lnRef idx="1">
+            <a:schemeClr val="accent1"/>
+          </a:lnRef>
+          <a:fillRef idx="2">
+            <a:schemeClr val="accent1"/>
+          </a:fillRef>
+          <a:effectRef idx="1">
+            <a:schemeClr val="accent1"/>
+          </a:effectRef>
+          <a:fontRef idx="minor">
+            <a:schemeClr val="dk1"/>
+          </a:fontRef>
+        </p:style>
+        <p:txBody>
+          <a:bodyPr rtlCol="0" anchor="ctr"/>
+          <a:lstStyle/>
+          <a:p>
+            <a:pPr algn="ctr"/>
+            <a:endParaRPr lang="zh-CN" altLang="en-US"/>
+          </a:p>
+        </p:txBody>
+      </p:sp>
+      <p:sp>
+        <p:nvSpPr>
+          <p:cNvPr id="23" name="矩形 22"/>
+          <p:cNvSpPr/>
+          <p:nvPr/>
+        </p:nvSpPr>
+        <p:spPr>
+          <a:xfrm>
+            <a:off x="10064783" y="3422465"/>
+            <a:ext cx="439767" cy="261257"/>
+          </a:xfrm>
+          <a:prstGeom prst="rect">
+            <a:avLst/>
+          </a:prstGeom>
+        </p:spPr>
+        <p:style>
+          <a:lnRef idx="1">
+            <a:schemeClr val="accent1"/>
+          </a:lnRef>
+          <a:fillRef idx="2">
+            <a:schemeClr val="accent1"/>
+          </a:fillRef>
+          <a:effectRef idx="1">
+            <a:schemeClr val="accent1"/>
+          </a:effectRef>
+          <a:fontRef idx="minor">
+            <a:schemeClr val="dk1"/>
+          </a:fontRef>
+        </p:style>
+        <p:txBody>
+          <a:bodyPr rtlCol="0" anchor="ctr"/>
+          <a:lstStyle/>
+          <a:p>
+            <a:pPr algn="ctr"/>
+            <a:endParaRPr lang="zh-CN" altLang="en-US"/>
+          </a:p>
+        </p:txBody>
+      </p:sp>
+      <p:sp>
+        <p:nvSpPr>
+          <p:cNvPr id="24" name="矩形 23"/>
+          <p:cNvSpPr/>
+          <p:nvPr/>
+        </p:nvSpPr>
+        <p:spPr>
+          <a:xfrm>
+            <a:off x="7887726" y="3683722"/>
+            <a:ext cx="439767" cy="261257"/>
+          </a:xfrm>
+          <a:prstGeom prst="rect">
+            <a:avLst/>
+          </a:prstGeom>
+        </p:spPr>
+        <p:style>
+          <a:lnRef idx="1">
+            <a:schemeClr val="accent1"/>
+          </a:lnRef>
+          <a:fillRef idx="2">
+            <a:schemeClr val="accent1"/>
+          </a:fillRef>
+          <a:effectRef idx="1">
+            <a:schemeClr val="accent1"/>
+          </a:effectRef>
+          <a:fontRef idx="minor">
+            <a:schemeClr val="dk1"/>
+          </a:fontRef>
+        </p:style>
+        <p:txBody>
+          <a:bodyPr rtlCol="0" anchor="ctr"/>
+          <a:lstStyle/>
+          <a:p>
+            <a:pPr algn="ctr"/>
+            <a:endParaRPr lang="zh-CN" altLang="en-US"/>
+          </a:p>
+        </p:txBody>
+      </p:sp>
+      <p:sp>
+        <p:nvSpPr>
+          <p:cNvPr id="25" name="矩形 24"/>
+          <p:cNvSpPr/>
+          <p:nvPr/>
+        </p:nvSpPr>
+        <p:spPr>
+          <a:xfrm>
+            <a:off x="8323131" y="3683722"/>
+            <a:ext cx="439767" cy="261257"/>
+          </a:xfrm>
+          <a:prstGeom prst="rect">
+            <a:avLst/>
+          </a:prstGeom>
+          <a:solidFill>
+            <a:srgbClr val="FFC000"/>
+          </a:solidFill>
+        </p:spPr>
+        <p:style>
+          <a:lnRef idx="1">
+            <a:schemeClr val="accent1"/>
+          </a:lnRef>
+          <a:fillRef idx="2">
+            <a:schemeClr val="accent1"/>
+          </a:fillRef>
+          <a:effectRef idx="1">
+            <a:schemeClr val="accent1"/>
+          </a:effectRef>
+          <a:fontRef idx="minor">
+            <a:schemeClr val="dk1"/>
+          </a:fontRef>
+        </p:style>
+        <p:txBody>
+          <a:bodyPr rtlCol="0" anchor="ctr"/>
+          <a:lstStyle/>
+          <a:p>
+            <a:pPr algn="ctr"/>
+            <a:endParaRPr lang="zh-CN" altLang="en-US"/>
+          </a:p>
+        </p:txBody>
+      </p:sp>
+      <p:sp>
+        <p:nvSpPr>
+          <p:cNvPr id="26" name="矩形 25"/>
+          <p:cNvSpPr/>
+          <p:nvPr/>
+        </p:nvSpPr>
+        <p:spPr>
+          <a:xfrm>
+            <a:off x="8758544" y="3683722"/>
+            <a:ext cx="439767" cy="261257"/>
+          </a:xfrm>
+          <a:prstGeom prst="rect">
+            <a:avLst/>
+          </a:prstGeom>
+          <a:solidFill>
+            <a:srgbClr val="FFFF00"/>
+          </a:solidFill>
+        </p:spPr>
+        <p:style>
+          <a:lnRef idx="1">
+            <a:schemeClr val="accent1"/>
+          </a:lnRef>
+          <a:fillRef idx="2">
+            <a:schemeClr val="accent1"/>
+          </a:fillRef>
+          <a:effectRef idx="1">
+            <a:schemeClr val="accent1"/>
+          </a:effectRef>
+          <a:fontRef idx="minor">
+            <a:schemeClr val="dk1"/>
+          </a:fontRef>
+        </p:style>
+        <p:txBody>
+          <a:bodyPr rtlCol="0" anchor="ctr"/>
+          <a:lstStyle/>
+          <a:p>
+            <a:pPr algn="ctr"/>
+            <a:endParaRPr lang="zh-CN" altLang="en-US"/>
+          </a:p>
+        </p:txBody>
+      </p:sp>
+      <p:sp>
+        <p:nvSpPr>
+          <p:cNvPr id="27" name="矩形 26"/>
+          <p:cNvSpPr/>
+          <p:nvPr/>
+        </p:nvSpPr>
+        <p:spPr>
+          <a:xfrm>
+            <a:off x="9193957" y="3683722"/>
+            <a:ext cx="439767" cy="261257"/>
+          </a:xfrm>
+          <a:prstGeom prst="rect">
+            <a:avLst/>
+          </a:prstGeom>
+          <a:solidFill>
+            <a:srgbClr val="FFC000"/>
+          </a:solidFill>
+        </p:spPr>
+        <p:style>
+          <a:lnRef idx="1">
+            <a:schemeClr val="accent1"/>
+          </a:lnRef>
+          <a:fillRef idx="2">
+            <a:schemeClr val="accent1"/>
+          </a:fillRef>
+          <a:effectRef idx="1">
+            <a:schemeClr val="accent1"/>
+          </a:effectRef>
+          <a:fontRef idx="minor">
+            <a:schemeClr val="dk1"/>
+          </a:fontRef>
+        </p:style>
+        <p:txBody>
+          <a:bodyPr rtlCol="0" anchor="ctr"/>
+          <a:lstStyle/>
+          <a:p>
+            <a:pPr algn="ctr"/>
+            <a:endParaRPr lang="zh-CN" altLang="en-US"/>
+          </a:p>
+        </p:txBody>
+      </p:sp>
+      <p:sp>
+        <p:nvSpPr>
+          <p:cNvPr id="28" name="矩形 27"/>
+          <p:cNvSpPr/>
+          <p:nvPr/>
+        </p:nvSpPr>
+        <p:spPr>
+          <a:xfrm>
+            <a:off x="9629370" y="3683722"/>
+            <a:ext cx="439767" cy="261257"/>
+          </a:xfrm>
+          <a:prstGeom prst="rect">
+            <a:avLst/>
+          </a:prstGeom>
+        </p:spPr>
+        <p:style>
+          <a:lnRef idx="1">
+            <a:schemeClr val="accent1"/>
+          </a:lnRef>
+          <a:fillRef idx="2">
+            <a:schemeClr val="accent1"/>
+          </a:fillRef>
+          <a:effectRef idx="1">
+            <a:schemeClr val="accent1"/>
+          </a:effectRef>
+          <a:fontRef idx="minor">
+            <a:schemeClr val="dk1"/>
+          </a:fontRef>
+        </p:style>
+        <p:txBody>
+          <a:bodyPr rtlCol="0" anchor="ctr"/>
+          <a:lstStyle/>
+          <a:p>
+            <a:pPr algn="ctr"/>
+            <a:endParaRPr lang="zh-CN" altLang="en-US"/>
+          </a:p>
+        </p:txBody>
+      </p:sp>
+      <p:sp>
+        <p:nvSpPr>
+          <p:cNvPr id="29" name="矩形 28"/>
+          <p:cNvSpPr/>
+          <p:nvPr/>
+        </p:nvSpPr>
+        <p:spPr>
+          <a:xfrm>
+            <a:off x="10064783" y="3683722"/>
+            <a:ext cx="439767" cy="261257"/>
+          </a:xfrm>
+          <a:prstGeom prst="rect">
+            <a:avLst/>
+          </a:prstGeom>
+        </p:spPr>
+        <p:style>
+          <a:lnRef idx="1">
+            <a:schemeClr val="accent1"/>
+          </a:lnRef>
+          <a:fillRef idx="2">
+            <a:schemeClr val="accent1"/>
+          </a:fillRef>
+          <a:effectRef idx="1">
+            <a:schemeClr val="accent1"/>
+          </a:effectRef>
+          <a:fontRef idx="minor">
+            <a:schemeClr val="dk1"/>
+          </a:fontRef>
+        </p:style>
+        <p:txBody>
+          <a:bodyPr rtlCol="0" anchor="ctr"/>
+          <a:lstStyle/>
+          <a:p>
+            <a:pPr algn="ctr"/>
+            <a:endParaRPr lang="zh-CN" altLang="en-US"/>
+          </a:p>
+        </p:txBody>
+      </p:sp>
+      <p:sp>
+        <p:nvSpPr>
+          <p:cNvPr id="30" name="矩形 29"/>
+          <p:cNvSpPr/>
+          <p:nvPr/>
+        </p:nvSpPr>
+        <p:spPr>
+          <a:xfrm>
+            <a:off x="7887726" y="3944979"/>
+            <a:ext cx="439767" cy="261257"/>
+          </a:xfrm>
+          <a:prstGeom prst="rect">
+            <a:avLst/>
+          </a:prstGeom>
+        </p:spPr>
+        <p:style>
+          <a:lnRef idx="1">
+            <a:schemeClr val="accent1"/>
+          </a:lnRef>
+          <a:fillRef idx="2">
+            <a:schemeClr val="accent1"/>
+          </a:fillRef>
+          <a:effectRef idx="1">
+            <a:schemeClr val="accent1"/>
+          </a:effectRef>
+          <a:fontRef idx="minor">
+            <a:schemeClr val="dk1"/>
+          </a:fontRef>
+        </p:style>
+        <p:txBody>
+          <a:bodyPr rtlCol="0" anchor="ctr"/>
+          <a:lstStyle/>
+          <a:p>
+            <a:pPr algn="ctr"/>
+            <a:endParaRPr lang="zh-CN" altLang="en-US"/>
+          </a:p>
+        </p:txBody>
+      </p:sp>
+      <p:sp>
+        <p:nvSpPr>
+          <p:cNvPr id="31" name="矩形 30"/>
+          <p:cNvSpPr/>
+          <p:nvPr/>
+        </p:nvSpPr>
+        <p:spPr>
+          <a:xfrm>
+            <a:off x="8323131" y="3944979"/>
+            <a:ext cx="439767" cy="261257"/>
+          </a:xfrm>
+          <a:prstGeom prst="rect">
+            <a:avLst/>
+          </a:prstGeom>
+        </p:spPr>
+        <p:style>
+          <a:lnRef idx="1">
+            <a:schemeClr val="accent1"/>
+          </a:lnRef>
+          <a:fillRef idx="2">
+            <a:schemeClr val="accent1"/>
+          </a:fillRef>
+          <a:effectRef idx="1">
+            <a:schemeClr val="accent1"/>
+          </a:effectRef>
+          <a:fontRef idx="minor">
+            <a:schemeClr val="dk1"/>
+          </a:fontRef>
+        </p:style>
+        <p:txBody>
+          <a:bodyPr rtlCol="0" anchor="ctr"/>
+          <a:lstStyle/>
+          <a:p>
+            <a:pPr algn="ctr"/>
+            <a:endParaRPr lang="zh-CN" altLang="en-US"/>
+          </a:p>
+        </p:txBody>
+      </p:sp>
+      <p:sp>
+        <p:nvSpPr>
+          <p:cNvPr id="32" name="矩形 31"/>
+          <p:cNvSpPr/>
+          <p:nvPr/>
+        </p:nvSpPr>
+        <p:spPr>
+          <a:xfrm>
+            <a:off x="8758544" y="3944979"/>
+            <a:ext cx="439767" cy="261257"/>
+          </a:xfrm>
+          <a:prstGeom prst="rect">
+            <a:avLst/>
+          </a:prstGeom>
+        </p:spPr>
+        <p:style>
+          <a:lnRef idx="1">
+            <a:schemeClr val="accent1"/>
+          </a:lnRef>
+          <a:fillRef idx="2">
+            <a:schemeClr val="accent1"/>
+          </a:fillRef>
+          <a:effectRef idx="1">
+            <a:schemeClr val="accent1"/>
+          </a:effectRef>
+          <a:fontRef idx="minor">
+            <a:schemeClr val="dk1"/>
+          </a:fontRef>
+        </p:style>
+        <p:txBody>
+          <a:bodyPr rtlCol="0" anchor="ctr"/>
+          <a:lstStyle/>
+          <a:p>
+            <a:pPr algn="ctr"/>
+            <a:endParaRPr lang="zh-CN" altLang="en-US"/>
+          </a:p>
+        </p:txBody>
+      </p:sp>
+      <p:sp>
+        <p:nvSpPr>
+          <p:cNvPr id="33" name="矩形 32"/>
+          <p:cNvSpPr/>
+          <p:nvPr/>
+        </p:nvSpPr>
+        <p:spPr>
+          <a:xfrm>
+            <a:off x="9193957" y="3944979"/>
+            <a:ext cx="439767" cy="261257"/>
+          </a:xfrm>
+          <a:prstGeom prst="rect">
+            <a:avLst/>
+          </a:prstGeom>
+        </p:spPr>
+        <p:style>
+          <a:lnRef idx="1">
+            <a:schemeClr val="accent1"/>
+          </a:lnRef>
+          <a:fillRef idx="2">
+            <a:schemeClr val="accent1"/>
+          </a:fillRef>
+          <a:effectRef idx="1">
+            <a:schemeClr val="accent1"/>
+          </a:effectRef>
+          <a:fontRef idx="minor">
+            <a:schemeClr val="dk1"/>
+          </a:fontRef>
+        </p:style>
+        <p:txBody>
+          <a:bodyPr rtlCol="0" anchor="ctr"/>
+          <a:lstStyle/>
+          <a:p>
+            <a:pPr algn="ctr"/>
+            <a:endParaRPr lang="zh-CN" altLang="en-US"/>
+          </a:p>
+        </p:txBody>
+      </p:sp>
+      <p:sp>
+        <p:nvSpPr>
+          <p:cNvPr id="34" name="矩形 33"/>
+          <p:cNvSpPr/>
+          <p:nvPr/>
+        </p:nvSpPr>
+        <p:spPr>
+          <a:xfrm>
+            <a:off x="9629370" y="3944979"/>
+            <a:ext cx="439767" cy="261257"/>
+          </a:xfrm>
+          <a:prstGeom prst="rect">
+            <a:avLst/>
+          </a:prstGeom>
+        </p:spPr>
+        <p:style>
+          <a:lnRef idx="1">
+            <a:schemeClr val="accent1"/>
+          </a:lnRef>
+          <a:fillRef idx="2">
+            <a:schemeClr val="accent1"/>
+          </a:fillRef>
+          <a:effectRef idx="1">
+            <a:schemeClr val="accent1"/>
+          </a:effectRef>
+          <a:fontRef idx="minor">
+            <a:schemeClr val="dk1"/>
+          </a:fontRef>
+        </p:style>
+        <p:txBody>
+          <a:bodyPr rtlCol="0" anchor="ctr"/>
+          <a:lstStyle/>
+          <a:p>
+            <a:pPr algn="ctr"/>
+            <a:endParaRPr lang="zh-CN" altLang="en-US"/>
+          </a:p>
+        </p:txBody>
+      </p:sp>
+      <p:sp>
+        <p:nvSpPr>
+          <p:cNvPr id="35" name="矩形 34"/>
+          <p:cNvSpPr/>
+          <p:nvPr/>
+        </p:nvSpPr>
+        <p:spPr>
+          <a:xfrm>
+            <a:off x="10064783" y="3944979"/>
+            <a:ext cx="439767" cy="261257"/>
+          </a:xfrm>
+          <a:prstGeom prst="rect">
+            <a:avLst/>
+          </a:prstGeom>
+          <a:solidFill>
+            <a:srgbClr val="FFFF00"/>
+          </a:solidFill>
+        </p:spPr>
+        <p:style>
+          <a:lnRef idx="1">
+            <a:schemeClr val="accent1"/>
+          </a:lnRef>
+          <a:fillRef idx="2">
+            <a:schemeClr val="accent1"/>
+          </a:fillRef>
+          <a:effectRef idx="1">
+            <a:schemeClr val="accent1"/>
+          </a:effectRef>
+          <a:fontRef idx="minor">
+            <a:schemeClr val="dk1"/>
+          </a:fontRef>
+        </p:style>
+        <p:txBody>
+          <a:bodyPr rtlCol="0" anchor="ctr"/>
+          <a:lstStyle/>
+          <a:p>
+            <a:pPr algn="ctr"/>
+            <a:endParaRPr lang="zh-CN" altLang="en-US"/>
+          </a:p>
+        </p:txBody>
+      </p:sp>
+      <p:sp>
+        <p:nvSpPr>
+          <p:cNvPr id="36" name="矩形 35"/>
+          <p:cNvSpPr/>
+          <p:nvPr/>
+        </p:nvSpPr>
+        <p:spPr>
+          <a:xfrm>
+            <a:off x="7887726" y="4206236"/>
+            <a:ext cx="439767" cy="261257"/>
+          </a:xfrm>
+          <a:prstGeom prst="rect">
+            <a:avLst/>
+          </a:prstGeom>
+        </p:spPr>
+        <p:style>
+          <a:lnRef idx="1">
+            <a:schemeClr val="accent1"/>
+          </a:lnRef>
+          <a:fillRef idx="2">
+            <a:schemeClr val="accent1"/>
+          </a:fillRef>
+          <a:effectRef idx="1">
+            <a:schemeClr val="accent1"/>
+          </a:effectRef>
+          <a:fontRef idx="minor">
+            <a:schemeClr val="dk1"/>
+          </a:fontRef>
+        </p:style>
+        <p:txBody>
+          <a:bodyPr rtlCol="0" anchor="ctr"/>
+          <a:lstStyle/>
+          <a:p>
+            <a:pPr algn="ctr"/>
+            <a:endParaRPr lang="zh-CN" altLang="en-US"/>
+          </a:p>
+        </p:txBody>
+      </p:sp>
+      <p:sp>
+        <p:nvSpPr>
+          <p:cNvPr id="37" name="矩形 36"/>
+          <p:cNvSpPr/>
+          <p:nvPr/>
+        </p:nvSpPr>
+        <p:spPr>
+          <a:xfrm>
+            <a:off x="8323131" y="4206236"/>
+            <a:ext cx="439767" cy="261257"/>
+          </a:xfrm>
+          <a:prstGeom prst="rect">
+            <a:avLst/>
+          </a:prstGeom>
+          <a:solidFill>
+            <a:srgbClr val="FFC000"/>
+          </a:solidFill>
+        </p:spPr>
+        <p:style>
+          <a:lnRef idx="1">
+            <a:schemeClr val="accent1"/>
+          </a:lnRef>
+          <a:fillRef idx="2">
+            <a:schemeClr val="accent1"/>
+          </a:fillRef>
+          <a:effectRef idx="1">
+            <a:schemeClr val="accent1"/>
+          </a:effectRef>
+          <a:fontRef idx="minor">
+            <a:schemeClr val="dk1"/>
+          </a:fontRef>
+        </p:style>
+        <p:txBody>
+          <a:bodyPr rtlCol="0" anchor="ctr"/>
+          <a:lstStyle/>
+          <a:p>
+            <a:pPr algn="ctr"/>
+            <a:endParaRPr lang="zh-CN" altLang="en-US"/>
+          </a:p>
+        </p:txBody>
+      </p:sp>
+      <p:sp>
+        <p:nvSpPr>
+          <p:cNvPr id="38" name="矩形 37"/>
+          <p:cNvSpPr/>
+          <p:nvPr/>
+        </p:nvSpPr>
+        <p:spPr>
+          <a:xfrm>
+            <a:off x="8758544" y="4206236"/>
+            <a:ext cx="439767" cy="261257"/>
+          </a:xfrm>
+          <a:prstGeom prst="rect">
+            <a:avLst/>
+          </a:prstGeom>
+          <a:solidFill>
+            <a:srgbClr val="FFFF00"/>
+          </a:solidFill>
+        </p:spPr>
+        <p:style>
+          <a:lnRef idx="1">
+            <a:schemeClr val="accent1"/>
+          </a:lnRef>
+          <a:fillRef idx="2">
+            <a:schemeClr val="accent1"/>
+          </a:fillRef>
+          <a:effectRef idx="1">
+            <a:schemeClr val="accent1"/>
+          </a:effectRef>
+          <a:fontRef idx="minor">
+            <a:schemeClr val="dk1"/>
+          </a:fontRef>
+        </p:style>
+        <p:txBody>
+          <a:bodyPr rtlCol="0" anchor="ctr"/>
+          <a:lstStyle/>
+          <a:p>
+            <a:pPr algn="ctr"/>
+            <a:endParaRPr lang="zh-CN" altLang="en-US"/>
+          </a:p>
+        </p:txBody>
+      </p:sp>
+      <p:sp>
+        <p:nvSpPr>
+          <p:cNvPr id="39" name="矩形 38"/>
+          <p:cNvSpPr/>
+          <p:nvPr/>
+        </p:nvSpPr>
+        <p:spPr>
+          <a:xfrm>
+            <a:off x="9193957" y="4206236"/>
+            <a:ext cx="439767" cy="261257"/>
+          </a:xfrm>
+          <a:prstGeom prst="rect">
+            <a:avLst/>
+          </a:prstGeom>
+        </p:spPr>
+        <p:style>
+          <a:lnRef idx="1">
+            <a:schemeClr val="accent1"/>
+          </a:lnRef>
+          <a:fillRef idx="2">
+            <a:schemeClr val="accent1"/>
+          </a:fillRef>
+          <a:effectRef idx="1">
+            <a:schemeClr val="accent1"/>
+          </a:effectRef>
+          <a:fontRef idx="minor">
+            <a:schemeClr val="dk1"/>
+          </a:fontRef>
+        </p:style>
+        <p:txBody>
+          <a:bodyPr rtlCol="0" anchor="ctr"/>
+          <a:lstStyle/>
+          <a:p>
+            <a:pPr algn="ctr"/>
+            <a:endParaRPr lang="zh-CN" altLang="en-US"/>
+          </a:p>
+        </p:txBody>
+      </p:sp>
+      <p:sp>
+        <p:nvSpPr>
+          <p:cNvPr id="40" name="矩形 39"/>
+          <p:cNvSpPr/>
+          <p:nvPr/>
+        </p:nvSpPr>
+        <p:spPr>
+          <a:xfrm>
+            <a:off x="9629370" y="4206236"/>
+            <a:ext cx="439767" cy="261257"/>
+          </a:xfrm>
+          <a:prstGeom prst="rect">
+            <a:avLst/>
+          </a:prstGeom>
+        </p:spPr>
+        <p:style>
+          <a:lnRef idx="1">
+            <a:schemeClr val="accent1"/>
+          </a:lnRef>
+          <a:fillRef idx="2">
+            <a:schemeClr val="accent1"/>
+          </a:fillRef>
+          <a:effectRef idx="1">
+            <a:schemeClr val="accent1"/>
+          </a:effectRef>
+          <a:fontRef idx="minor">
+            <a:schemeClr val="dk1"/>
+          </a:fontRef>
+        </p:style>
+        <p:txBody>
+          <a:bodyPr rtlCol="0" anchor="ctr"/>
+          <a:lstStyle/>
+          <a:p>
+            <a:pPr algn="ctr"/>
+            <a:endParaRPr lang="zh-CN" altLang="en-US"/>
+          </a:p>
+        </p:txBody>
+      </p:sp>
+      <p:sp>
+        <p:nvSpPr>
+          <p:cNvPr id="41" name="矩形 40"/>
+          <p:cNvSpPr/>
+          <p:nvPr/>
+        </p:nvSpPr>
+        <p:spPr>
+          <a:xfrm>
+            <a:off x="10064783" y="4206236"/>
+            <a:ext cx="439767" cy="261257"/>
+          </a:xfrm>
+          <a:prstGeom prst="rect">
+            <a:avLst/>
+          </a:prstGeom>
+        </p:spPr>
+        <p:style>
+          <a:lnRef idx="1">
+            <a:schemeClr val="accent1"/>
+          </a:lnRef>
+          <a:fillRef idx="2">
+            <a:schemeClr val="accent1"/>
+          </a:fillRef>
+          <a:effectRef idx="1">
+            <a:schemeClr val="accent1"/>
+          </a:effectRef>
+          <a:fontRef idx="minor">
+            <a:schemeClr val="dk1"/>
+          </a:fontRef>
+        </p:style>
+        <p:txBody>
+          <a:bodyPr rtlCol="0" anchor="ctr"/>
+          <a:lstStyle/>
+          <a:p>
+            <a:pPr algn="ctr"/>
+            <a:endParaRPr lang="zh-CN" altLang="en-US"/>
+          </a:p>
+        </p:txBody>
+      </p:sp>
+      <p:sp>
+        <p:nvSpPr>
+          <p:cNvPr id="150" name="矩形 149"/>
+          <p:cNvSpPr/>
+          <p:nvPr/>
+        </p:nvSpPr>
+        <p:spPr>
+          <a:xfrm>
+            <a:off x="8040126" y="3052351"/>
+            <a:ext cx="439767" cy="261257"/>
+          </a:xfrm>
+          <a:prstGeom prst="rect">
+            <a:avLst/>
+          </a:prstGeom>
+        </p:spPr>
+        <p:style>
+          <a:lnRef idx="1">
+            <a:schemeClr val="accent1"/>
+          </a:lnRef>
+          <a:fillRef idx="2">
+            <a:schemeClr val="accent1"/>
+          </a:fillRef>
+          <a:effectRef idx="1">
+            <a:schemeClr val="accent1"/>
+          </a:effectRef>
+          <a:fontRef idx="minor">
+            <a:schemeClr val="dk1"/>
+          </a:fontRef>
+        </p:style>
+        <p:txBody>
+          <a:bodyPr rtlCol="0" anchor="ctr"/>
+          <a:lstStyle/>
+          <a:p>
+            <a:pPr algn="ctr"/>
+            <a:endParaRPr lang="zh-CN" altLang="en-US"/>
+          </a:p>
+        </p:txBody>
+      </p:sp>
+      <p:sp>
+        <p:nvSpPr>
+          <p:cNvPr id="151" name="矩形 150"/>
+          <p:cNvSpPr/>
+          <p:nvPr/>
+        </p:nvSpPr>
+        <p:spPr>
+          <a:xfrm>
+            <a:off x="8475531" y="3052351"/>
+            <a:ext cx="439767" cy="261257"/>
+          </a:xfrm>
+          <a:prstGeom prst="rect">
+            <a:avLst/>
+          </a:prstGeom>
+        </p:spPr>
+        <p:style>
+          <a:lnRef idx="1">
+            <a:schemeClr val="accent1"/>
+          </a:lnRef>
+          <a:fillRef idx="2">
+            <a:schemeClr val="accent1"/>
+          </a:fillRef>
+          <a:effectRef idx="1">
+            <a:schemeClr val="accent1"/>
+          </a:effectRef>
+          <a:fontRef idx="minor">
+            <a:schemeClr val="dk1"/>
+          </a:fontRef>
+        </p:style>
+        <p:txBody>
+          <a:bodyPr rtlCol="0" anchor="ctr"/>
+          <a:lstStyle/>
+          <a:p>
+            <a:pPr algn="ctr"/>
+            <a:endParaRPr lang="zh-CN" altLang="en-US"/>
+          </a:p>
+        </p:txBody>
+      </p:sp>
+      <p:sp>
+        <p:nvSpPr>
+          <p:cNvPr id="152" name="矩形 151"/>
+          <p:cNvSpPr/>
+          <p:nvPr/>
+        </p:nvSpPr>
+        <p:spPr>
+          <a:xfrm>
+            <a:off x="8910944" y="3052351"/>
+            <a:ext cx="439767" cy="261257"/>
+          </a:xfrm>
+          <a:prstGeom prst="rect">
+            <a:avLst/>
+          </a:prstGeom>
+          <a:solidFill>
+            <a:srgbClr val="FFFF00"/>
+          </a:solidFill>
+        </p:spPr>
+        <p:style>
+          <a:lnRef idx="1">
+            <a:schemeClr val="accent1"/>
+          </a:lnRef>
+          <a:fillRef idx="2">
+            <a:schemeClr val="accent1"/>
+          </a:fillRef>
+          <a:effectRef idx="1">
+            <a:schemeClr val="accent1"/>
+          </a:effectRef>
+          <a:fontRef idx="minor">
+            <a:schemeClr val="dk1"/>
+          </a:fontRef>
+        </p:style>
+        <p:txBody>
+          <a:bodyPr rtlCol="0" anchor="ctr"/>
+          <a:lstStyle/>
+          <a:p>
+            <a:pPr algn="ctr"/>
+            <a:endParaRPr lang="zh-CN" altLang="en-US"/>
+          </a:p>
+        </p:txBody>
+      </p:sp>
+      <p:sp>
+        <p:nvSpPr>
+          <p:cNvPr id="153" name="矩形 152"/>
+          <p:cNvSpPr/>
+          <p:nvPr/>
+        </p:nvSpPr>
+        <p:spPr>
+          <a:xfrm>
+            <a:off x="9346357" y="3052351"/>
+            <a:ext cx="439767" cy="261257"/>
+          </a:xfrm>
+          <a:prstGeom prst="rect">
+            <a:avLst/>
+          </a:prstGeom>
+        </p:spPr>
+        <p:style>
+          <a:lnRef idx="1">
+            <a:schemeClr val="accent1"/>
+          </a:lnRef>
+          <a:fillRef idx="2">
+            <a:schemeClr val="accent1"/>
+          </a:fillRef>
+          <a:effectRef idx="1">
+            <a:schemeClr val="accent1"/>
+          </a:effectRef>
+          <a:fontRef idx="minor">
+            <a:schemeClr val="dk1"/>
+          </a:fontRef>
+        </p:style>
+        <p:txBody>
+          <a:bodyPr rtlCol="0" anchor="ctr"/>
+          <a:lstStyle/>
+          <a:p>
+            <a:pPr algn="ctr"/>
+            <a:endParaRPr lang="zh-CN" altLang="en-US"/>
+          </a:p>
+        </p:txBody>
+      </p:sp>
+      <p:sp>
+        <p:nvSpPr>
+          <p:cNvPr id="154" name="矩形 153"/>
+          <p:cNvSpPr/>
+          <p:nvPr/>
+        </p:nvSpPr>
+        <p:spPr>
+          <a:xfrm>
+            <a:off x="9781770" y="3052351"/>
+            <a:ext cx="439767" cy="261257"/>
+          </a:xfrm>
+          <a:prstGeom prst="rect">
+            <a:avLst/>
+          </a:prstGeom>
+        </p:spPr>
+        <p:style>
+          <a:lnRef idx="1">
+            <a:schemeClr val="accent1"/>
+          </a:lnRef>
+          <a:fillRef idx="2">
+            <a:schemeClr val="accent1"/>
+          </a:fillRef>
+          <a:effectRef idx="1">
+            <a:schemeClr val="accent1"/>
+          </a:effectRef>
+          <a:fontRef idx="minor">
+            <a:schemeClr val="dk1"/>
+          </a:fontRef>
+        </p:style>
+        <p:txBody>
+          <a:bodyPr rtlCol="0" anchor="ctr"/>
+          <a:lstStyle/>
+          <a:p>
+            <a:pPr algn="ctr"/>
+            <a:endParaRPr lang="zh-CN" altLang="en-US"/>
+          </a:p>
+        </p:txBody>
+      </p:sp>
+      <p:sp>
+        <p:nvSpPr>
+          <p:cNvPr id="155" name="矩形 154"/>
+          <p:cNvSpPr/>
+          <p:nvPr/>
+        </p:nvSpPr>
+        <p:spPr>
+          <a:xfrm>
+            <a:off x="10217183" y="3052351"/>
+            <a:ext cx="439767" cy="261257"/>
+          </a:xfrm>
+          <a:prstGeom prst="rect">
+            <a:avLst/>
+          </a:prstGeom>
+        </p:spPr>
+        <p:style>
+          <a:lnRef idx="1">
+            <a:schemeClr val="accent1"/>
+          </a:lnRef>
+          <a:fillRef idx="2">
+            <a:schemeClr val="accent1"/>
+          </a:fillRef>
+          <a:effectRef idx="1">
+            <a:schemeClr val="accent1"/>
+          </a:effectRef>
+          <a:fontRef idx="minor">
+            <a:schemeClr val="dk1"/>
+          </a:fontRef>
+        </p:style>
+        <p:txBody>
+          <a:bodyPr rtlCol="0" anchor="ctr"/>
+          <a:lstStyle/>
+          <a:p>
+            <a:pPr algn="ctr"/>
+            <a:endParaRPr lang="zh-CN" altLang="en-US"/>
+          </a:p>
+        </p:txBody>
+      </p:sp>
+      <p:sp>
+        <p:nvSpPr>
+          <p:cNvPr id="156" name="矩形 155"/>
+          <p:cNvSpPr/>
+          <p:nvPr/>
+        </p:nvSpPr>
+        <p:spPr>
+          <a:xfrm>
+            <a:off x="8040126" y="3313608"/>
+            <a:ext cx="439767" cy="261257"/>
+          </a:xfrm>
+          <a:prstGeom prst="rect">
+            <a:avLst/>
+          </a:prstGeom>
+          <a:solidFill>
+            <a:srgbClr val="FFC000"/>
+          </a:solidFill>
+        </p:spPr>
+        <p:style>
+          <a:lnRef idx="1">
+            <a:schemeClr val="accent1"/>
+          </a:lnRef>
+          <a:fillRef idx="2">
+            <a:schemeClr val="accent1"/>
+          </a:fillRef>
+          <a:effectRef idx="1">
+            <a:schemeClr val="accent1"/>
+          </a:effectRef>
+          <a:fontRef idx="minor">
+            <a:schemeClr val="dk1"/>
+          </a:fontRef>
+        </p:style>
+        <p:txBody>
+          <a:bodyPr rtlCol="0" anchor="ctr"/>
+          <a:lstStyle/>
+          <a:p>
+            <a:pPr algn="ctr"/>
+            <a:endParaRPr lang="zh-CN" altLang="en-US"/>
+          </a:p>
+        </p:txBody>
+      </p:sp>
+      <p:sp>
+        <p:nvSpPr>
+          <p:cNvPr id="157" name="矩形 156"/>
+          <p:cNvSpPr/>
+          <p:nvPr/>
+        </p:nvSpPr>
+        <p:spPr>
+          <a:xfrm>
+            <a:off x="8475531" y="3313608"/>
+            <a:ext cx="439767" cy="261257"/>
+          </a:xfrm>
+          <a:prstGeom prst="rect">
+            <a:avLst/>
+          </a:prstGeom>
+        </p:spPr>
+        <p:style>
+          <a:lnRef idx="1">
+            <a:schemeClr val="accent1"/>
+          </a:lnRef>
+          <a:fillRef idx="2">
+            <a:schemeClr val="accent1"/>
+          </a:fillRef>
+          <a:effectRef idx="1">
+            <a:schemeClr val="accent1"/>
+          </a:effectRef>
+          <a:fontRef idx="minor">
+            <a:schemeClr val="dk1"/>
+          </a:fontRef>
+        </p:style>
+        <p:txBody>
+          <a:bodyPr rtlCol="0" anchor="ctr"/>
+          <a:lstStyle/>
+          <a:p>
+            <a:pPr algn="ctr"/>
+            <a:endParaRPr lang="zh-CN" altLang="en-US"/>
+          </a:p>
+        </p:txBody>
+      </p:sp>
+      <p:sp>
+        <p:nvSpPr>
+          <p:cNvPr id="158" name="矩形 157"/>
+          <p:cNvSpPr/>
+          <p:nvPr/>
+        </p:nvSpPr>
+        <p:spPr>
+          <a:xfrm>
+            <a:off x="8910944" y="3313608"/>
+            <a:ext cx="439767" cy="261257"/>
+          </a:xfrm>
+          <a:prstGeom prst="rect">
+            <a:avLst/>
+          </a:prstGeom>
+        </p:spPr>
+        <p:style>
+          <a:lnRef idx="1">
+            <a:schemeClr val="accent1"/>
+          </a:lnRef>
+          <a:fillRef idx="2">
+            <a:schemeClr val="accent1"/>
+          </a:fillRef>
+          <a:effectRef idx="1">
+            <a:schemeClr val="accent1"/>
+          </a:effectRef>
+          <a:fontRef idx="minor">
+            <a:schemeClr val="dk1"/>
+          </a:fontRef>
+        </p:style>
+        <p:txBody>
+          <a:bodyPr rtlCol="0" anchor="ctr"/>
+          <a:lstStyle/>
+          <a:p>
+            <a:pPr algn="ctr"/>
+            <a:endParaRPr lang="zh-CN" altLang="en-US"/>
+          </a:p>
+        </p:txBody>
+      </p:sp>
+      <p:sp>
+        <p:nvSpPr>
+          <p:cNvPr id="159" name="矩形 158"/>
+          <p:cNvSpPr/>
+          <p:nvPr/>
+        </p:nvSpPr>
+        <p:spPr>
+          <a:xfrm>
+            <a:off x="9346357" y="3313608"/>
+            <a:ext cx="439767" cy="261257"/>
+          </a:xfrm>
+          <a:prstGeom prst="rect">
+            <a:avLst/>
+          </a:prstGeom>
+        </p:spPr>
+        <p:style>
+          <a:lnRef idx="1">
+            <a:schemeClr val="accent1"/>
+          </a:lnRef>
+          <a:fillRef idx="2">
+            <a:schemeClr val="accent1"/>
+          </a:fillRef>
+          <a:effectRef idx="1">
+            <a:schemeClr val="accent1"/>
+          </a:effectRef>
+          <a:fontRef idx="minor">
+            <a:schemeClr val="dk1"/>
+          </a:fontRef>
+        </p:style>
+        <p:txBody>
+          <a:bodyPr rtlCol="0" anchor="ctr"/>
+          <a:lstStyle/>
+          <a:p>
+            <a:pPr algn="ctr"/>
+            <a:endParaRPr lang="zh-CN" altLang="en-US"/>
+          </a:p>
+        </p:txBody>
+      </p:sp>
+      <p:sp>
+        <p:nvSpPr>
+          <p:cNvPr id="160" name="矩形 159"/>
+          <p:cNvSpPr/>
+          <p:nvPr/>
+        </p:nvSpPr>
+        <p:spPr>
+          <a:xfrm>
+            <a:off x="9781770" y="3313608"/>
+            <a:ext cx="439767" cy="261257"/>
+          </a:xfrm>
+          <a:prstGeom prst="rect">
+            <a:avLst/>
+          </a:prstGeom>
+        </p:spPr>
+        <p:style>
+          <a:lnRef idx="1">
+            <a:schemeClr val="accent1"/>
+          </a:lnRef>
+          <a:fillRef idx="2">
+            <a:schemeClr val="accent1"/>
+          </a:fillRef>
+          <a:effectRef idx="1">
+            <a:schemeClr val="accent1"/>
+          </a:effectRef>
+          <a:fontRef idx="minor">
+            <a:schemeClr val="dk1"/>
+          </a:fontRef>
+        </p:style>
+        <p:txBody>
+          <a:bodyPr rtlCol="0" anchor="ctr"/>
+          <a:lstStyle/>
+          <a:p>
+            <a:pPr algn="ctr"/>
+            <a:endParaRPr lang="zh-CN" altLang="en-US"/>
+          </a:p>
+        </p:txBody>
+      </p:sp>
+      <p:sp>
+        <p:nvSpPr>
+          <p:cNvPr id="161" name="矩形 160"/>
+          <p:cNvSpPr/>
+          <p:nvPr/>
+        </p:nvSpPr>
+        <p:spPr>
+          <a:xfrm>
+            <a:off x="10217183" y="3313608"/>
+            <a:ext cx="439767" cy="261257"/>
+          </a:xfrm>
+          <a:prstGeom prst="rect">
+            <a:avLst/>
+          </a:prstGeom>
+          <a:solidFill>
+            <a:srgbClr val="FFFF00"/>
+          </a:solidFill>
+        </p:spPr>
+        <p:style>
+          <a:lnRef idx="1">
+            <a:schemeClr val="accent1"/>
+          </a:lnRef>
+          <a:fillRef idx="2">
+            <a:schemeClr val="accent1"/>
+          </a:fillRef>
+          <a:effectRef idx="1">
+            <a:schemeClr val="accent1"/>
+          </a:effectRef>
+          <a:fontRef idx="minor">
+            <a:schemeClr val="dk1"/>
+          </a:fontRef>
+        </p:style>
+        <p:txBody>
+          <a:bodyPr rtlCol="0" anchor="ctr"/>
+          <a:lstStyle/>
+          <a:p>
+            <a:pPr algn="ctr"/>
+            <a:endParaRPr lang="zh-CN" altLang="en-US"/>
+          </a:p>
+        </p:txBody>
+      </p:sp>
+      <p:sp>
+        <p:nvSpPr>
+          <p:cNvPr id="162" name="矩形 161"/>
+          <p:cNvSpPr/>
+          <p:nvPr/>
+        </p:nvSpPr>
+        <p:spPr>
+          <a:xfrm>
+            <a:off x="8040126" y="3574865"/>
+            <a:ext cx="439767" cy="261257"/>
+          </a:xfrm>
+          <a:prstGeom prst="rect">
+            <a:avLst/>
+          </a:prstGeom>
+        </p:spPr>
+        <p:style>
+          <a:lnRef idx="1">
+            <a:schemeClr val="accent1"/>
+          </a:lnRef>
+          <a:fillRef idx="2">
+            <a:schemeClr val="accent1"/>
+          </a:fillRef>
+          <a:effectRef idx="1">
+            <a:schemeClr val="accent1"/>
+          </a:effectRef>
+          <a:fontRef idx="minor">
+            <a:schemeClr val="dk1"/>
+          </a:fontRef>
+        </p:style>
+        <p:txBody>
+          <a:bodyPr rtlCol="0" anchor="ctr"/>
+          <a:lstStyle/>
+          <a:p>
+            <a:pPr algn="ctr"/>
+            <a:endParaRPr lang="zh-CN" altLang="en-US"/>
+          </a:p>
+        </p:txBody>
+      </p:sp>
+      <p:sp>
+        <p:nvSpPr>
+          <p:cNvPr id="163" name="矩形 162"/>
+          <p:cNvSpPr/>
+          <p:nvPr/>
+        </p:nvSpPr>
+        <p:spPr>
+          <a:xfrm>
+            <a:off x="8475531" y="3574865"/>
+            <a:ext cx="439767" cy="261257"/>
+          </a:xfrm>
+          <a:prstGeom prst="rect">
+            <a:avLst/>
+          </a:prstGeom>
+        </p:spPr>
+        <p:style>
+          <a:lnRef idx="1">
+            <a:schemeClr val="accent1"/>
+          </a:lnRef>
+          <a:fillRef idx="2">
+            <a:schemeClr val="accent1"/>
+          </a:fillRef>
+          <a:effectRef idx="1">
+            <a:schemeClr val="accent1"/>
+          </a:effectRef>
+          <a:fontRef idx="minor">
+            <a:schemeClr val="dk1"/>
+          </a:fontRef>
+        </p:style>
+        <p:txBody>
+          <a:bodyPr rtlCol="0" anchor="ctr"/>
+          <a:lstStyle/>
+          <a:p>
+            <a:pPr algn="ctr"/>
+            <a:endParaRPr lang="zh-CN" altLang="en-US"/>
+          </a:p>
+        </p:txBody>
+      </p:sp>
+      <p:sp>
+        <p:nvSpPr>
+          <p:cNvPr id="164" name="矩形 163"/>
+          <p:cNvSpPr/>
+          <p:nvPr/>
+        </p:nvSpPr>
+        <p:spPr>
+          <a:xfrm>
+            <a:off x="8910944" y="3574865"/>
+            <a:ext cx="439767" cy="261257"/>
+          </a:xfrm>
+          <a:prstGeom prst="rect">
+            <a:avLst/>
+          </a:prstGeom>
+        </p:spPr>
+        <p:style>
+          <a:lnRef idx="1">
+            <a:schemeClr val="accent1"/>
+          </a:lnRef>
+          <a:fillRef idx="2">
+            <a:schemeClr val="accent1"/>
+          </a:fillRef>
+          <a:effectRef idx="1">
+            <a:schemeClr val="accent1"/>
+          </a:effectRef>
+          <a:fontRef idx="minor">
+            <a:schemeClr val="dk1"/>
+          </a:fontRef>
+        </p:style>
+        <p:txBody>
+          <a:bodyPr rtlCol="0" anchor="ctr"/>
+          <a:lstStyle/>
+          <a:p>
+            <a:pPr algn="ctr"/>
+            <a:endParaRPr lang="zh-CN" altLang="en-US"/>
+          </a:p>
+        </p:txBody>
+      </p:sp>
+      <p:sp>
+        <p:nvSpPr>
+          <p:cNvPr id="165" name="矩形 164"/>
+          <p:cNvSpPr/>
+          <p:nvPr/>
+        </p:nvSpPr>
+        <p:spPr>
+          <a:xfrm>
+            <a:off x="9346357" y="3574865"/>
+            <a:ext cx="439767" cy="261257"/>
+          </a:xfrm>
+          <a:prstGeom prst="rect">
+            <a:avLst/>
+          </a:prstGeom>
+        </p:spPr>
+        <p:style>
+          <a:lnRef idx="1">
+            <a:schemeClr val="accent1"/>
+          </a:lnRef>
+          <a:fillRef idx="2">
+            <a:schemeClr val="accent1"/>
+          </a:fillRef>
+          <a:effectRef idx="1">
+            <a:schemeClr val="accent1"/>
+          </a:effectRef>
+          <a:fontRef idx="minor">
+            <a:schemeClr val="dk1"/>
+          </a:fontRef>
+        </p:style>
+        <p:txBody>
+          <a:bodyPr rtlCol="0" anchor="ctr"/>
+          <a:lstStyle/>
+          <a:p>
+            <a:pPr algn="ctr"/>
+            <a:endParaRPr lang="zh-CN" altLang="en-US"/>
+          </a:p>
+        </p:txBody>
+      </p:sp>
+      <p:sp>
+        <p:nvSpPr>
+          <p:cNvPr id="166" name="矩形 165"/>
+          <p:cNvSpPr/>
+          <p:nvPr/>
+        </p:nvSpPr>
+        <p:spPr>
+          <a:xfrm>
+            <a:off x="9781770" y="3574865"/>
+            <a:ext cx="439767" cy="261257"/>
+          </a:xfrm>
+          <a:prstGeom prst="rect">
+            <a:avLst/>
+          </a:prstGeom>
+          <a:solidFill>
+            <a:srgbClr val="FFC000"/>
+          </a:solidFill>
+        </p:spPr>
+        <p:style>
+          <a:lnRef idx="1">
+            <a:schemeClr val="accent1"/>
+          </a:lnRef>
+          <a:fillRef idx="2">
+            <a:schemeClr val="accent1"/>
+          </a:fillRef>
+          <a:effectRef idx="1">
+            <a:schemeClr val="accent1"/>
+          </a:effectRef>
+          <a:fontRef idx="minor">
+            <a:schemeClr val="dk1"/>
+          </a:fontRef>
+        </p:style>
+        <p:txBody>
+          <a:bodyPr rtlCol="0" anchor="ctr"/>
+          <a:lstStyle/>
+          <a:p>
+            <a:pPr algn="ctr"/>
+            <a:endParaRPr lang="zh-CN" altLang="en-US"/>
+          </a:p>
+        </p:txBody>
+      </p:sp>
+      <p:sp>
+        <p:nvSpPr>
+          <p:cNvPr id="167" name="矩形 166"/>
+          <p:cNvSpPr/>
+          <p:nvPr/>
+        </p:nvSpPr>
+        <p:spPr>
+          <a:xfrm>
+            <a:off x="10217183" y="3574865"/>
+            <a:ext cx="439767" cy="261257"/>
+          </a:xfrm>
+          <a:prstGeom prst="rect">
+            <a:avLst/>
+          </a:prstGeom>
+        </p:spPr>
+        <p:style>
+          <a:lnRef idx="1">
+            <a:schemeClr val="accent1"/>
+          </a:lnRef>
+          <a:fillRef idx="2">
+            <a:schemeClr val="accent1"/>
+          </a:fillRef>
+          <a:effectRef idx="1">
+            <a:schemeClr val="accent1"/>
+          </a:effectRef>
+          <a:fontRef idx="minor">
+            <a:schemeClr val="dk1"/>
+          </a:fontRef>
+        </p:style>
+        <p:txBody>
+          <a:bodyPr rtlCol="0" anchor="ctr"/>
+          <a:lstStyle/>
+          <a:p>
+            <a:pPr algn="ctr"/>
+            <a:endParaRPr lang="zh-CN" altLang="en-US"/>
+          </a:p>
+        </p:txBody>
+      </p:sp>
+      <p:sp>
+        <p:nvSpPr>
+          <p:cNvPr id="168" name="矩形 167"/>
+          <p:cNvSpPr/>
+          <p:nvPr/>
+        </p:nvSpPr>
+        <p:spPr>
+          <a:xfrm>
+            <a:off x="8040126" y="3836122"/>
+            <a:ext cx="439767" cy="261257"/>
+          </a:xfrm>
+          <a:prstGeom prst="rect">
+            <a:avLst/>
+          </a:prstGeom>
+        </p:spPr>
+        <p:style>
+          <a:lnRef idx="1">
+            <a:schemeClr val="accent1"/>
+          </a:lnRef>
+          <a:fillRef idx="2">
+            <a:schemeClr val="accent1"/>
+          </a:fillRef>
+          <a:effectRef idx="1">
+            <a:schemeClr val="accent1"/>
+          </a:effectRef>
+          <a:fontRef idx="minor">
+            <a:schemeClr val="dk1"/>
+          </a:fontRef>
+        </p:style>
+        <p:txBody>
+          <a:bodyPr rtlCol="0" anchor="ctr"/>
+          <a:lstStyle/>
+          <a:p>
+            <a:pPr algn="ctr"/>
+            <a:endParaRPr lang="zh-CN" altLang="en-US"/>
+          </a:p>
+        </p:txBody>
+      </p:sp>
+      <p:sp>
+        <p:nvSpPr>
+          <p:cNvPr id="169" name="矩形 168"/>
+          <p:cNvSpPr/>
+          <p:nvPr/>
+        </p:nvSpPr>
+        <p:spPr>
+          <a:xfrm>
+            <a:off x="8475531" y="3836122"/>
+            <a:ext cx="439767" cy="261257"/>
+          </a:xfrm>
+          <a:prstGeom prst="rect">
+            <a:avLst/>
+          </a:prstGeom>
+          <a:solidFill>
+            <a:srgbClr val="FFC000"/>
+          </a:solidFill>
+        </p:spPr>
+        <p:style>
+          <a:lnRef idx="1">
+            <a:schemeClr val="accent1"/>
+          </a:lnRef>
+          <a:fillRef idx="2">
+            <a:schemeClr val="accent1"/>
+          </a:fillRef>
+          <a:effectRef idx="1">
+            <a:schemeClr val="accent1"/>
+          </a:effectRef>
+          <a:fontRef idx="minor">
+            <a:schemeClr val="dk1"/>
+          </a:fontRef>
+        </p:style>
+        <p:txBody>
+          <a:bodyPr rtlCol="0" anchor="ctr"/>
+          <a:lstStyle/>
+          <a:p>
+            <a:pPr algn="ctr"/>
+            <a:endParaRPr lang="zh-CN" altLang="en-US"/>
+          </a:p>
+        </p:txBody>
+      </p:sp>
+      <p:sp>
+        <p:nvSpPr>
+          <p:cNvPr id="170" name="矩形 169"/>
+          <p:cNvSpPr/>
+          <p:nvPr/>
+        </p:nvSpPr>
+        <p:spPr>
+          <a:xfrm>
+            <a:off x="8910944" y="3836122"/>
+            <a:ext cx="439767" cy="261257"/>
+          </a:xfrm>
+          <a:prstGeom prst="rect">
+            <a:avLst/>
+          </a:prstGeom>
+          <a:solidFill>
+            <a:srgbClr val="FFFF00"/>
+          </a:solidFill>
+        </p:spPr>
+        <p:style>
+          <a:lnRef idx="1">
+            <a:schemeClr val="accent1"/>
+          </a:lnRef>
+          <a:fillRef idx="2">
+            <a:schemeClr val="accent1"/>
+          </a:fillRef>
+          <a:effectRef idx="1">
+            <a:schemeClr val="accent1"/>
+          </a:effectRef>
+          <a:fontRef idx="minor">
+            <a:schemeClr val="dk1"/>
+          </a:fontRef>
+        </p:style>
+        <p:txBody>
+          <a:bodyPr rtlCol="0" anchor="ctr"/>
+          <a:lstStyle/>
+          <a:p>
+            <a:pPr algn="ctr"/>
+            <a:endParaRPr lang="zh-CN" altLang="en-US"/>
+          </a:p>
+        </p:txBody>
+      </p:sp>
+      <p:sp>
+        <p:nvSpPr>
+          <p:cNvPr id="171" name="矩形 170"/>
+          <p:cNvSpPr/>
+          <p:nvPr/>
+        </p:nvSpPr>
+        <p:spPr>
+          <a:xfrm>
+            <a:off x="9346357" y="3836122"/>
+            <a:ext cx="439767" cy="261257"/>
+          </a:xfrm>
+          <a:prstGeom prst="rect">
+            <a:avLst/>
+          </a:prstGeom>
+          <a:solidFill>
+            <a:srgbClr val="FFC000"/>
+          </a:solidFill>
+        </p:spPr>
+        <p:style>
+          <a:lnRef idx="1">
+            <a:schemeClr val="accent1"/>
+          </a:lnRef>
+          <a:fillRef idx="2">
+            <a:schemeClr val="accent1"/>
+          </a:fillRef>
+          <a:effectRef idx="1">
+            <a:schemeClr val="accent1"/>
+          </a:effectRef>
+          <a:fontRef idx="minor">
+            <a:schemeClr val="dk1"/>
+          </a:fontRef>
+        </p:style>
+        <p:txBody>
+          <a:bodyPr rtlCol="0" anchor="ctr"/>
+          <a:lstStyle/>
+          <a:p>
+            <a:pPr algn="ctr"/>
+            <a:endParaRPr lang="zh-CN" altLang="en-US"/>
+          </a:p>
+        </p:txBody>
+      </p:sp>
+      <p:sp>
+        <p:nvSpPr>
+          <p:cNvPr id="172" name="矩形 171"/>
+          <p:cNvSpPr/>
+          <p:nvPr/>
+        </p:nvSpPr>
+        <p:spPr>
+          <a:xfrm>
+            <a:off x="9781770" y="3836122"/>
+            <a:ext cx="439767" cy="261257"/>
+          </a:xfrm>
+          <a:prstGeom prst="rect">
+            <a:avLst/>
+          </a:prstGeom>
+        </p:spPr>
+        <p:style>
+          <a:lnRef idx="1">
+            <a:schemeClr val="accent1"/>
+          </a:lnRef>
+          <a:fillRef idx="2">
+            <a:schemeClr val="accent1"/>
+          </a:fillRef>
+          <a:effectRef idx="1">
+            <a:schemeClr val="accent1"/>
+          </a:effectRef>
+          <a:fontRef idx="minor">
+            <a:schemeClr val="dk1"/>
+          </a:fontRef>
+        </p:style>
+        <p:txBody>
+          <a:bodyPr rtlCol="0" anchor="ctr"/>
+          <a:lstStyle/>
+          <a:p>
+            <a:pPr algn="ctr"/>
+            <a:endParaRPr lang="zh-CN" altLang="en-US"/>
+          </a:p>
+        </p:txBody>
+      </p:sp>
+      <p:sp>
+        <p:nvSpPr>
+          <p:cNvPr id="173" name="矩形 172"/>
+          <p:cNvSpPr/>
+          <p:nvPr/>
+        </p:nvSpPr>
+        <p:spPr>
+          <a:xfrm>
+            <a:off x="10217183" y="3836122"/>
+            <a:ext cx="439767" cy="261257"/>
+          </a:xfrm>
+          <a:prstGeom prst="rect">
+            <a:avLst/>
+          </a:prstGeom>
+        </p:spPr>
+        <p:style>
+          <a:lnRef idx="1">
+            <a:schemeClr val="accent1"/>
+          </a:lnRef>
+          <a:fillRef idx="2">
+            <a:schemeClr val="accent1"/>
+          </a:fillRef>
+          <a:effectRef idx="1">
+            <a:schemeClr val="accent1"/>
+          </a:effectRef>
+          <a:fontRef idx="minor">
+            <a:schemeClr val="dk1"/>
+          </a:fontRef>
+        </p:style>
+        <p:txBody>
+          <a:bodyPr rtlCol="0" anchor="ctr"/>
+          <a:lstStyle/>
+          <a:p>
+            <a:pPr algn="ctr"/>
+            <a:endParaRPr lang="zh-CN" altLang="en-US"/>
+          </a:p>
+        </p:txBody>
+      </p:sp>
+      <p:sp>
+        <p:nvSpPr>
+          <p:cNvPr id="174" name="矩形 173"/>
+          <p:cNvSpPr/>
+          <p:nvPr/>
+        </p:nvSpPr>
+        <p:spPr>
+          <a:xfrm>
+            <a:off x="8040126" y="4097379"/>
+            <a:ext cx="439767" cy="261257"/>
+          </a:xfrm>
+          <a:prstGeom prst="rect">
+            <a:avLst/>
+          </a:prstGeom>
+        </p:spPr>
+        <p:style>
+          <a:lnRef idx="1">
+            <a:schemeClr val="accent1"/>
+          </a:lnRef>
+          <a:fillRef idx="2">
+            <a:schemeClr val="accent1"/>
+          </a:fillRef>
+          <a:effectRef idx="1">
+            <a:schemeClr val="accent1"/>
+          </a:effectRef>
+          <a:fontRef idx="minor">
+            <a:schemeClr val="dk1"/>
+          </a:fontRef>
+        </p:style>
+        <p:txBody>
+          <a:bodyPr rtlCol="0" anchor="ctr"/>
+          <a:lstStyle/>
+          <a:p>
+            <a:pPr algn="ctr"/>
+            <a:endParaRPr lang="zh-CN" altLang="en-US"/>
+          </a:p>
+        </p:txBody>
+      </p:sp>
+      <p:sp>
+        <p:nvSpPr>
+          <p:cNvPr id="175" name="矩形 174"/>
+          <p:cNvSpPr/>
+          <p:nvPr/>
+        </p:nvSpPr>
+        <p:spPr>
+          <a:xfrm>
+            <a:off x="8475531" y="4097379"/>
+            <a:ext cx="439767" cy="261257"/>
+          </a:xfrm>
+          <a:prstGeom prst="rect">
+            <a:avLst/>
+          </a:prstGeom>
+        </p:spPr>
+        <p:style>
+          <a:lnRef idx="1">
+            <a:schemeClr val="accent1"/>
+          </a:lnRef>
+          <a:fillRef idx="2">
+            <a:schemeClr val="accent1"/>
+          </a:fillRef>
+          <a:effectRef idx="1">
+            <a:schemeClr val="accent1"/>
+          </a:effectRef>
+          <a:fontRef idx="minor">
+            <a:schemeClr val="dk1"/>
+          </a:fontRef>
+        </p:style>
+        <p:txBody>
+          <a:bodyPr rtlCol="0" anchor="ctr"/>
+          <a:lstStyle/>
+          <a:p>
+            <a:pPr algn="ctr"/>
+            <a:endParaRPr lang="zh-CN" altLang="en-US"/>
+          </a:p>
+        </p:txBody>
+      </p:sp>
+      <p:sp>
+        <p:nvSpPr>
+          <p:cNvPr id="176" name="矩形 175"/>
+          <p:cNvSpPr/>
+          <p:nvPr/>
+        </p:nvSpPr>
+        <p:spPr>
+          <a:xfrm>
+            <a:off x="8910944" y="4097379"/>
+            <a:ext cx="439767" cy="261257"/>
+          </a:xfrm>
+          <a:prstGeom prst="rect">
+            <a:avLst/>
+          </a:prstGeom>
+        </p:spPr>
+        <p:style>
+          <a:lnRef idx="1">
+            <a:schemeClr val="accent1"/>
+          </a:lnRef>
+          <a:fillRef idx="2">
+            <a:schemeClr val="accent1"/>
+          </a:fillRef>
+          <a:effectRef idx="1">
+            <a:schemeClr val="accent1"/>
+          </a:effectRef>
+          <a:fontRef idx="minor">
+            <a:schemeClr val="dk1"/>
+          </a:fontRef>
+        </p:style>
+        <p:txBody>
+          <a:bodyPr rtlCol="0" anchor="ctr"/>
+          <a:lstStyle/>
+          <a:p>
+            <a:pPr algn="ctr"/>
+            <a:endParaRPr lang="zh-CN" altLang="en-US"/>
+          </a:p>
+        </p:txBody>
+      </p:sp>
+      <p:sp>
+        <p:nvSpPr>
+          <p:cNvPr id="177" name="矩形 176"/>
+          <p:cNvSpPr/>
+          <p:nvPr/>
+        </p:nvSpPr>
+        <p:spPr>
+          <a:xfrm>
+            <a:off x="9346357" y="4097379"/>
+            <a:ext cx="439767" cy="261257"/>
+          </a:xfrm>
+          <a:prstGeom prst="rect">
+            <a:avLst/>
+          </a:prstGeom>
+        </p:spPr>
+        <p:style>
+          <a:lnRef idx="1">
+            <a:schemeClr val="accent1"/>
+          </a:lnRef>
+          <a:fillRef idx="2">
+            <a:schemeClr val="accent1"/>
+          </a:fillRef>
+          <a:effectRef idx="1">
+            <a:schemeClr val="accent1"/>
+          </a:effectRef>
+          <a:fontRef idx="minor">
+            <a:schemeClr val="dk1"/>
+          </a:fontRef>
+        </p:style>
+        <p:txBody>
+          <a:bodyPr rtlCol="0" anchor="ctr"/>
+          <a:lstStyle/>
+          <a:p>
+            <a:pPr algn="ctr"/>
+            <a:endParaRPr lang="zh-CN" altLang="en-US"/>
+          </a:p>
+        </p:txBody>
+      </p:sp>
+      <p:sp>
+        <p:nvSpPr>
+          <p:cNvPr id="178" name="矩形 177"/>
+          <p:cNvSpPr/>
+          <p:nvPr/>
+        </p:nvSpPr>
+        <p:spPr>
+          <a:xfrm>
+            <a:off x="9781770" y="4097379"/>
+            <a:ext cx="439767" cy="261257"/>
+          </a:xfrm>
+          <a:prstGeom prst="rect">
+            <a:avLst/>
+          </a:prstGeom>
+        </p:spPr>
+        <p:style>
+          <a:lnRef idx="1">
+            <a:schemeClr val="accent1"/>
+          </a:lnRef>
+          <a:fillRef idx="2">
+            <a:schemeClr val="accent1"/>
+          </a:fillRef>
+          <a:effectRef idx="1">
+            <a:schemeClr val="accent1"/>
+          </a:effectRef>
+          <a:fontRef idx="minor">
+            <a:schemeClr val="dk1"/>
+          </a:fontRef>
+        </p:style>
+        <p:txBody>
+          <a:bodyPr rtlCol="0" anchor="ctr"/>
+          <a:lstStyle/>
+          <a:p>
+            <a:pPr algn="ctr"/>
+            <a:endParaRPr lang="zh-CN" altLang="en-US"/>
+          </a:p>
+        </p:txBody>
+      </p:sp>
+      <p:sp>
+        <p:nvSpPr>
+          <p:cNvPr id="179" name="矩形 178"/>
+          <p:cNvSpPr/>
+          <p:nvPr/>
+        </p:nvSpPr>
+        <p:spPr>
+          <a:xfrm>
+            <a:off x="10217183" y="4097379"/>
+            <a:ext cx="439767" cy="261257"/>
+          </a:xfrm>
+          <a:prstGeom prst="rect">
+            <a:avLst/>
+          </a:prstGeom>
+          <a:solidFill>
+            <a:srgbClr val="FFFF00"/>
+          </a:solidFill>
+        </p:spPr>
+        <p:style>
+          <a:lnRef idx="1">
+            <a:schemeClr val="accent1"/>
+          </a:lnRef>
+          <a:fillRef idx="2">
+            <a:schemeClr val="accent1"/>
+          </a:fillRef>
+          <a:effectRef idx="1">
+            <a:schemeClr val="accent1"/>
+          </a:effectRef>
+          <a:fontRef idx="minor">
+            <a:schemeClr val="dk1"/>
+          </a:fontRef>
+        </p:style>
+        <p:txBody>
+          <a:bodyPr rtlCol="0" anchor="ctr"/>
+          <a:lstStyle/>
+          <a:p>
+            <a:pPr algn="ctr"/>
+            <a:endParaRPr lang="zh-CN" altLang="en-US"/>
+          </a:p>
+        </p:txBody>
+      </p:sp>
+      <p:sp>
+        <p:nvSpPr>
+          <p:cNvPr id="180" name="矩形 179"/>
+          <p:cNvSpPr/>
+          <p:nvPr/>
+        </p:nvSpPr>
+        <p:spPr>
+          <a:xfrm>
+            <a:off x="8040126" y="4358636"/>
+            <a:ext cx="439767" cy="261257"/>
+          </a:xfrm>
+          <a:prstGeom prst="rect">
+            <a:avLst/>
+          </a:prstGeom>
+        </p:spPr>
+        <p:style>
+          <a:lnRef idx="1">
+            <a:schemeClr val="accent1"/>
+          </a:lnRef>
+          <a:fillRef idx="2">
+            <a:schemeClr val="accent1"/>
+          </a:fillRef>
+          <a:effectRef idx="1">
+            <a:schemeClr val="accent1"/>
+          </a:effectRef>
+          <a:fontRef idx="minor">
+            <a:schemeClr val="dk1"/>
+          </a:fontRef>
+        </p:style>
+        <p:txBody>
+          <a:bodyPr rtlCol="0" anchor="ctr"/>
+          <a:lstStyle/>
+          <a:p>
+            <a:pPr algn="ctr"/>
+            <a:endParaRPr lang="zh-CN" altLang="en-US"/>
+          </a:p>
+        </p:txBody>
+      </p:sp>
+      <p:sp>
+        <p:nvSpPr>
+          <p:cNvPr id="181" name="矩形 180"/>
+          <p:cNvSpPr/>
+          <p:nvPr/>
+        </p:nvSpPr>
+        <p:spPr>
+          <a:xfrm>
+            <a:off x="8475531" y="4358636"/>
+            <a:ext cx="439767" cy="261257"/>
+          </a:xfrm>
+          <a:prstGeom prst="rect">
+            <a:avLst/>
+          </a:prstGeom>
+          <a:solidFill>
+            <a:srgbClr val="FFC000"/>
+          </a:solidFill>
+        </p:spPr>
+        <p:style>
+          <a:lnRef idx="1">
+            <a:schemeClr val="accent1"/>
+          </a:lnRef>
+          <a:fillRef idx="2">
+            <a:schemeClr val="accent1"/>
+          </a:fillRef>
+          <a:effectRef idx="1">
+            <a:schemeClr val="accent1"/>
+          </a:effectRef>
+          <a:fontRef idx="minor">
+            <a:schemeClr val="dk1"/>
+          </a:fontRef>
+        </p:style>
+        <p:txBody>
+          <a:bodyPr rtlCol="0" anchor="ctr"/>
+          <a:lstStyle/>
+          <a:p>
+            <a:pPr algn="ctr"/>
+            <a:endParaRPr lang="zh-CN" altLang="en-US"/>
+          </a:p>
+        </p:txBody>
+      </p:sp>
+      <p:sp>
+        <p:nvSpPr>
+          <p:cNvPr id="182" name="矩形 181"/>
+          <p:cNvSpPr/>
+          <p:nvPr/>
+        </p:nvSpPr>
+        <p:spPr>
+          <a:xfrm>
+            <a:off x="8910944" y="4358636"/>
+            <a:ext cx="439767" cy="261257"/>
+          </a:xfrm>
+          <a:prstGeom prst="rect">
+            <a:avLst/>
+          </a:prstGeom>
+          <a:solidFill>
+            <a:srgbClr val="FFFF00"/>
+          </a:solidFill>
+        </p:spPr>
+        <p:style>
+          <a:lnRef idx="1">
+            <a:schemeClr val="accent1"/>
+          </a:lnRef>
+          <a:fillRef idx="2">
+            <a:schemeClr val="accent1"/>
+          </a:fillRef>
+          <a:effectRef idx="1">
+            <a:schemeClr val="accent1"/>
+          </a:effectRef>
+          <a:fontRef idx="minor">
+            <a:schemeClr val="dk1"/>
+          </a:fontRef>
+        </p:style>
+        <p:txBody>
+          <a:bodyPr rtlCol="0" anchor="ctr"/>
+          <a:lstStyle/>
+          <a:p>
+            <a:pPr algn="ctr"/>
+            <a:endParaRPr lang="zh-CN" altLang="en-US"/>
+          </a:p>
+        </p:txBody>
+      </p:sp>
+      <p:sp>
+        <p:nvSpPr>
+          <p:cNvPr id="183" name="矩形 182"/>
+          <p:cNvSpPr/>
+          <p:nvPr/>
+        </p:nvSpPr>
+        <p:spPr>
+          <a:xfrm>
+            <a:off x="9346357" y="4358636"/>
+            <a:ext cx="439767" cy="261257"/>
+          </a:xfrm>
+          <a:prstGeom prst="rect">
+            <a:avLst/>
+          </a:prstGeom>
+        </p:spPr>
+        <p:style>
+          <a:lnRef idx="1">
+            <a:schemeClr val="accent1"/>
+          </a:lnRef>
+          <a:fillRef idx="2">
+            <a:schemeClr val="accent1"/>
+          </a:fillRef>
+          <a:effectRef idx="1">
+            <a:schemeClr val="accent1"/>
+          </a:effectRef>
+          <a:fontRef idx="minor">
+            <a:schemeClr val="dk1"/>
+          </a:fontRef>
+        </p:style>
+        <p:txBody>
+          <a:bodyPr rtlCol="0" anchor="ctr"/>
+          <a:lstStyle/>
+          <a:p>
+            <a:pPr algn="ctr"/>
+            <a:endParaRPr lang="zh-CN" altLang="en-US"/>
+          </a:p>
+        </p:txBody>
+      </p:sp>
+      <p:sp>
+        <p:nvSpPr>
+          <p:cNvPr id="184" name="矩形 183"/>
+          <p:cNvSpPr/>
+          <p:nvPr/>
+        </p:nvSpPr>
+        <p:spPr>
+          <a:xfrm>
+            <a:off x="9781770" y="4358636"/>
+            <a:ext cx="439767" cy="261257"/>
+          </a:xfrm>
+          <a:prstGeom prst="rect">
+            <a:avLst/>
+          </a:prstGeom>
+        </p:spPr>
+        <p:style>
+          <a:lnRef idx="1">
+            <a:schemeClr val="accent1"/>
+          </a:lnRef>
+          <a:fillRef idx="2">
+            <a:schemeClr val="accent1"/>
+          </a:fillRef>
+          <a:effectRef idx="1">
+            <a:schemeClr val="accent1"/>
+          </a:effectRef>
+          <a:fontRef idx="minor">
+            <a:schemeClr val="dk1"/>
+          </a:fontRef>
+        </p:style>
+        <p:txBody>
+          <a:bodyPr rtlCol="0" anchor="ctr"/>
+          <a:lstStyle/>
+          <a:p>
+            <a:pPr algn="ctr"/>
+            <a:endParaRPr lang="zh-CN" altLang="en-US"/>
+          </a:p>
+        </p:txBody>
+      </p:sp>
+      <p:sp>
+        <p:nvSpPr>
+          <p:cNvPr id="185" name="矩形 184"/>
+          <p:cNvSpPr/>
+          <p:nvPr/>
+        </p:nvSpPr>
+        <p:spPr>
+          <a:xfrm>
+            <a:off x="10217183" y="4358636"/>
+            <a:ext cx="439767" cy="261257"/>
+          </a:xfrm>
+          <a:prstGeom prst="rect">
+            <a:avLst/>
+          </a:prstGeom>
+        </p:spPr>
+        <p:style>
+          <a:lnRef idx="1">
+            <a:schemeClr val="accent1"/>
+          </a:lnRef>
+          <a:fillRef idx="2">
+            <a:schemeClr val="accent1"/>
+          </a:fillRef>
+          <a:effectRef idx="1">
+            <a:schemeClr val="accent1"/>
+          </a:effectRef>
+          <a:fontRef idx="minor">
+            <a:schemeClr val="dk1"/>
+          </a:fontRef>
+        </p:style>
+        <p:txBody>
+          <a:bodyPr rtlCol="0" anchor="ctr"/>
+          <a:lstStyle/>
+          <a:p>
+            <a:pPr algn="ctr"/>
+            <a:endParaRPr lang="zh-CN" altLang="en-US"/>
+          </a:p>
+        </p:txBody>
+      </p:sp>
+      <p:sp>
+        <p:nvSpPr>
+          <p:cNvPr id="186" name="矩形 185"/>
+          <p:cNvSpPr/>
+          <p:nvPr/>
+        </p:nvSpPr>
+        <p:spPr>
+          <a:xfrm>
+            <a:off x="8192526" y="3204751"/>
+            <a:ext cx="439767" cy="261257"/>
+          </a:xfrm>
+          <a:prstGeom prst="rect">
+            <a:avLst/>
+          </a:prstGeom>
+        </p:spPr>
+        <p:style>
+          <a:lnRef idx="1">
+            <a:schemeClr val="accent1"/>
+          </a:lnRef>
+          <a:fillRef idx="2">
+            <a:schemeClr val="accent1"/>
+          </a:fillRef>
+          <a:effectRef idx="1">
+            <a:schemeClr val="accent1"/>
+          </a:effectRef>
+          <a:fontRef idx="minor">
+            <a:schemeClr val="dk1"/>
+          </a:fontRef>
+        </p:style>
+        <p:txBody>
+          <a:bodyPr rtlCol="0" anchor="ctr"/>
+          <a:lstStyle/>
+          <a:p>
+            <a:pPr algn="ctr"/>
+            <a:endParaRPr lang="zh-CN" altLang="en-US"/>
+          </a:p>
+        </p:txBody>
+      </p:sp>
+      <p:sp>
+        <p:nvSpPr>
+          <p:cNvPr id="187" name="矩形 186"/>
+          <p:cNvSpPr/>
+          <p:nvPr/>
+        </p:nvSpPr>
+        <p:spPr>
+          <a:xfrm>
+            <a:off x="8627931" y="3204751"/>
+            <a:ext cx="439767" cy="261257"/>
+          </a:xfrm>
+          <a:prstGeom prst="rect">
+            <a:avLst/>
+          </a:prstGeom>
+        </p:spPr>
+        <p:style>
+          <a:lnRef idx="1">
+            <a:schemeClr val="accent1"/>
+          </a:lnRef>
+          <a:fillRef idx="2">
+            <a:schemeClr val="accent1"/>
+          </a:fillRef>
+          <a:effectRef idx="1">
+            <a:schemeClr val="accent1"/>
+          </a:effectRef>
+          <a:fontRef idx="minor">
+            <a:schemeClr val="dk1"/>
+          </a:fontRef>
+        </p:style>
+        <p:txBody>
+          <a:bodyPr rtlCol="0" anchor="ctr"/>
+          <a:lstStyle/>
+          <a:p>
+            <a:pPr algn="ctr"/>
+            <a:endParaRPr lang="zh-CN" altLang="en-US"/>
+          </a:p>
+        </p:txBody>
+      </p:sp>
+      <p:sp>
+        <p:nvSpPr>
+          <p:cNvPr id="188" name="矩形 187"/>
+          <p:cNvSpPr/>
+          <p:nvPr/>
+        </p:nvSpPr>
+        <p:spPr>
+          <a:xfrm>
+            <a:off x="9063344" y="3204751"/>
+            <a:ext cx="439767" cy="261257"/>
+          </a:xfrm>
+          <a:prstGeom prst="rect">
+            <a:avLst/>
+          </a:prstGeom>
+          <a:solidFill>
+            <a:srgbClr val="FFFF00"/>
+          </a:solidFill>
+        </p:spPr>
+        <p:style>
+          <a:lnRef idx="1">
+            <a:schemeClr val="accent1"/>
+          </a:lnRef>
+          <a:fillRef idx="2">
+            <a:schemeClr val="accent1"/>
+          </a:fillRef>
+          <a:effectRef idx="1">
+            <a:schemeClr val="accent1"/>
+          </a:effectRef>
+          <a:fontRef idx="minor">
+            <a:schemeClr val="dk1"/>
+          </a:fontRef>
+        </p:style>
+        <p:txBody>
+          <a:bodyPr rtlCol="0" anchor="ctr"/>
+          <a:lstStyle/>
+          <a:p>
+            <a:pPr algn="ctr"/>
+            <a:endParaRPr lang="zh-CN" altLang="en-US"/>
+          </a:p>
+        </p:txBody>
+      </p:sp>
+      <p:sp>
+        <p:nvSpPr>
+          <p:cNvPr id="189" name="矩形 188"/>
+          <p:cNvSpPr/>
+          <p:nvPr/>
+        </p:nvSpPr>
+        <p:spPr>
+          <a:xfrm>
+            <a:off x="9498757" y="3204751"/>
+            <a:ext cx="439767" cy="261257"/>
+          </a:xfrm>
+          <a:prstGeom prst="rect">
+            <a:avLst/>
+          </a:prstGeom>
+        </p:spPr>
+        <p:style>
+          <a:lnRef idx="1">
+            <a:schemeClr val="accent1"/>
+          </a:lnRef>
+          <a:fillRef idx="2">
+            <a:schemeClr val="accent1"/>
+          </a:fillRef>
+          <a:effectRef idx="1">
+            <a:schemeClr val="accent1"/>
+          </a:effectRef>
+          <a:fontRef idx="minor">
+            <a:schemeClr val="dk1"/>
+          </a:fontRef>
+        </p:style>
+        <p:txBody>
+          <a:bodyPr rtlCol="0" anchor="ctr"/>
+          <a:lstStyle/>
+          <a:p>
+            <a:pPr algn="ctr"/>
+            <a:endParaRPr lang="zh-CN" altLang="en-US"/>
+          </a:p>
+        </p:txBody>
+      </p:sp>
+      <p:sp>
+        <p:nvSpPr>
+          <p:cNvPr id="190" name="矩形 189"/>
+          <p:cNvSpPr/>
+          <p:nvPr/>
+        </p:nvSpPr>
+        <p:spPr>
+          <a:xfrm>
+            <a:off x="9934170" y="3204751"/>
+            <a:ext cx="439767" cy="261257"/>
+          </a:xfrm>
+          <a:prstGeom prst="rect">
+            <a:avLst/>
+          </a:prstGeom>
+        </p:spPr>
+        <p:style>
+          <a:lnRef idx="1">
+            <a:schemeClr val="accent1"/>
+          </a:lnRef>
+          <a:fillRef idx="2">
+            <a:schemeClr val="accent1"/>
+          </a:fillRef>
+          <a:effectRef idx="1">
+            <a:schemeClr val="accent1"/>
+          </a:effectRef>
+          <a:fontRef idx="minor">
+            <a:schemeClr val="dk1"/>
+          </a:fontRef>
+        </p:style>
+        <p:txBody>
+          <a:bodyPr rtlCol="0" anchor="ctr"/>
+          <a:lstStyle/>
+          <a:p>
+            <a:pPr algn="ctr"/>
+            <a:endParaRPr lang="zh-CN" altLang="en-US"/>
+          </a:p>
+        </p:txBody>
+      </p:sp>
+      <p:sp>
+        <p:nvSpPr>
+          <p:cNvPr id="191" name="矩形 190"/>
+          <p:cNvSpPr/>
+          <p:nvPr/>
+        </p:nvSpPr>
+        <p:spPr>
+          <a:xfrm>
+            <a:off x="10369583" y="3204751"/>
+            <a:ext cx="439767" cy="261257"/>
+          </a:xfrm>
+          <a:prstGeom prst="rect">
+            <a:avLst/>
+          </a:prstGeom>
+        </p:spPr>
+        <p:style>
+          <a:lnRef idx="1">
+            <a:schemeClr val="accent1"/>
+          </a:lnRef>
+          <a:fillRef idx="2">
+            <a:schemeClr val="accent1"/>
+          </a:fillRef>
+          <a:effectRef idx="1">
+            <a:schemeClr val="accent1"/>
+          </a:effectRef>
+          <a:fontRef idx="minor">
+            <a:schemeClr val="dk1"/>
+          </a:fontRef>
+        </p:style>
+        <p:txBody>
+          <a:bodyPr rtlCol="0" anchor="ctr"/>
+          <a:lstStyle/>
+          <a:p>
+            <a:pPr algn="ctr"/>
+            <a:endParaRPr lang="zh-CN" altLang="en-US"/>
+          </a:p>
+        </p:txBody>
+      </p:sp>
+      <p:sp>
+        <p:nvSpPr>
+          <p:cNvPr id="192" name="矩形 191"/>
+          <p:cNvSpPr/>
+          <p:nvPr/>
+        </p:nvSpPr>
+        <p:spPr>
+          <a:xfrm>
+            <a:off x="8192526" y="3466008"/>
+            <a:ext cx="439767" cy="261257"/>
+          </a:xfrm>
+          <a:prstGeom prst="rect">
+            <a:avLst/>
+          </a:prstGeom>
+          <a:solidFill>
+            <a:srgbClr val="FFC000"/>
+          </a:solidFill>
+        </p:spPr>
+        <p:style>
+          <a:lnRef idx="1">
+            <a:schemeClr val="accent1"/>
+          </a:lnRef>
+          <a:fillRef idx="2">
+            <a:schemeClr val="accent1"/>
+          </a:fillRef>
+          <a:effectRef idx="1">
+            <a:schemeClr val="accent1"/>
+          </a:effectRef>
+          <a:fontRef idx="minor">
+            <a:schemeClr val="dk1"/>
+          </a:fontRef>
+        </p:style>
+        <p:txBody>
+          <a:bodyPr rtlCol="0" anchor="ctr"/>
+          <a:lstStyle/>
+          <a:p>
+            <a:pPr algn="ctr"/>
+            <a:endParaRPr lang="zh-CN" altLang="en-US"/>
+          </a:p>
+        </p:txBody>
+      </p:sp>
+      <p:sp>
+        <p:nvSpPr>
+          <p:cNvPr id="193" name="矩形 192"/>
+          <p:cNvSpPr/>
+          <p:nvPr/>
+        </p:nvSpPr>
+        <p:spPr>
+          <a:xfrm>
+            <a:off x="8627931" y="3466008"/>
+            <a:ext cx="439767" cy="261257"/>
+          </a:xfrm>
+          <a:prstGeom prst="rect">
+            <a:avLst/>
+          </a:prstGeom>
+        </p:spPr>
+        <p:style>
+          <a:lnRef idx="1">
+            <a:schemeClr val="accent1"/>
+          </a:lnRef>
+          <a:fillRef idx="2">
+            <a:schemeClr val="accent1"/>
+          </a:fillRef>
+          <a:effectRef idx="1">
+            <a:schemeClr val="accent1"/>
+          </a:effectRef>
+          <a:fontRef idx="minor">
+            <a:schemeClr val="dk1"/>
+          </a:fontRef>
+        </p:style>
+        <p:txBody>
+          <a:bodyPr rtlCol="0" anchor="ctr"/>
+          <a:lstStyle/>
+          <a:p>
+            <a:pPr algn="ctr"/>
+            <a:endParaRPr lang="zh-CN" altLang="en-US"/>
+          </a:p>
+        </p:txBody>
+      </p:sp>
+      <p:sp>
+        <p:nvSpPr>
+          <p:cNvPr id="194" name="矩形 193"/>
+          <p:cNvSpPr/>
+          <p:nvPr/>
+        </p:nvSpPr>
+        <p:spPr>
+          <a:xfrm>
+            <a:off x="9063344" y="3466008"/>
+            <a:ext cx="439767" cy="261257"/>
+          </a:xfrm>
+          <a:prstGeom prst="rect">
+            <a:avLst/>
+          </a:prstGeom>
+        </p:spPr>
+        <p:style>
+          <a:lnRef idx="1">
+            <a:schemeClr val="accent1"/>
+          </a:lnRef>
+          <a:fillRef idx="2">
+            <a:schemeClr val="accent1"/>
+          </a:fillRef>
+          <a:effectRef idx="1">
+            <a:schemeClr val="accent1"/>
+          </a:effectRef>
+          <a:fontRef idx="minor">
+            <a:schemeClr val="dk1"/>
+          </a:fontRef>
+        </p:style>
+        <p:txBody>
+          <a:bodyPr rtlCol="0" anchor="ctr"/>
+          <a:lstStyle/>
+          <a:p>
+            <a:pPr algn="ctr"/>
+            <a:endParaRPr lang="zh-CN" altLang="en-US"/>
+          </a:p>
+        </p:txBody>
+      </p:sp>
+      <p:sp>
+        <p:nvSpPr>
+          <p:cNvPr id="195" name="矩形 194"/>
+          <p:cNvSpPr/>
+          <p:nvPr/>
+        </p:nvSpPr>
+        <p:spPr>
+          <a:xfrm>
+            <a:off x="9498757" y="3466008"/>
+            <a:ext cx="439767" cy="261257"/>
+          </a:xfrm>
+          <a:prstGeom prst="rect">
+            <a:avLst/>
+          </a:prstGeom>
+        </p:spPr>
+        <p:style>
+          <a:lnRef idx="1">
+            <a:schemeClr val="accent1"/>
+          </a:lnRef>
+          <a:fillRef idx="2">
+            <a:schemeClr val="accent1"/>
+          </a:fillRef>
+          <a:effectRef idx="1">
+            <a:schemeClr val="accent1"/>
+          </a:effectRef>
+          <a:fontRef idx="minor">
+            <a:schemeClr val="dk1"/>
+          </a:fontRef>
+        </p:style>
+        <p:txBody>
+          <a:bodyPr rtlCol="0" anchor="ctr"/>
+          <a:lstStyle/>
+          <a:p>
+            <a:pPr algn="ctr"/>
+            <a:endParaRPr lang="zh-CN" altLang="en-US"/>
+          </a:p>
+        </p:txBody>
+      </p:sp>
+      <p:sp>
+        <p:nvSpPr>
+          <p:cNvPr id="196" name="矩形 195"/>
+          <p:cNvSpPr/>
+          <p:nvPr/>
+        </p:nvSpPr>
+        <p:spPr>
+          <a:xfrm>
+            <a:off x="9934170" y="3466008"/>
+            <a:ext cx="439767" cy="261257"/>
+          </a:xfrm>
+          <a:prstGeom prst="rect">
+            <a:avLst/>
+          </a:prstGeom>
+        </p:spPr>
+        <p:style>
+          <a:lnRef idx="1">
+            <a:schemeClr val="accent1"/>
+          </a:lnRef>
+          <a:fillRef idx="2">
+            <a:schemeClr val="accent1"/>
+          </a:fillRef>
+          <a:effectRef idx="1">
+            <a:schemeClr val="accent1"/>
+          </a:effectRef>
+          <a:fontRef idx="minor">
+            <a:schemeClr val="dk1"/>
+          </a:fontRef>
+        </p:style>
+        <p:txBody>
+          <a:bodyPr rtlCol="0" anchor="ctr"/>
+          <a:lstStyle/>
+          <a:p>
+            <a:pPr algn="ctr"/>
+            <a:endParaRPr lang="zh-CN" altLang="en-US"/>
+          </a:p>
+        </p:txBody>
+      </p:sp>
+      <p:sp>
+        <p:nvSpPr>
+          <p:cNvPr id="197" name="矩形 196"/>
+          <p:cNvSpPr/>
+          <p:nvPr/>
+        </p:nvSpPr>
+        <p:spPr>
+          <a:xfrm>
+            <a:off x="10369583" y="3466008"/>
+            <a:ext cx="439767" cy="261257"/>
+          </a:xfrm>
+          <a:prstGeom prst="rect">
+            <a:avLst/>
+          </a:prstGeom>
+          <a:solidFill>
+            <a:srgbClr val="FFFF00"/>
+          </a:solidFill>
+        </p:spPr>
+        <p:style>
+          <a:lnRef idx="1">
+            <a:schemeClr val="accent1"/>
+          </a:lnRef>
+          <a:fillRef idx="2">
+            <a:schemeClr val="accent1"/>
+          </a:fillRef>
+          <a:effectRef idx="1">
+            <a:schemeClr val="accent1"/>
+          </a:effectRef>
+          <a:fontRef idx="minor">
+            <a:schemeClr val="dk1"/>
+          </a:fontRef>
+        </p:style>
+        <p:txBody>
+          <a:bodyPr rtlCol="0" anchor="ctr"/>
+          <a:lstStyle/>
+          <a:p>
+            <a:pPr algn="ctr"/>
+            <a:endParaRPr lang="zh-CN" altLang="en-US"/>
+          </a:p>
+        </p:txBody>
+      </p:sp>
+      <p:sp>
+        <p:nvSpPr>
+          <p:cNvPr id="198" name="矩形 197"/>
+          <p:cNvSpPr/>
+          <p:nvPr/>
+        </p:nvSpPr>
+        <p:spPr>
+          <a:xfrm>
+            <a:off x="8192526" y="3727265"/>
+            <a:ext cx="439767" cy="261257"/>
+          </a:xfrm>
+          <a:prstGeom prst="rect">
+            <a:avLst/>
+          </a:prstGeom>
+        </p:spPr>
+        <p:style>
+          <a:lnRef idx="1">
+            <a:schemeClr val="accent1"/>
+          </a:lnRef>
+          <a:fillRef idx="2">
+            <a:schemeClr val="accent1"/>
+          </a:fillRef>
+          <a:effectRef idx="1">
+            <a:schemeClr val="accent1"/>
+          </a:effectRef>
+          <a:fontRef idx="minor">
+            <a:schemeClr val="dk1"/>
+          </a:fontRef>
+        </p:style>
+        <p:txBody>
+          <a:bodyPr rtlCol="0" anchor="ctr"/>
+          <a:lstStyle/>
+          <a:p>
+            <a:pPr algn="ctr"/>
+            <a:endParaRPr lang="zh-CN" altLang="en-US"/>
+          </a:p>
+        </p:txBody>
+      </p:sp>
+      <p:sp>
+        <p:nvSpPr>
+          <p:cNvPr id="199" name="矩形 198"/>
+          <p:cNvSpPr/>
+          <p:nvPr/>
+        </p:nvSpPr>
+        <p:spPr>
+          <a:xfrm>
+            <a:off x="8627931" y="3727265"/>
+            <a:ext cx="439767" cy="261257"/>
+          </a:xfrm>
+          <a:prstGeom prst="rect">
+            <a:avLst/>
+          </a:prstGeom>
+        </p:spPr>
+        <p:style>
+          <a:lnRef idx="1">
+            <a:schemeClr val="accent1"/>
+          </a:lnRef>
+          <a:fillRef idx="2">
+            <a:schemeClr val="accent1"/>
+          </a:fillRef>
+          <a:effectRef idx="1">
+            <a:schemeClr val="accent1"/>
+          </a:effectRef>
+          <a:fontRef idx="minor">
+            <a:schemeClr val="dk1"/>
+          </a:fontRef>
+        </p:style>
+        <p:txBody>
+          <a:bodyPr rtlCol="0" anchor="ctr"/>
+          <a:lstStyle/>
+          <a:p>
+            <a:pPr algn="ctr"/>
+            <a:endParaRPr lang="zh-CN" altLang="en-US"/>
+          </a:p>
+        </p:txBody>
+      </p:sp>
+      <p:sp>
+        <p:nvSpPr>
+          <p:cNvPr id="200" name="矩形 199"/>
+          <p:cNvSpPr/>
+          <p:nvPr/>
+        </p:nvSpPr>
+        <p:spPr>
+          <a:xfrm>
+            <a:off x="9063344" y="3727265"/>
+            <a:ext cx="439767" cy="261257"/>
+          </a:xfrm>
+          <a:prstGeom prst="rect">
+            <a:avLst/>
+          </a:prstGeom>
+        </p:spPr>
+        <p:style>
+          <a:lnRef idx="1">
+            <a:schemeClr val="accent1"/>
+          </a:lnRef>
+          <a:fillRef idx="2">
+            <a:schemeClr val="accent1"/>
+          </a:fillRef>
+          <a:effectRef idx="1">
+            <a:schemeClr val="accent1"/>
+          </a:effectRef>
+          <a:fontRef idx="minor">
+            <a:schemeClr val="dk1"/>
+          </a:fontRef>
+        </p:style>
+        <p:txBody>
+          <a:bodyPr rtlCol="0" anchor="ctr"/>
+          <a:lstStyle/>
+          <a:p>
+            <a:pPr algn="ctr"/>
+            <a:endParaRPr lang="zh-CN" altLang="en-US"/>
+          </a:p>
+        </p:txBody>
+      </p:sp>
+      <p:sp>
+        <p:nvSpPr>
+          <p:cNvPr id="201" name="矩形 200"/>
+          <p:cNvSpPr/>
+          <p:nvPr/>
+        </p:nvSpPr>
+        <p:spPr>
+          <a:xfrm>
+            <a:off x="9498757" y="3727265"/>
+            <a:ext cx="439767" cy="261257"/>
+          </a:xfrm>
+          <a:prstGeom prst="rect">
+            <a:avLst/>
+          </a:prstGeom>
+        </p:spPr>
+        <p:style>
+          <a:lnRef idx="1">
+            <a:schemeClr val="accent1"/>
+          </a:lnRef>
+          <a:fillRef idx="2">
+            <a:schemeClr val="accent1"/>
+          </a:fillRef>
+          <a:effectRef idx="1">
+            <a:schemeClr val="accent1"/>
+          </a:effectRef>
+          <a:fontRef idx="minor">
+            <a:schemeClr val="dk1"/>
+          </a:fontRef>
+        </p:style>
+        <p:txBody>
+          <a:bodyPr rtlCol="0" anchor="ctr"/>
+          <a:lstStyle/>
+          <a:p>
+            <a:pPr algn="ctr"/>
+            <a:endParaRPr lang="zh-CN" altLang="en-US"/>
+          </a:p>
+        </p:txBody>
+      </p:sp>
+      <p:sp>
+        <p:nvSpPr>
+          <p:cNvPr id="202" name="矩形 201"/>
+          <p:cNvSpPr/>
+          <p:nvPr/>
+        </p:nvSpPr>
+        <p:spPr>
+          <a:xfrm>
+            <a:off x="9934170" y="3727265"/>
+            <a:ext cx="439767" cy="261257"/>
+          </a:xfrm>
+          <a:prstGeom prst="rect">
+            <a:avLst/>
+          </a:prstGeom>
+          <a:solidFill>
+            <a:srgbClr val="FFC000"/>
+          </a:solidFill>
+        </p:spPr>
+        <p:style>
+          <a:lnRef idx="1">
+            <a:schemeClr val="accent1"/>
+          </a:lnRef>
+          <a:fillRef idx="2">
+            <a:schemeClr val="accent1"/>
+          </a:fillRef>
+          <a:effectRef idx="1">
+            <a:schemeClr val="accent1"/>
+          </a:effectRef>
+          <a:fontRef idx="minor">
+            <a:schemeClr val="dk1"/>
+          </a:fontRef>
+        </p:style>
+        <p:txBody>
+          <a:bodyPr rtlCol="0" anchor="ctr"/>
+          <a:lstStyle/>
+          <a:p>
+            <a:pPr algn="ctr"/>
+            <a:endParaRPr lang="zh-CN" altLang="en-US"/>
+          </a:p>
+        </p:txBody>
+      </p:sp>
+      <p:sp>
+        <p:nvSpPr>
+          <p:cNvPr id="203" name="矩形 202"/>
+          <p:cNvSpPr/>
+          <p:nvPr/>
+        </p:nvSpPr>
+        <p:spPr>
+          <a:xfrm>
+            <a:off x="10369583" y="3727265"/>
+            <a:ext cx="439767" cy="261257"/>
+          </a:xfrm>
+          <a:prstGeom prst="rect">
+            <a:avLst/>
+          </a:prstGeom>
+        </p:spPr>
+        <p:style>
+          <a:lnRef idx="1">
+            <a:schemeClr val="accent1"/>
+          </a:lnRef>
+          <a:fillRef idx="2">
+            <a:schemeClr val="accent1"/>
+          </a:fillRef>
+          <a:effectRef idx="1">
+            <a:schemeClr val="accent1"/>
+          </a:effectRef>
+          <a:fontRef idx="minor">
+            <a:schemeClr val="dk1"/>
+          </a:fontRef>
+        </p:style>
+        <p:txBody>
+          <a:bodyPr rtlCol="0" anchor="ctr"/>
+          <a:lstStyle/>
+          <a:p>
+            <a:pPr algn="ctr"/>
+            <a:endParaRPr lang="zh-CN" altLang="en-US"/>
+          </a:p>
+        </p:txBody>
+      </p:sp>
+      <p:sp>
+        <p:nvSpPr>
+          <p:cNvPr id="204" name="矩形 203"/>
+          <p:cNvSpPr/>
+          <p:nvPr/>
+        </p:nvSpPr>
+        <p:spPr>
+          <a:xfrm>
+            <a:off x="8192526" y="3988522"/>
+            <a:ext cx="439767" cy="261257"/>
+          </a:xfrm>
+          <a:prstGeom prst="rect">
+            <a:avLst/>
+          </a:prstGeom>
+        </p:spPr>
+        <p:style>
+          <a:lnRef idx="1">
+            <a:schemeClr val="accent1"/>
+          </a:lnRef>
+          <a:fillRef idx="2">
+            <a:schemeClr val="accent1"/>
+          </a:fillRef>
+          <a:effectRef idx="1">
+            <a:schemeClr val="accent1"/>
+          </a:effectRef>
+          <a:fontRef idx="minor">
+            <a:schemeClr val="dk1"/>
+          </a:fontRef>
+        </p:style>
+        <p:txBody>
+          <a:bodyPr rtlCol="0" anchor="ctr"/>
+          <a:lstStyle/>
+          <a:p>
+            <a:pPr algn="ctr"/>
+            <a:endParaRPr lang="zh-CN" altLang="en-US"/>
+          </a:p>
+        </p:txBody>
+      </p:sp>
+      <p:sp>
+        <p:nvSpPr>
+          <p:cNvPr id="205" name="矩形 204"/>
+          <p:cNvSpPr/>
+          <p:nvPr/>
+        </p:nvSpPr>
+        <p:spPr>
+          <a:xfrm>
+            <a:off x="8627931" y="3988522"/>
+            <a:ext cx="439767" cy="261257"/>
+          </a:xfrm>
+          <a:prstGeom prst="rect">
+            <a:avLst/>
+          </a:prstGeom>
+          <a:solidFill>
+            <a:srgbClr val="FFC000"/>
+          </a:solidFill>
+        </p:spPr>
+        <p:style>
+          <a:lnRef idx="1">
+            <a:schemeClr val="accent1"/>
+          </a:lnRef>
+          <a:fillRef idx="2">
+            <a:schemeClr val="accent1"/>
+          </a:fillRef>
+          <a:effectRef idx="1">
+            <a:schemeClr val="accent1"/>
+          </a:effectRef>
+          <a:fontRef idx="minor">
+            <a:schemeClr val="dk1"/>
+          </a:fontRef>
+        </p:style>
+        <p:txBody>
+          <a:bodyPr rtlCol="0" anchor="ctr"/>
+          <a:lstStyle/>
+          <a:p>
+            <a:pPr algn="ctr"/>
+            <a:endParaRPr lang="zh-CN" altLang="en-US"/>
+          </a:p>
+        </p:txBody>
+      </p:sp>
+      <p:sp>
+        <p:nvSpPr>
+          <p:cNvPr id="206" name="矩形 205"/>
+          <p:cNvSpPr/>
+          <p:nvPr/>
+        </p:nvSpPr>
+        <p:spPr>
+          <a:xfrm>
+            <a:off x="9063344" y="3988522"/>
+            <a:ext cx="439767" cy="261257"/>
+          </a:xfrm>
+          <a:prstGeom prst="rect">
+            <a:avLst/>
+          </a:prstGeom>
+          <a:solidFill>
+            <a:srgbClr val="FFFF00"/>
+          </a:solidFill>
+        </p:spPr>
+        <p:style>
+          <a:lnRef idx="1">
+            <a:schemeClr val="accent1"/>
+          </a:lnRef>
+          <a:fillRef idx="2">
+            <a:schemeClr val="accent1"/>
+          </a:fillRef>
+          <a:effectRef idx="1">
+            <a:schemeClr val="accent1"/>
+          </a:effectRef>
+          <a:fontRef idx="minor">
+            <a:schemeClr val="dk1"/>
+          </a:fontRef>
+        </p:style>
+        <p:txBody>
+          <a:bodyPr rtlCol="0" anchor="ctr"/>
+          <a:lstStyle/>
+          <a:p>
+            <a:pPr algn="ctr"/>
+            <a:endParaRPr lang="zh-CN" altLang="en-US"/>
+          </a:p>
+        </p:txBody>
+      </p:sp>
+      <p:sp>
+        <p:nvSpPr>
+          <p:cNvPr id="207" name="矩形 206"/>
+          <p:cNvSpPr/>
+          <p:nvPr/>
+        </p:nvSpPr>
+        <p:spPr>
+          <a:xfrm>
+            <a:off x="9498757" y="3988522"/>
+            <a:ext cx="439767" cy="261257"/>
+          </a:xfrm>
+          <a:prstGeom prst="rect">
+            <a:avLst/>
+          </a:prstGeom>
+          <a:solidFill>
+            <a:srgbClr val="FFC000"/>
+          </a:solidFill>
+        </p:spPr>
+        <p:style>
+          <a:lnRef idx="1">
+            <a:schemeClr val="accent1"/>
+          </a:lnRef>
+          <a:fillRef idx="2">
+            <a:schemeClr val="accent1"/>
+          </a:fillRef>
+          <a:effectRef idx="1">
+            <a:schemeClr val="accent1"/>
+          </a:effectRef>
+          <a:fontRef idx="minor">
+            <a:schemeClr val="dk1"/>
+          </a:fontRef>
+        </p:style>
+        <p:txBody>
+          <a:bodyPr rtlCol="0" anchor="ctr"/>
+          <a:lstStyle/>
+          <a:p>
+            <a:pPr algn="ctr"/>
+            <a:endParaRPr lang="zh-CN" altLang="en-US"/>
+          </a:p>
+        </p:txBody>
+      </p:sp>
+      <p:sp>
+        <p:nvSpPr>
+          <p:cNvPr id="208" name="矩形 207"/>
+          <p:cNvSpPr/>
+          <p:nvPr/>
+        </p:nvSpPr>
+        <p:spPr>
+          <a:xfrm>
+            <a:off x="9934170" y="3988522"/>
+            <a:ext cx="439767" cy="261257"/>
+          </a:xfrm>
+          <a:prstGeom prst="rect">
+            <a:avLst/>
+          </a:prstGeom>
+        </p:spPr>
+        <p:style>
+          <a:lnRef idx="1">
+            <a:schemeClr val="accent1"/>
+          </a:lnRef>
+          <a:fillRef idx="2">
+            <a:schemeClr val="accent1"/>
+          </a:fillRef>
+          <a:effectRef idx="1">
+            <a:schemeClr val="accent1"/>
+          </a:effectRef>
+          <a:fontRef idx="minor">
+            <a:schemeClr val="dk1"/>
+          </a:fontRef>
+        </p:style>
+        <p:txBody>
+          <a:bodyPr rtlCol="0" anchor="ctr"/>
+          <a:lstStyle/>
+          <a:p>
+            <a:pPr algn="ctr"/>
+            <a:endParaRPr lang="zh-CN" altLang="en-US"/>
+          </a:p>
+        </p:txBody>
+      </p:sp>
+      <p:sp>
+        <p:nvSpPr>
+          <p:cNvPr id="209" name="矩形 208"/>
+          <p:cNvSpPr/>
+          <p:nvPr/>
+        </p:nvSpPr>
+        <p:spPr>
+          <a:xfrm>
+            <a:off x="10369583" y="3988522"/>
+            <a:ext cx="439767" cy="261257"/>
+          </a:xfrm>
+          <a:prstGeom prst="rect">
+            <a:avLst/>
+          </a:prstGeom>
+        </p:spPr>
+        <p:style>
+          <a:lnRef idx="1">
+            <a:schemeClr val="accent1"/>
+          </a:lnRef>
+          <a:fillRef idx="2">
+            <a:schemeClr val="accent1"/>
+          </a:fillRef>
+          <a:effectRef idx="1">
+            <a:schemeClr val="accent1"/>
+          </a:effectRef>
+          <a:fontRef idx="minor">
+            <a:schemeClr val="dk1"/>
+          </a:fontRef>
+        </p:style>
+        <p:txBody>
+          <a:bodyPr rtlCol="0" anchor="ctr"/>
+          <a:lstStyle/>
+          <a:p>
+            <a:pPr algn="ctr"/>
+            <a:endParaRPr lang="zh-CN" altLang="en-US"/>
+          </a:p>
+        </p:txBody>
+      </p:sp>
+      <p:sp>
+        <p:nvSpPr>
+          <p:cNvPr id="210" name="矩形 209"/>
+          <p:cNvSpPr/>
+          <p:nvPr/>
+        </p:nvSpPr>
+        <p:spPr>
+          <a:xfrm>
+            <a:off x="8192526" y="4249779"/>
+            <a:ext cx="439767" cy="261257"/>
+          </a:xfrm>
+          <a:prstGeom prst="rect">
+            <a:avLst/>
+          </a:prstGeom>
+        </p:spPr>
+        <p:style>
+          <a:lnRef idx="1">
+            <a:schemeClr val="accent1"/>
+          </a:lnRef>
+          <a:fillRef idx="2">
+            <a:schemeClr val="accent1"/>
+          </a:fillRef>
+          <a:effectRef idx="1">
+            <a:schemeClr val="accent1"/>
+          </a:effectRef>
+          <a:fontRef idx="minor">
+            <a:schemeClr val="dk1"/>
+          </a:fontRef>
+        </p:style>
+        <p:txBody>
+          <a:bodyPr rtlCol="0" anchor="ctr"/>
+          <a:lstStyle/>
+          <a:p>
+            <a:pPr algn="ctr"/>
+            <a:endParaRPr lang="zh-CN" altLang="en-US"/>
+          </a:p>
+        </p:txBody>
+      </p:sp>
+      <p:sp>
+        <p:nvSpPr>
+          <p:cNvPr id="211" name="矩形 210"/>
+          <p:cNvSpPr/>
+          <p:nvPr/>
+        </p:nvSpPr>
+        <p:spPr>
+          <a:xfrm>
+            <a:off x="8627931" y="4249779"/>
+            <a:ext cx="439767" cy="261257"/>
+          </a:xfrm>
+          <a:prstGeom prst="rect">
+            <a:avLst/>
+          </a:prstGeom>
+        </p:spPr>
+        <p:style>
+          <a:lnRef idx="1">
+            <a:schemeClr val="accent1"/>
+          </a:lnRef>
+          <a:fillRef idx="2">
+            <a:schemeClr val="accent1"/>
+          </a:fillRef>
+          <a:effectRef idx="1">
+            <a:schemeClr val="accent1"/>
+          </a:effectRef>
+          <a:fontRef idx="minor">
+            <a:schemeClr val="dk1"/>
+          </a:fontRef>
+        </p:style>
+        <p:txBody>
+          <a:bodyPr rtlCol="0" anchor="ctr"/>
+          <a:lstStyle/>
+          <a:p>
+            <a:pPr algn="ctr"/>
+            <a:endParaRPr lang="zh-CN" altLang="en-US"/>
+          </a:p>
+        </p:txBody>
+      </p:sp>
+      <p:sp>
+        <p:nvSpPr>
+          <p:cNvPr id="212" name="矩形 211"/>
+          <p:cNvSpPr/>
+          <p:nvPr/>
+        </p:nvSpPr>
+        <p:spPr>
+          <a:xfrm>
+            <a:off x="9063344" y="4249779"/>
+            <a:ext cx="439767" cy="261257"/>
+          </a:xfrm>
+          <a:prstGeom prst="rect">
+            <a:avLst/>
+          </a:prstGeom>
+        </p:spPr>
+        <p:style>
+          <a:lnRef idx="1">
+            <a:schemeClr val="accent1"/>
+          </a:lnRef>
+          <a:fillRef idx="2">
+            <a:schemeClr val="accent1"/>
+          </a:fillRef>
+          <a:effectRef idx="1">
+            <a:schemeClr val="accent1"/>
+          </a:effectRef>
+          <a:fontRef idx="minor">
+            <a:schemeClr val="dk1"/>
+          </a:fontRef>
+        </p:style>
+        <p:txBody>
+          <a:bodyPr rtlCol="0" anchor="ctr"/>
+          <a:lstStyle/>
+          <a:p>
+            <a:pPr algn="ctr"/>
+            <a:endParaRPr lang="zh-CN" altLang="en-US"/>
+          </a:p>
+        </p:txBody>
+      </p:sp>
+      <p:sp>
+        <p:nvSpPr>
+          <p:cNvPr id="213" name="矩形 212"/>
+          <p:cNvSpPr/>
+          <p:nvPr/>
+        </p:nvSpPr>
+        <p:spPr>
+          <a:xfrm>
+            <a:off x="9498757" y="4249779"/>
+            <a:ext cx="439767" cy="261257"/>
+          </a:xfrm>
+          <a:prstGeom prst="rect">
+            <a:avLst/>
+          </a:prstGeom>
+        </p:spPr>
+        <p:style>
+          <a:lnRef idx="1">
+            <a:schemeClr val="accent1"/>
+          </a:lnRef>
+          <a:fillRef idx="2">
+            <a:schemeClr val="accent1"/>
+          </a:fillRef>
+          <a:effectRef idx="1">
+            <a:schemeClr val="accent1"/>
+          </a:effectRef>
+          <a:fontRef idx="minor">
+            <a:schemeClr val="dk1"/>
+          </a:fontRef>
+        </p:style>
+        <p:txBody>
+          <a:bodyPr rtlCol="0" anchor="ctr"/>
+          <a:lstStyle/>
+          <a:p>
+            <a:pPr algn="ctr"/>
+            <a:endParaRPr lang="zh-CN" altLang="en-US"/>
+          </a:p>
+        </p:txBody>
+      </p:sp>
+      <p:sp>
+        <p:nvSpPr>
+          <p:cNvPr id="214" name="矩形 213"/>
+          <p:cNvSpPr/>
+          <p:nvPr/>
+        </p:nvSpPr>
+        <p:spPr>
+          <a:xfrm>
+            <a:off x="9934170" y="4249779"/>
+            <a:ext cx="439767" cy="261257"/>
+          </a:xfrm>
+          <a:prstGeom prst="rect">
+            <a:avLst/>
+          </a:prstGeom>
+        </p:spPr>
+        <p:style>
+          <a:lnRef idx="1">
+            <a:schemeClr val="accent1"/>
+          </a:lnRef>
+          <a:fillRef idx="2">
+            <a:schemeClr val="accent1"/>
+          </a:fillRef>
+          <a:effectRef idx="1">
+            <a:schemeClr val="accent1"/>
+          </a:effectRef>
+          <a:fontRef idx="minor">
+            <a:schemeClr val="dk1"/>
+          </a:fontRef>
+        </p:style>
+        <p:txBody>
+          <a:bodyPr rtlCol="0" anchor="ctr"/>
+          <a:lstStyle/>
+          <a:p>
+            <a:pPr algn="ctr"/>
+            <a:endParaRPr lang="zh-CN" altLang="en-US"/>
+          </a:p>
+        </p:txBody>
+      </p:sp>
+      <p:sp>
+        <p:nvSpPr>
+          <p:cNvPr id="215" name="矩形 214"/>
+          <p:cNvSpPr/>
+          <p:nvPr/>
+        </p:nvSpPr>
+        <p:spPr>
+          <a:xfrm>
+            <a:off x="10369583" y="4249779"/>
+            <a:ext cx="439767" cy="261257"/>
+          </a:xfrm>
+          <a:prstGeom prst="rect">
+            <a:avLst/>
+          </a:prstGeom>
+          <a:solidFill>
+            <a:srgbClr val="FFFF00"/>
+          </a:solidFill>
+        </p:spPr>
+        <p:style>
+          <a:lnRef idx="1">
+            <a:schemeClr val="accent1"/>
+          </a:lnRef>
+          <a:fillRef idx="2">
+            <a:schemeClr val="accent1"/>
+          </a:fillRef>
+          <a:effectRef idx="1">
+            <a:schemeClr val="accent1"/>
+          </a:effectRef>
+          <a:fontRef idx="minor">
+            <a:schemeClr val="dk1"/>
+          </a:fontRef>
+        </p:style>
+        <p:txBody>
+          <a:bodyPr rtlCol="0" anchor="ctr"/>
+          <a:lstStyle/>
+          <a:p>
+            <a:pPr algn="ctr"/>
+            <a:endParaRPr lang="zh-CN" altLang="en-US"/>
+          </a:p>
+        </p:txBody>
+      </p:sp>
+      <p:sp>
+        <p:nvSpPr>
+          <p:cNvPr id="216" name="矩形 215"/>
+          <p:cNvSpPr/>
+          <p:nvPr/>
+        </p:nvSpPr>
+        <p:spPr>
+          <a:xfrm>
+            <a:off x="8192526" y="4511036"/>
+            <a:ext cx="439767" cy="261257"/>
+          </a:xfrm>
+          <a:prstGeom prst="rect">
+            <a:avLst/>
+          </a:prstGeom>
+        </p:spPr>
+        <p:style>
+          <a:lnRef idx="1">
+            <a:schemeClr val="accent1"/>
+          </a:lnRef>
+          <a:fillRef idx="2">
+            <a:schemeClr val="accent1"/>
+          </a:fillRef>
+          <a:effectRef idx="1">
+            <a:schemeClr val="accent1"/>
+          </a:effectRef>
+          <a:fontRef idx="minor">
+            <a:schemeClr val="dk1"/>
+          </a:fontRef>
+        </p:style>
+        <p:txBody>
+          <a:bodyPr rtlCol="0" anchor="ctr"/>
+          <a:lstStyle/>
+          <a:p>
+            <a:pPr algn="ctr"/>
+            <a:endParaRPr lang="zh-CN" altLang="en-US"/>
+          </a:p>
+        </p:txBody>
+      </p:sp>
+      <p:sp>
+        <p:nvSpPr>
+          <p:cNvPr id="217" name="矩形 216"/>
+          <p:cNvSpPr/>
+          <p:nvPr/>
+        </p:nvSpPr>
+        <p:spPr>
+          <a:xfrm>
+            <a:off x="8627931" y="4511036"/>
+            <a:ext cx="439767" cy="261257"/>
+          </a:xfrm>
+          <a:prstGeom prst="rect">
+            <a:avLst/>
+          </a:prstGeom>
+          <a:solidFill>
+            <a:srgbClr val="FFC000"/>
+          </a:solidFill>
+        </p:spPr>
+        <p:style>
+          <a:lnRef idx="1">
+            <a:schemeClr val="accent1"/>
+          </a:lnRef>
+          <a:fillRef idx="2">
+            <a:schemeClr val="accent1"/>
+          </a:fillRef>
+          <a:effectRef idx="1">
+            <a:schemeClr val="accent1"/>
+          </a:effectRef>
+          <a:fontRef idx="minor">
+            <a:schemeClr val="dk1"/>
+          </a:fontRef>
+        </p:style>
+        <p:txBody>
+          <a:bodyPr rtlCol="0" anchor="ctr"/>
+          <a:lstStyle/>
+          <a:p>
+            <a:pPr algn="ctr"/>
+            <a:endParaRPr lang="zh-CN" altLang="en-US"/>
+          </a:p>
+        </p:txBody>
+      </p:sp>
+      <p:sp>
+        <p:nvSpPr>
+          <p:cNvPr id="218" name="矩形 217"/>
+          <p:cNvSpPr/>
+          <p:nvPr/>
+        </p:nvSpPr>
+        <p:spPr>
+          <a:xfrm>
+            <a:off x="9063344" y="4511036"/>
+            <a:ext cx="439767" cy="261257"/>
+          </a:xfrm>
+          <a:prstGeom prst="rect">
+            <a:avLst/>
+          </a:prstGeom>
+          <a:solidFill>
+            <a:srgbClr val="FFFF00"/>
+          </a:solidFill>
+        </p:spPr>
+        <p:style>
+          <a:lnRef idx="1">
+            <a:schemeClr val="accent1"/>
+          </a:lnRef>
+          <a:fillRef idx="2">
+            <a:schemeClr val="accent1"/>
+          </a:fillRef>
+          <a:effectRef idx="1">
+            <a:schemeClr val="accent1"/>
+          </a:effectRef>
+          <a:fontRef idx="minor">
+            <a:schemeClr val="dk1"/>
+          </a:fontRef>
+        </p:style>
+        <p:txBody>
+          <a:bodyPr rtlCol="0" anchor="ctr"/>
+          <a:lstStyle/>
+          <a:p>
+            <a:pPr algn="ctr"/>
+            <a:endParaRPr lang="zh-CN" altLang="en-US"/>
+          </a:p>
+        </p:txBody>
+      </p:sp>
+      <p:sp>
+        <p:nvSpPr>
+          <p:cNvPr id="219" name="矩形 218"/>
+          <p:cNvSpPr/>
+          <p:nvPr/>
+        </p:nvSpPr>
+        <p:spPr>
+          <a:xfrm>
+            <a:off x="9498757" y="4511036"/>
+            <a:ext cx="439767" cy="261257"/>
+          </a:xfrm>
+          <a:prstGeom prst="rect">
+            <a:avLst/>
+          </a:prstGeom>
+        </p:spPr>
+        <p:style>
+          <a:lnRef idx="1">
+            <a:schemeClr val="accent1"/>
+          </a:lnRef>
+          <a:fillRef idx="2">
+            <a:schemeClr val="accent1"/>
+          </a:fillRef>
+          <a:effectRef idx="1">
+            <a:schemeClr val="accent1"/>
+          </a:effectRef>
+          <a:fontRef idx="minor">
+            <a:schemeClr val="dk1"/>
+          </a:fontRef>
+        </p:style>
+        <p:txBody>
+          <a:bodyPr rtlCol="0" anchor="ctr"/>
+          <a:lstStyle/>
+          <a:p>
+            <a:pPr algn="ctr"/>
+            <a:endParaRPr lang="zh-CN" altLang="en-US"/>
+          </a:p>
+        </p:txBody>
+      </p:sp>
+      <p:sp>
+        <p:nvSpPr>
+          <p:cNvPr id="220" name="矩形 219"/>
+          <p:cNvSpPr/>
+          <p:nvPr/>
+        </p:nvSpPr>
+        <p:spPr>
+          <a:xfrm>
+            <a:off x="9934170" y="4511036"/>
+            <a:ext cx="439767" cy="261257"/>
+          </a:xfrm>
+          <a:prstGeom prst="rect">
+            <a:avLst/>
+          </a:prstGeom>
+        </p:spPr>
+        <p:style>
+          <a:lnRef idx="1">
+            <a:schemeClr val="accent1"/>
+          </a:lnRef>
+          <a:fillRef idx="2">
+            <a:schemeClr val="accent1"/>
+          </a:fillRef>
+          <a:effectRef idx="1">
+            <a:schemeClr val="accent1"/>
+          </a:effectRef>
+          <a:fontRef idx="minor">
+            <a:schemeClr val="dk1"/>
+          </a:fontRef>
+        </p:style>
+        <p:txBody>
+          <a:bodyPr rtlCol="0" anchor="ctr"/>
+          <a:lstStyle/>
+          <a:p>
+            <a:pPr algn="ctr"/>
+            <a:endParaRPr lang="zh-CN" altLang="en-US"/>
+          </a:p>
+        </p:txBody>
+      </p:sp>
+      <p:sp>
+        <p:nvSpPr>
+          <p:cNvPr id="221" name="矩形 220"/>
+          <p:cNvSpPr/>
+          <p:nvPr/>
+        </p:nvSpPr>
+        <p:spPr>
+          <a:xfrm>
+            <a:off x="10369583" y="4511036"/>
+            <a:ext cx="439767" cy="261257"/>
+          </a:xfrm>
+          <a:prstGeom prst="rect">
+            <a:avLst/>
+          </a:prstGeom>
+        </p:spPr>
+        <p:style>
+          <a:lnRef idx="1">
+            <a:schemeClr val="accent1"/>
+          </a:lnRef>
+          <a:fillRef idx="2">
+            <a:schemeClr val="accent1"/>
+          </a:fillRef>
+          <a:effectRef idx="1">
+            <a:schemeClr val="accent1"/>
+          </a:effectRef>
+          <a:fontRef idx="minor">
+            <a:schemeClr val="dk1"/>
+          </a:fontRef>
+        </p:style>
+        <p:txBody>
+          <a:bodyPr rtlCol="0" anchor="ctr"/>
+          <a:lstStyle/>
+          <a:p>
+            <a:pPr algn="ctr"/>
+            <a:endParaRPr lang="zh-CN" altLang="en-US"/>
+          </a:p>
+        </p:txBody>
+      </p:sp>
+      <p:sp>
+        <p:nvSpPr>
+          <p:cNvPr id="222" name="TextBox 221"/>
+          <p:cNvSpPr txBox="1"/>
+          <p:nvPr/>
+        </p:nvSpPr>
+        <p:spPr>
+          <a:xfrm>
+            <a:off x="8010072" y="4885509"/>
+            <a:ext cx="2646878" cy="338554"/>
+          </a:xfrm>
+          <a:prstGeom prst="rect">
+            <a:avLst/>
+          </a:prstGeom>
+          <a:noFill/>
+        </p:spPr>
+        <p:txBody>
+          <a:bodyPr wrap="none" rtlCol="0">
+            <a:spAutoFit/>
+          </a:bodyPr>
+          <a:lstStyle/>
+          <a:p>
+            <a:r>
+              <a:rPr lang="zh-CN" altLang="en-US" sz="1600" dirty="0" smtClean="0"/>
+              <a:t>特定的几个数据类型的集合</a:t>
+            </a:r>
+            <a:endParaRPr lang="zh-CN" altLang="en-US" sz="1600" dirty="0"/>
+          </a:p>
+        </p:txBody>
+      </p:sp>
+      <p:cxnSp>
+        <p:nvCxnSpPr>
+          <p:cNvPr id="224" name="直接箭头连接符 223"/>
+          <p:cNvCxnSpPr>
+            <a:stCxn id="2" idx="3"/>
+            <a:endCxn id="3" idx="1"/>
+          </p:cNvCxnSpPr>
+          <p:nvPr/>
+        </p:nvCxnSpPr>
+        <p:spPr>
+          <a:xfrm>
+            <a:off x="2934805" y="1592653"/>
+            <a:ext cx="1271434" cy="583474"/>
+          </a:xfrm>
+          <a:prstGeom prst="bentConnector3">
+            <a:avLst>
+              <a:gd name="adj1" fmla="val 50000"/>
+            </a:avLst>
+          </a:prstGeom>
+          <a:ln w="28575">
+            <a:prstDash val="lgDash"/>
+            <a:tailEnd type="arrow"/>
+          </a:ln>
+        </p:spPr>
+        <p:style>
+          <a:lnRef idx="3">
+            <a:schemeClr val="dk1"/>
+          </a:lnRef>
+          <a:fillRef idx="0">
+            <a:schemeClr val="dk1"/>
+          </a:fillRef>
+          <a:effectRef idx="2">
+            <a:schemeClr val="dk1"/>
+          </a:effectRef>
+          <a:fontRef idx="minor">
+            <a:schemeClr val="tx1"/>
+          </a:fontRef>
+        </p:style>
+      </p:cxnSp>
+      <p:cxnSp>
+        <p:nvCxnSpPr>
+          <p:cNvPr id="227" name="直接箭头连接符 223"/>
+          <p:cNvCxnSpPr>
+            <a:stCxn id="2" idx="0"/>
+            <a:endCxn id="5" idx="1"/>
+          </p:cNvCxnSpPr>
+          <p:nvPr/>
+        </p:nvCxnSpPr>
+        <p:spPr>
+          <a:xfrm rot="16200000" flipH="1">
+            <a:off x="5462455" y="-2153190"/>
+            <a:ext cx="418012" cy="7197626"/>
+          </a:xfrm>
+          <a:prstGeom prst="bentConnector3">
+            <a:avLst>
+              <a:gd name="adj1" fmla="val -54687"/>
+            </a:avLst>
+          </a:prstGeom>
+          <a:ln w="28575">
+            <a:prstDash val="lgDash"/>
+            <a:tailEnd type="arrow"/>
+          </a:ln>
+        </p:spPr>
+        <p:style>
+          <a:lnRef idx="3">
+            <a:schemeClr val="dk1"/>
+          </a:lnRef>
+          <a:fillRef idx="0">
+            <a:schemeClr val="dk1"/>
+          </a:fillRef>
+          <a:effectRef idx="2">
+            <a:schemeClr val="dk1"/>
+          </a:effectRef>
+          <a:fontRef idx="minor">
+            <a:schemeClr val="tx1"/>
+          </a:fontRef>
+        </p:style>
+      </p:cxnSp>
+      <p:cxnSp>
+        <p:nvCxnSpPr>
+          <p:cNvPr id="230" name="直接箭头连接符 223"/>
+          <p:cNvCxnSpPr>
+            <a:stCxn id="5" idx="2"/>
+            <a:endCxn id="3" idx="3"/>
+          </p:cNvCxnSpPr>
+          <p:nvPr/>
+        </p:nvCxnSpPr>
+        <p:spPr>
+          <a:xfrm rot="10800000" flipV="1">
+            <a:off x="5930554" y="2054715"/>
+            <a:ext cx="2481927" cy="121411"/>
+          </a:xfrm>
+          <a:prstGeom prst="bentConnector3">
+            <a:avLst>
+              <a:gd name="adj1" fmla="val 50000"/>
+            </a:avLst>
+          </a:prstGeom>
+          <a:ln w="28575">
+            <a:prstDash val="lgDash"/>
+            <a:tailEnd type="arrow"/>
+          </a:ln>
+        </p:spPr>
+        <p:style>
+          <a:lnRef idx="3">
+            <a:schemeClr val="dk1"/>
+          </a:lnRef>
+          <a:fillRef idx="0">
+            <a:schemeClr val="dk1"/>
+          </a:fillRef>
+          <a:effectRef idx="2">
+            <a:schemeClr val="dk1"/>
+          </a:effectRef>
+          <a:fontRef idx="minor">
+            <a:schemeClr val="tx1"/>
+          </a:fontRef>
+        </p:style>
+      </p:cxnSp>
+      <p:sp>
+        <p:nvSpPr>
+          <p:cNvPr id="234" name="TextBox 233"/>
+          <p:cNvSpPr txBox="1"/>
+          <p:nvPr/>
+        </p:nvSpPr>
+        <p:spPr>
+          <a:xfrm>
+            <a:off x="3570522" y="619385"/>
+            <a:ext cx="3087705" cy="338554"/>
+          </a:xfrm>
+          <a:prstGeom prst="rect">
+            <a:avLst/>
+          </a:prstGeom>
+          <a:noFill/>
+        </p:spPr>
+        <p:txBody>
+          <a:bodyPr wrap="none" rtlCol="0">
+            <a:spAutoFit/>
+          </a:bodyPr>
+          <a:lstStyle/>
+          <a:p>
+            <a:r>
+              <a:rPr lang="zh-CN" altLang="en-US" sz="1600" b="1" dirty="0" smtClean="0"/>
+              <a:t>通过</a:t>
+            </a:r>
+            <a:r>
+              <a:rPr lang="en-US" altLang="zh-CN" sz="1600" b="1" dirty="0" smtClean="0"/>
+              <a:t>JDBC</a:t>
+            </a:r>
+            <a:r>
+              <a:rPr lang="zh-CN" altLang="en-US" sz="1600" b="1" dirty="0" smtClean="0"/>
+              <a:t>向数据库发出查询指令</a:t>
+            </a:r>
+            <a:endParaRPr lang="zh-CN" altLang="en-US" sz="1600" b="1" dirty="0"/>
+          </a:p>
+        </p:txBody>
+      </p:sp>
+      <p:sp>
+        <p:nvSpPr>
+          <p:cNvPr id="235" name="TextBox 234"/>
+          <p:cNvSpPr txBox="1"/>
+          <p:nvPr/>
+        </p:nvSpPr>
+        <p:spPr>
+          <a:xfrm>
+            <a:off x="6230669" y="1680754"/>
+            <a:ext cx="598241" cy="338554"/>
+          </a:xfrm>
+          <a:prstGeom prst="rect">
+            <a:avLst/>
+          </a:prstGeom>
+          <a:noFill/>
+        </p:spPr>
+        <p:txBody>
+          <a:bodyPr wrap="none" rtlCol="0">
+            <a:spAutoFit/>
+          </a:bodyPr>
+          <a:lstStyle/>
+          <a:p>
+            <a:r>
+              <a:rPr lang="zh-CN" altLang="en-US" sz="1600" b="1" dirty="0" smtClean="0"/>
+              <a:t>返回</a:t>
+            </a:r>
+            <a:endParaRPr lang="zh-CN" altLang="en-US" sz="1600" b="1" dirty="0"/>
+          </a:p>
+        </p:txBody>
+      </p:sp>
+      <p:sp>
+        <p:nvSpPr>
+          <p:cNvPr id="236" name="TextBox 235"/>
+          <p:cNvSpPr txBox="1"/>
+          <p:nvPr/>
+        </p:nvSpPr>
+        <p:spPr>
+          <a:xfrm>
+            <a:off x="5930554" y="2649190"/>
+            <a:ext cx="1602105" cy="338554"/>
+          </a:xfrm>
+          <a:prstGeom prst="rect">
+            <a:avLst/>
+          </a:prstGeom>
+          <a:noFill/>
+        </p:spPr>
+        <p:txBody>
+          <a:bodyPr wrap="none" rtlCol="0">
+            <a:spAutoFit/>
+          </a:bodyPr>
+          <a:lstStyle/>
+          <a:p>
+            <a:r>
+              <a:rPr lang="zh-CN" altLang="en-US" sz="1600" b="1" dirty="0" smtClean="0"/>
+              <a:t>转换：</a:t>
+            </a:r>
+            <a:r>
+              <a:rPr lang="en-US" altLang="zh-CN" sz="1600" b="1" dirty="0" err="1" smtClean="0"/>
+              <a:t>ResultSet</a:t>
+            </a:r>
+            <a:endParaRPr lang="zh-CN" altLang="en-US" sz="1600" b="1" dirty="0"/>
+          </a:p>
+        </p:txBody>
+      </p:sp>
+      <p:sp>
+        <p:nvSpPr>
+          <p:cNvPr id="262" name="矩形 261"/>
+          <p:cNvSpPr/>
+          <p:nvPr/>
+        </p:nvSpPr>
+        <p:spPr>
+          <a:xfrm>
+            <a:off x="2943513" y="3320153"/>
+            <a:ext cx="853440" cy="370114"/>
+          </a:xfrm>
+          <a:prstGeom prst="rect">
+            <a:avLst/>
+          </a:prstGeom>
+        </p:spPr>
+        <p:style>
+          <a:lnRef idx="1">
+            <a:schemeClr val="accent3"/>
+          </a:lnRef>
+          <a:fillRef idx="2">
+            <a:schemeClr val="accent3"/>
+          </a:fillRef>
+          <a:effectRef idx="1">
+            <a:schemeClr val="accent3"/>
+          </a:effectRef>
+          <a:fontRef idx="minor">
+            <a:schemeClr val="dk1"/>
+          </a:fontRef>
+        </p:style>
+        <p:txBody>
+          <a:bodyPr rtlCol="0" anchor="ctr"/>
+          <a:lstStyle/>
+          <a:p>
+            <a:pPr algn="ctr"/>
+            <a:r>
+              <a:rPr lang="en-US" altLang="zh-CN" dirty="0" smtClean="0"/>
+              <a:t>INT</a:t>
+            </a:r>
+            <a:endParaRPr lang="zh-CN" altLang="en-US" dirty="0"/>
+          </a:p>
+        </p:txBody>
+      </p:sp>
+      <p:sp>
+        <p:nvSpPr>
+          <p:cNvPr id="263" name="矩形 262"/>
+          <p:cNvSpPr/>
+          <p:nvPr/>
+        </p:nvSpPr>
+        <p:spPr>
+          <a:xfrm>
+            <a:off x="3796953" y="3320153"/>
+            <a:ext cx="853440" cy="370114"/>
+          </a:xfrm>
+          <a:prstGeom prst="rect">
+            <a:avLst/>
+          </a:prstGeom>
+        </p:spPr>
+        <p:style>
+          <a:lnRef idx="1">
+            <a:schemeClr val="accent3"/>
+          </a:lnRef>
+          <a:fillRef idx="2">
+            <a:schemeClr val="accent3"/>
+          </a:fillRef>
+          <a:effectRef idx="1">
+            <a:schemeClr val="accent3"/>
+          </a:effectRef>
+          <a:fontRef idx="minor">
+            <a:schemeClr val="dk1"/>
+          </a:fontRef>
+        </p:style>
+        <p:txBody>
+          <a:bodyPr rtlCol="0" anchor="ctr"/>
+          <a:lstStyle/>
+          <a:p>
+            <a:pPr algn="ctr"/>
+            <a:r>
+              <a:rPr lang="en-US" altLang="zh-CN" dirty="0" smtClean="0"/>
+              <a:t>String</a:t>
+            </a:r>
+            <a:endParaRPr lang="zh-CN" altLang="en-US" dirty="0"/>
+          </a:p>
+        </p:txBody>
+      </p:sp>
+      <p:sp>
+        <p:nvSpPr>
+          <p:cNvPr id="264" name="矩形 263"/>
+          <p:cNvSpPr/>
+          <p:nvPr/>
+        </p:nvSpPr>
+        <p:spPr>
+          <a:xfrm>
+            <a:off x="4650393" y="3320153"/>
+            <a:ext cx="853440" cy="370114"/>
+          </a:xfrm>
+          <a:prstGeom prst="rect">
+            <a:avLst/>
+          </a:prstGeom>
+        </p:spPr>
+        <p:style>
+          <a:lnRef idx="1">
+            <a:schemeClr val="accent3"/>
+          </a:lnRef>
+          <a:fillRef idx="2">
+            <a:schemeClr val="accent3"/>
+          </a:fillRef>
+          <a:effectRef idx="1">
+            <a:schemeClr val="accent3"/>
+          </a:effectRef>
+          <a:fontRef idx="minor">
+            <a:schemeClr val="dk1"/>
+          </a:fontRef>
+        </p:style>
+        <p:txBody>
+          <a:bodyPr rtlCol="0" anchor="ctr"/>
+          <a:lstStyle/>
+          <a:p>
+            <a:pPr algn="ctr"/>
+            <a:r>
+              <a:rPr lang="en-US" altLang="zh-CN" dirty="0" smtClean="0"/>
+              <a:t>Date</a:t>
+            </a:r>
+            <a:endParaRPr lang="zh-CN" altLang="en-US" dirty="0"/>
+          </a:p>
+        </p:txBody>
+      </p:sp>
+      <p:sp>
+        <p:nvSpPr>
+          <p:cNvPr id="266" name="矩形 265"/>
+          <p:cNvSpPr/>
+          <p:nvPr/>
+        </p:nvSpPr>
+        <p:spPr>
+          <a:xfrm>
+            <a:off x="5503833" y="3320153"/>
+            <a:ext cx="853440" cy="370114"/>
+          </a:xfrm>
+          <a:prstGeom prst="rect">
+            <a:avLst/>
+          </a:prstGeom>
+        </p:spPr>
+        <p:style>
+          <a:lnRef idx="1">
+            <a:schemeClr val="accent3"/>
+          </a:lnRef>
+          <a:fillRef idx="2">
+            <a:schemeClr val="accent3"/>
+          </a:fillRef>
+          <a:effectRef idx="1">
+            <a:schemeClr val="accent3"/>
+          </a:effectRef>
+          <a:fontRef idx="minor">
+            <a:schemeClr val="dk1"/>
+          </a:fontRef>
+        </p:style>
+        <p:txBody>
+          <a:bodyPr rtlCol="0" anchor="ctr"/>
+          <a:lstStyle/>
+          <a:p>
+            <a:pPr algn="ctr"/>
+            <a:r>
+              <a:rPr lang="en-US" altLang="zh-CN" dirty="0" smtClean="0"/>
+              <a:t>INT</a:t>
+            </a:r>
+            <a:endParaRPr lang="zh-CN" altLang="en-US" dirty="0"/>
+          </a:p>
+        </p:txBody>
+      </p:sp>
+      <p:sp>
+        <p:nvSpPr>
+          <p:cNvPr id="267" name="矩形 266"/>
+          <p:cNvSpPr/>
+          <p:nvPr/>
+        </p:nvSpPr>
+        <p:spPr>
+          <a:xfrm>
+            <a:off x="6357273" y="3320153"/>
+            <a:ext cx="853440" cy="370114"/>
+          </a:xfrm>
+          <a:prstGeom prst="rect">
+            <a:avLst/>
+          </a:prstGeom>
+        </p:spPr>
+        <p:style>
+          <a:lnRef idx="1">
+            <a:schemeClr val="accent3"/>
+          </a:lnRef>
+          <a:fillRef idx="2">
+            <a:schemeClr val="accent3"/>
+          </a:fillRef>
+          <a:effectRef idx="1">
+            <a:schemeClr val="accent3"/>
+          </a:effectRef>
+          <a:fontRef idx="minor">
+            <a:schemeClr val="dk1"/>
+          </a:fontRef>
+        </p:style>
+        <p:txBody>
+          <a:bodyPr rtlCol="0" anchor="ctr"/>
+          <a:lstStyle/>
+          <a:p>
+            <a:pPr algn="ctr"/>
+            <a:r>
+              <a:rPr lang="en-US" altLang="zh-CN" dirty="0" smtClean="0"/>
+              <a:t>String</a:t>
+            </a:r>
+            <a:endParaRPr lang="zh-CN" altLang="en-US" dirty="0"/>
+          </a:p>
+        </p:txBody>
+      </p:sp>
+      <p:sp>
+        <p:nvSpPr>
+          <p:cNvPr id="268" name="矩形 267"/>
+          <p:cNvSpPr/>
+          <p:nvPr/>
+        </p:nvSpPr>
+        <p:spPr>
+          <a:xfrm>
+            <a:off x="2943513" y="3690267"/>
+            <a:ext cx="853440" cy="370114"/>
+          </a:xfrm>
+          <a:prstGeom prst="rect">
+            <a:avLst/>
+          </a:prstGeom>
+          <a:ln>
+            <a:noFill/>
+          </a:ln>
+          <a:effectLst/>
+          <a:scene3d>
+            <a:camera prst="orthographicFront">
+              <a:rot lat="0" lon="0" rev="0"/>
+            </a:camera>
+            <a:lightRig rig="chilly" dir="t">
+              <a:rot lat="0" lon="0" rev="18480000"/>
+            </a:lightRig>
+          </a:scene3d>
+          <a:sp3d prstMaterial="clear">
+            <a:bevelT h="63500"/>
+          </a:sp3d>
+        </p:spPr>
+        <p:style>
+          <a:lnRef idx="1">
+            <a:schemeClr val="accent3"/>
+          </a:lnRef>
+          <a:fillRef idx="2">
+            <a:schemeClr val="accent3"/>
+          </a:fillRef>
+          <a:effectRef idx="1">
+            <a:schemeClr val="accent3"/>
+          </a:effectRef>
+          <a:fontRef idx="minor">
+            <a:schemeClr val="dk1"/>
+          </a:fontRef>
+        </p:style>
+        <p:txBody>
+          <a:bodyPr rtlCol="0" anchor="ctr"/>
+          <a:lstStyle/>
+          <a:p>
+            <a:pPr algn="ctr"/>
+            <a:r>
+              <a:rPr lang="zh-CN" altLang="en-US" dirty="0"/>
+              <a:t>数据</a:t>
+            </a:r>
+          </a:p>
+        </p:txBody>
+      </p:sp>
+      <p:sp>
+        <p:nvSpPr>
+          <p:cNvPr id="269" name="矩形 268"/>
+          <p:cNvSpPr/>
+          <p:nvPr/>
+        </p:nvSpPr>
+        <p:spPr>
+          <a:xfrm>
+            <a:off x="3796953" y="3690267"/>
+            <a:ext cx="853440" cy="370114"/>
+          </a:xfrm>
+          <a:prstGeom prst="rect">
+            <a:avLst/>
+          </a:prstGeom>
+          <a:ln>
+            <a:noFill/>
+          </a:ln>
+          <a:effectLst/>
+          <a:scene3d>
+            <a:camera prst="orthographicFront">
+              <a:rot lat="0" lon="0" rev="0"/>
+            </a:camera>
+            <a:lightRig rig="chilly" dir="t">
+              <a:rot lat="0" lon="0" rev="18480000"/>
+            </a:lightRig>
+          </a:scene3d>
+          <a:sp3d prstMaterial="clear">
+            <a:bevelT h="63500"/>
+          </a:sp3d>
+        </p:spPr>
+        <p:style>
+          <a:lnRef idx="1">
+            <a:schemeClr val="accent3"/>
+          </a:lnRef>
+          <a:fillRef idx="2">
+            <a:schemeClr val="accent3"/>
+          </a:fillRef>
+          <a:effectRef idx="1">
+            <a:schemeClr val="accent3"/>
+          </a:effectRef>
+          <a:fontRef idx="minor">
+            <a:schemeClr val="dk1"/>
+          </a:fontRef>
+        </p:style>
+        <p:txBody>
+          <a:bodyPr rtlCol="0" anchor="ctr"/>
+          <a:lstStyle/>
+          <a:p>
+            <a:pPr algn="ctr"/>
+            <a:r>
+              <a:rPr lang="zh-CN" altLang="en-US" dirty="0"/>
+              <a:t>数据</a:t>
+            </a:r>
+          </a:p>
+        </p:txBody>
+      </p:sp>
+      <p:sp>
+        <p:nvSpPr>
+          <p:cNvPr id="270" name="矩形 269"/>
+          <p:cNvSpPr/>
+          <p:nvPr/>
+        </p:nvSpPr>
+        <p:spPr>
+          <a:xfrm>
+            <a:off x="4650393" y="3690267"/>
+            <a:ext cx="853440" cy="370114"/>
+          </a:xfrm>
+          <a:prstGeom prst="rect">
+            <a:avLst/>
+          </a:prstGeom>
+          <a:ln>
+            <a:noFill/>
+          </a:ln>
+          <a:effectLst/>
+          <a:scene3d>
+            <a:camera prst="orthographicFront">
+              <a:rot lat="0" lon="0" rev="0"/>
+            </a:camera>
+            <a:lightRig rig="chilly" dir="t">
+              <a:rot lat="0" lon="0" rev="18480000"/>
+            </a:lightRig>
+          </a:scene3d>
+          <a:sp3d prstMaterial="clear">
+            <a:bevelT h="63500"/>
+          </a:sp3d>
+        </p:spPr>
+        <p:style>
+          <a:lnRef idx="1">
+            <a:schemeClr val="accent3"/>
+          </a:lnRef>
+          <a:fillRef idx="2">
+            <a:schemeClr val="accent3"/>
+          </a:fillRef>
+          <a:effectRef idx="1">
+            <a:schemeClr val="accent3"/>
+          </a:effectRef>
+          <a:fontRef idx="minor">
+            <a:schemeClr val="dk1"/>
+          </a:fontRef>
+        </p:style>
+        <p:txBody>
+          <a:bodyPr rtlCol="0" anchor="ctr"/>
+          <a:lstStyle/>
+          <a:p>
+            <a:pPr algn="ctr"/>
+            <a:r>
+              <a:rPr lang="zh-CN" altLang="en-US" dirty="0"/>
+              <a:t>数据</a:t>
+            </a:r>
+          </a:p>
+        </p:txBody>
+      </p:sp>
+      <p:sp>
+        <p:nvSpPr>
+          <p:cNvPr id="271" name="矩形 270"/>
+          <p:cNvSpPr/>
+          <p:nvPr/>
+        </p:nvSpPr>
+        <p:spPr>
+          <a:xfrm>
+            <a:off x="5503833" y="3690267"/>
+            <a:ext cx="853440" cy="370114"/>
+          </a:xfrm>
+          <a:prstGeom prst="rect">
+            <a:avLst/>
+          </a:prstGeom>
+          <a:ln>
+            <a:noFill/>
+          </a:ln>
+          <a:effectLst/>
+          <a:scene3d>
+            <a:camera prst="orthographicFront">
+              <a:rot lat="0" lon="0" rev="0"/>
+            </a:camera>
+            <a:lightRig rig="chilly" dir="t">
+              <a:rot lat="0" lon="0" rev="18480000"/>
+            </a:lightRig>
+          </a:scene3d>
+          <a:sp3d prstMaterial="clear">
+            <a:bevelT h="63500"/>
+          </a:sp3d>
+        </p:spPr>
+        <p:style>
+          <a:lnRef idx="1">
+            <a:schemeClr val="accent3"/>
+          </a:lnRef>
+          <a:fillRef idx="2">
+            <a:schemeClr val="accent3"/>
+          </a:fillRef>
+          <a:effectRef idx="1">
+            <a:schemeClr val="accent3"/>
+          </a:effectRef>
+          <a:fontRef idx="minor">
+            <a:schemeClr val="dk1"/>
+          </a:fontRef>
+        </p:style>
+        <p:txBody>
+          <a:bodyPr rtlCol="0" anchor="ctr"/>
+          <a:lstStyle/>
+          <a:p>
+            <a:pPr algn="ctr"/>
+            <a:r>
+              <a:rPr lang="zh-CN" altLang="en-US" dirty="0"/>
+              <a:t>数据</a:t>
+            </a:r>
+          </a:p>
+        </p:txBody>
+      </p:sp>
+      <p:sp>
+        <p:nvSpPr>
+          <p:cNvPr id="272" name="矩形 271"/>
+          <p:cNvSpPr/>
+          <p:nvPr/>
+        </p:nvSpPr>
+        <p:spPr>
+          <a:xfrm>
+            <a:off x="6357273" y="3690267"/>
+            <a:ext cx="853440" cy="370114"/>
+          </a:xfrm>
+          <a:prstGeom prst="rect">
+            <a:avLst/>
+          </a:prstGeom>
+          <a:ln>
+            <a:noFill/>
+          </a:ln>
+          <a:effectLst/>
+          <a:scene3d>
+            <a:camera prst="orthographicFront">
+              <a:rot lat="0" lon="0" rev="0"/>
+            </a:camera>
+            <a:lightRig rig="chilly" dir="t">
+              <a:rot lat="0" lon="0" rev="18480000"/>
+            </a:lightRig>
+          </a:scene3d>
+          <a:sp3d prstMaterial="clear">
+            <a:bevelT h="63500"/>
+          </a:sp3d>
+        </p:spPr>
+        <p:style>
+          <a:lnRef idx="1">
+            <a:schemeClr val="accent3"/>
+          </a:lnRef>
+          <a:fillRef idx="2">
+            <a:schemeClr val="accent3"/>
+          </a:fillRef>
+          <a:effectRef idx="1">
+            <a:schemeClr val="accent3"/>
+          </a:effectRef>
+          <a:fontRef idx="minor">
+            <a:schemeClr val="dk1"/>
+          </a:fontRef>
+        </p:style>
+        <p:txBody>
+          <a:bodyPr rtlCol="0" anchor="ctr"/>
+          <a:lstStyle/>
+          <a:p>
+            <a:pPr algn="ctr"/>
+            <a:r>
+              <a:rPr lang="zh-CN" altLang="en-US" dirty="0"/>
+              <a:t>数据</a:t>
+            </a:r>
+          </a:p>
+        </p:txBody>
+      </p:sp>
+      <p:sp>
+        <p:nvSpPr>
+          <p:cNvPr id="273" name="矩形 272"/>
+          <p:cNvSpPr/>
+          <p:nvPr/>
+        </p:nvSpPr>
+        <p:spPr>
+          <a:xfrm>
+            <a:off x="2943513" y="4060381"/>
+            <a:ext cx="853440" cy="370114"/>
+          </a:xfrm>
+          <a:prstGeom prst="rect">
+            <a:avLst/>
+          </a:prstGeom>
+          <a:ln>
+            <a:noFill/>
+          </a:ln>
+          <a:effectLst/>
+          <a:scene3d>
+            <a:camera prst="orthographicFront">
+              <a:rot lat="0" lon="0" rev="0"/>
+            </a:camera>
+            <a:lightRig rig="chilly" dir="t">
+              <a:rot lat="0" lon="0" rev="18480000"/>
+            </a:lightRig>
+          </a:scene3d>
+          <a:sp3d prstMaterial="clear">
+            <a:bevelT h="63500"/>
+          </a:sp3d>
+        </p:spPr>
+        <p:style>
+          <a:lnRef idx="1">
+            <a:schemeClr val="accent3"/>
+          </a:lnRef>
+          <a:fillRef idx="2">
+            <a:schemeClr val="accent3"/>
+          </a:fillRef>
+          <a:effectRef idx="1">
+            <a:schemeClr val="accent3"/>
+          </a:effectRef>
+          <a:fontRef idx="minor">
+            <a:schemeClr val="dk1"/>
+          </a:fontRef>
+        </p:style>
+        <p:txBody>
+          <a:bodyPr rtlCol="0" anchor="ctr"/>
+          <a:lstStyle/>
+          <a:p>
+            <a:pPr algn="ctr"/>
+            <a:r>
+              <a:rPr lang="zh-CN" altLang="en-US" dirty="0"/>
+              <a:t>数据</a:t>
+            </a:r>
+          </a:p>
+        </p:txBody>
+      </p:sp>
+      <p:sp>
+        <p:nvSpPr>
+          <p:cNvPr id="274" name="矩形 273"/>
+          <p:cNvSpPr/>
+          <p:nvPr/>
+        </p:nvSpPr>
+        <p:spPr>
+          <a:xfrm>
+            <a:off x="3796953" y="4060381"/>
+            <a:ext cx="853440" cy="370114"/>
+          </a:xfrm>
+          <a:prstGeom prst="rect">
+            <a:avLst/>
+          </a:prstGeom>
+          <a:ln>
+            <a:noFill/>
+          </a:ln>
+          <a:effectLst/>
+          <a:scene3d>
+            <a:camera prst="orthographicFront">
+              <a:rot lat="0" lon="0" rev="0"/>
+            </a:camera>
+            <a:lightRig rig="chilly" dir="t">
+              <a:rot lat="0" lon="0" rev="18480000"/>
+            </a:lightRig>
+          </a:scene3d>
+          <a:sp3d prstMaterial="clear">
+            <a:bevelT h="63500"/>
+          </a:sp3d>
+        </p:spPr>
+        <p:style>
+          <a:lnRef idx="1">
+            <a:schemeClr val="accent3"/>
+          </a:lnRef>
+          <a:fillRef idx="2">
+            <a:schemeClr val="accent3"/>
+          </a:fillRef>
+          <a:effectRef idx="1">
+            <a:schemeClr val="accent3"/>
+          </a:effectRef>
+          <a:fontRef idx="minor">
+            <a:schemeClr val="dk1"/>
+          </a:fontRef>
+        </p:style>
+        <p:txBody>
+          <a:bodyPr rtlCol="0" anchor="ctr"/>
+          <a:lstStyle/>
+          <a:p>
+            <a:pPr algn="ctr"/>
+            <a:r>
+              <a:rPr lang="zh-CN" altLang="en-US" dirty="0"/>
+              <a:t>数据</a:t>
+            </a:r>
+          </a:p>
+        </p:txBody>
+      </p:sp>
+      <p:sp>
+        <p:nvSpPr>
+          <p:cNvPr id="275" name="矩形 274"/>
+          <p:cNvSpPr/>
+          <p:nvPr/>
+        </p:nvSpPr>
+        <p:spPr>
+          <a:xfrm>
+            <a:off x="4650393" y="4060381"/>
+            <a:ext cx="853440" cy="370114"/>
+          </a:xfrm>
+          <a:prstGeom prst="rect">
+            <a:avLst/>
+          </a:prstGeom>
+          <a:ln>
+            <a:noFill/>
+          </a:ln>
+          <a:effectLst/>
+          <a:scene3d>
+            <a:camera prst="orthographicFront">
+              <a:rot lat="0" lon="0" rev="0"/>
+            </a:camera>
+            <a:lightRig rig="chilly" dir="t">
+              <a:rot lat="0" lon="0" rev="18480000"/>
+            </a:lightRig>
+          </a:scene3d>
+          <a:sp3d prstMaterial="clear">
+            <a:bevelT h="63500"/>
+          </a:sp3d>
+        </p:spPr>
+        <p:style>
+          <a:lnRef idx="1">
+            <a:schemeClr val="accent3"/>
+          </a:lnRef>
+          <a:fillRef idx="2">
+            <a:schemeClr val="accent3"/>
+          </a:fillRef>
+          <a:effectRef idx="1">
+            <a:schemeClr val="accent3"/>
+          </a:effectRef>
+          <a:fontRef idx="minor">
+            <a:schemeClr val="dk1"/>
+          </a:fontRef>
+        </p:style>
+        <p:txBody>
+          <a:bodyPr rtlCol="0" anchor="ctr"/>
+          <a:lstStyle/>
+          <a:p>
+            <a:pPr algn="ctr"/>
+            <a:r>
+              <a:rPr lang="zh-CN" altLang="en-US" dirty="0"/>
+              <a:t>数据</a:t>
+            </a:r>
+          </a:p>
+        </p:txBody>
+      </p:sp>
+      <p:sp>
+        <p:nvSpPr>
+          <p:cNvPr id="276" name="矩形 275"/>
+          <p:cNvSpPr/>
+          <p:nvPr/>
+        </p:nvSpPr>
+        <p:spPr>
+          <a:xfrm>
+            <a:off x="5503833" y="4060381"/>
+            <a:ext cx="853440" cy="370114"/>
+          </a:xfrm>
+          <a:prstGeom prst="rect">
+            <a:avLst/>
+          </a:prstGeom>
+          <a:ln>
+            <a:noFill/>
+          </a:ln>
+          <a:effectLst/>
+          <a:scene3d>
+            <a:camera prst="orthographicFront">
+              <a:rot lat="0" lon="0" rev="0"/>
+            </a:camera>
+            <a:lightRig rig="chilly" dir="t">
+              <a:rot lat="0" lon="0" rev="18480000"/>
+            </a:lightRig>
+          </a:scene3d>
+          <a:sp3d prstMaterial="clear">
+            <a:bevelT h="63500"/>
+          </a:sp3d>
+        </p:spPr>
+        <p:style>
+          <a:lnRef idx="1">
+            <a:schemeClr val="accent3"/>
+          </a:lnRef>
+          <a:fillRef idx="2">
+            <a:schemeClr val="accent3"/>
+          </a:fillRef>
+          <a:effectRef idx="1">
+            <a:schemeClr val="accent3"/>
+          </a:effectRef>
+          <a:fontRef idx="minor">
+            <a:schemeClr val="dk1"/>
+          </a:fontRef>
+        </p:style>
+        <p:txBody>
+          <a:bodyPr rtlCol="0" anchor="ctr"/>
+          <a:lstStyle/>
+          <a:p>
+            <a:pPr algn="ctr"/>
+            <a:r>
+              <a:rPr lang="zh-CN" altLang="en-US" dirty="0"/>
+              <a:t>数据</a:t>
+            </a:r>
+          </a:p>
+        </p:txBody>
+      </p:sp>
+      <p:sp>
+        <p:nvSpPr>
+          <p:cNvPr id="277" name="矩形 276"/>
+          <p:cNvSpPr/>
+          <p:nvPr/>
+        </p:nvSpPr>
+        <p:spPr>
+          <a:xfrm>
+            <a:off x="6357273" y="4060381"/>
+            <a:ext cx="853440" cy="370114"/>
+          </a:xfrm>
+          <a:prstGeom prst="rect">
+            <a:avLst/>
+          </a:prstGeom>
+          <a:ln>
+            <a:noFill/>
+          </a:ln>
+          <a:effectLst/>
+          <a:scene3d>
+            <a:camera prst="orthographicFront">
+              <a:rot lat="0" lon="0" rev="0"/>
+            </a:camera>
+            <a:lightRig rig="chilly" dir="t">
+              <a:rot lat="0" lon="0" rev="18480000"/>
+            </a:lightRig>
+          </a:scene3d>
+          <a:sp3d prstMaterial="clear">
+            <a:bevelT h="63500"/>
+          </a:sp3d>
+        </p:spPr>
+        <p:style>
+          <a:lnRef idx="1">
+            <a:schemeClr val="accent3"/>
+          </a:lnRef>
+          <a:fillRef idx="2">
+            <a:schemeClr val="accent3"/>
+          </a:fillRef>
+          <a:effectRef idx="1">
+            <a:schemeClr val="accent3"/>
+          </a:effectRef>
+          <a:fontRef idx="minor">
+            <a:schemeClr val="dk1"/>
+          </a:fontRef>
+        </p:style>
+        <p:txBody>
+          <a:bodyPr rtlCol="0" anchor="ctr"/>
+          <a:lstStyle/>
+          <a:p>
+            <a:pPr algn="ctr"/>
+            <a:r>
+              <a:rPr lang="zh-CN" altLang="en-US" dirty="0"/>
+              <a:t>数据</a:t>
+            </a:r>
+          </a:p>
+        </p:txBody>
+      </p:sp>
+      <p:sp>
+        <p:nvSpPr>
+          <p:cNvPr id="278" name="矩形 277"/>
+          <p:cNvSpPr/>
+          <p:nvPr/>
+        </p:nvSpPr>
+        <p:spPr>
+          <a:xfrm>
+            <a:off x="2943513" y="4441381"/>
+            <a:ext cx="853440" cy="370114"/>
+          </a:xfrm>
+          <a:prstGeom prst="rect">
+            <a:avLst/>
+          </a:prstGeom>
+          <a:ln>
+            <a:noFill/>
+          </a:ln>
+          <a:effectLst/>
+          <a:scene3d>
+            <a:camera prst="orthographicFront">
+              <a:rot lat="0" lon="0" rev="0"/>
+            </a:camera>
+            <a:lightRig rig="chilly" dir="t">
+              <a:rot lat="0" lon="0" rev="18480000"/>
+            </a:lightRig>
+          </a:scene3d>
+          <a:sp3d prstMaterial="clear">
+            <a:bevelT h="63500"/>
+          </a:sp3d>
+        </p:spPr>
+        <p:style>
+          <a:lnRef idx="1">
+            <a:schemeClr val="accent3"/>
+          </a:lnRef>
+          <a:fillRef idx="2">
+            <a:schemeClr val="accent3"/>
+          </a:fillRef>
+          <a:effectRef idx="1">
+            <a:schemeClr val="accent3"/>
+          </a:effectRef>
+          <a:fontRef idx="minor">
+            <a:schemeClr val="dk1"/>
+          </a:fontRef>
+        </p:style>
+        <p:txBody>
+          <a:bodyPr rtlCol="0" anchor="ctr"/>
+          <a:lstStyle/>
+          <a:p>
+            <a:pPr algn="ctr"/>
+            <a:r>
+              <a:rPr lang="zh-CN" altLang="en-US" dirty="0"/>
+              <a:t>数据</a:t>
+            </a:r>
+          </a:p>
+        </p:txBody>
+      </p:sp>
+      <p:sp>
+        <p:nvSpPr>
+          <p:cNvPr id="279" name="矩形 278"/>
+          <p:cNvSpPr/>
+          <p:nvPr/>
+        </p:nvSpPr>
+        <p:spPr>
+          <a:xfrm>
+            <a:off x="3796953" y="4441381"/>
+            <a:ext cx="853440" cy="370114"/>
+          </a:xfrm>
+          <a:prstGeom prst="rect">
+            <a:avLst/>
+          </a:prstGeom>
+          <a:ln>
+            <a:noFill/>
+          </a:ln>
+          <a:effectLst/>
+          <a:scene3d>
+            <a:camera prst="orthographicFront">
+              <a:rot lat="0" lon="0" rev="0"/>
+            </a:camera>
+            <a:lightRig rig="chilly" dir="t">
+              <a:rot lat="0" lon="0" rev="18480000"/>
+            </a:lightRig>
+          </a:scene3d>
+          <a:sp3d prstMaterial="clear">
+            <a:bevelT h="63500"/>
+          </a:sp3d>
+        </p:spPr>
+        <p:style>
+          <a:lnRef idx="1">
+            <a:schemeClr val="accent3"/>
+          </a:lnRef>
+          <a:fillRef idx="2">
+            <a:schemeClr val="accent3"/>
+          </a:fillRef>
+          <a:effectRef idx="1">
+            <a:schemeClr val="accent3"/>
+          </a:effectRef>
+          <a:fontRef idx="minor">
+            <a:schemeClr val="dk1"/>
+          </a:fontRef>
+        </p:style>
+        <p:txBody>
+          <a:bodyPr rtlCol="0" anchor="ctr"/>
+          <a:lstStyle/>
+          <a:p>
+            <a:pPr algn="ctr"/>
+            <a:r>
+              <a:rPr lang="zh-CN" altLang="en-US" dirty="0"/>
+              <a:t>数据</a:t>
+            </a:r>
+          </a:p>
+        </p:txBody>
+      </p:sp>
+      <p:sp>
+        <p:nvSpPr>
+          <p:cNvPr id="280" name="矩形 279"/>
+          <p:cNvSpPr/>
+          <p:nvPr/>
+        </p:nvSpPr>
+        <p:spPr>
+          <a:xfrm>
+            <a:off x="4650393" y="4441381"/>
+            <a:ext cx="853440" cy="370114"/>
+          </a:xfrm>
+          <a:prstGeom prst="rect">
+            <a:avLst/>
+          </a:prstGeom>
+          <a:ln>
+            <a:noFill/>
+          </a:ln>
+          <a:effectLst/>
+          <a:scene3d>
+            <a:camera prst="orthographicFront">
+              <a:rot lat="0" lon="0" rev="0"/>
+            </a:camera>
+            <a:lightRig rig="chilly" dir="t">
+              <a:rot lat="0" lon="0" rev="18480000"/>
+            </a:lightRig>
+          </a:scene3d>
+          <a:sp3d prstMaterial="clear">
+            <a:bevelT h="63500"/>
+          </a:sp3d>
+        </p:spPr>
+        <p:style>
+          <a:lnRef idx="1">
+            <a:schemeClr val="accent3"/>
+          </a:lnRef>
+          <a:fillRef idx="2">
+            <a:schemeClr val="accent3"/>
+          </a:fillRef>
+          <a:effectRef idx="1">
+            <a:schemeClr val="accent3"/>
+          </a:effectRef>
+          <a:fontRef idx="minor">
+            <a:schemeClr val="dk1"/>
+          </a:fontRef>
+        </p:style>
+        <p:txBody>
+          <a:bodyPr rtlCol="0" anchor="ctr"/>
+          <a:lstStyle/>
+          <a:p>
+            <a:pPr algn="ctr"/>
+            <a:r>
+              <a:rPr lang="zh-CN" altLang="en-US" dirty="0"/>
+              <a:t>数据</a:t>
+            </a:r>
+          </a:p>
+        </p:txBody>
+      </p:sp>
+      <p:sp>
+        <p:nvSpPr>
+          <p:cNvPr id="281" name="矩形 280"/>
+          <p:cNvSpPr/>
+          <p:nvPr/>
+        </p:nvSpPr>
+        <p:spPr>
+          <a:xfrm>
+            <a:off x="5503833" y="4441381"/>
+            <a:ext cx="853440" cy="370114"/>
+          </a:xfrm>
+          <a:prstGeom prst="rect">
+            <a:avLst/>
+          </a:prstGeom>
+          <a:ln>
+            <a:noFill/>
+          </a:ln>
+          <a:effectLst/>
+          <a:scene3d>
+            <a:camera prst="orthographicFront">
+              <a:rot lat="0" lon="0" rev="0"/>
+            </a:camera>
+            <a:lightRig rig="chilly" dir="t">
+              <a:rot lat="0" lon="0" rev="18480000"/>
+            </a:lightRig>
+          </a:scene3d>
+          <a:sp3d prstMaterial="clear">
+            <a:bevelT h="63500"/>
+          </a:sp3d>
+        </p:spPr>
+        <p:style>
+          <a:lnRef idx="1">
+            <a:schemeClr val="accent3"/>
+          </a:lnRef>
+          <a:fillRef idx="2">
+            <a:schemeClr val="accent3"/>
+          </a:fillRef>
+          <a:effectRef idx="1">
+            <a:schemeClr val="accent3"/>
+          </a:effectRef>
+          <a:fontRef idx="minor">
+            <a:schemeClr val="dk1"/>
+          </a:fontRef>
+        </p:style>
+        <p:txBody>
+          <a:bodyPr rtlCol="0" anchor="ctr"/>
+          <a:lstStyle/>
+          <a:p>
+            <a:pPr algn="ctr"/>
+            <a:r>
+              <a:rPr lang="zh-CN" altLang="en-US" dirty="0"/>
+              <a:t>数据</a:t>
+            </a:r>
+          </a:p>
+        </p:txBody>
+      </p:sp>
+      <p:sp>
+        <p:nvSpPr>
+          <p:cNvPr id="282" name="矩形 281"/>
+          <p:cNvSpPr/>
+          <p:nvPr/>
+        </p:nvSpPr>
+        <p:spPr>
+          <a:xfrm>
+            <a:off x="6357273" y="4441381"/>
+            <a:ext cx="853440" cy="370114"/>
+          </a:xfrm>
+          <a:prstGeom prst="rect">
+            <a:avLst/>
+          </a:prstGeom>
+          <a:ln>
+            <a:noFill/>
+          </a:ln>
+          <a:effectLst/>
+          <a:scene3d>
+            <a:camera prst="orthographicFront">
+              <a:rot lat="0" lon="0" rev="0"/>
+            </a:camera>
+            <a:lightRig rig="chilly" dir="t">
+              <a:rot lat="0" lon="0" rev="18480000"/>
+            </a:lightRig>
+          </a:scene3d>
+          <a:sp3d prstMaterial="clear">
+            <a:bevelT h="63500"/>
+          </a:sp3d>
+        </p:spPr>
+        <p:style>
+          <a:lnRef idx="1">
+            <a:schemeClr val="accent3"/>
+          </a:lnRef>
+          <a:fillRef idx="2">
+            <a:schemeClr val="accent3"/>
+          </a:fillRef>
+          <a:effectRef idx="1">
+            <a:schemeClr val="accent3"/>
+          </a:effectRef>
+          <a:fontRef idx="minor">
+            <a:schemeClr val="dk1"/>
+          </a:fontRef>
+        </p:style>
+        <p:txBody>
+          <a:bodyPr rtlCol="0" anchor="ctr"/>
+          <a:lstStyle/>
+          <a:p>
+            <a:pPr algn="ctr"/>
+            <a:r>
+              <a:rPr lang="zh-CN" altLang="en-US" dirty="0"/>
+              <a:t>数据</a:t>
+            </a:r>
+          </a:p>
+        </p:txBody>
+      </p:sp>
+      <p:sp>
+        <p:nvSpPr>
+          <p:cNvPr id="283" name="矩形 282"/>
+          <p:cNvSpPr/>
+          <p:nvPr/>
+        </p:nvSpPr>
+        <p:spPr>
+          <a:xfrm>
+            <a:off x="2943513" y="4811495"/>
+            <a:ext cx="853440" cy="370114"/>
+          </a:xfrm>
+          <a:prstGeom prst="rect">
+            <a:avLst/>
+          </a:prstGeom>
+          <a:ln>
+            <a:noFill/>
+          </a:ln>
+          <a:effectLst/>
+          <a:scene3d>
+            <a:camera prst="orthographicFront">
+              <a:rot lat="0" lon="0" rev="0"/>
+            </a:camera>
+            <a:lightRig rig="chilly" dir="t">
+              <a:rot lat="0" lon="0" rev="18480000"/>
+            </a:lightRig>
+          </a:scene3d>
+          <a:sp3d prstMaterial="clear">
+            <a:bevelT h="63500"/>
+          </a:sp3d>
+        </p:spPr>
+        <p:style>
+          <a:lnRef idx="1">
+            <a:schemeClr val="accent3"/>
+          </a:lnRef>
+          <a:fillRef idx="2">
+            <a:schemeClr val="accent3"/>
+          </a:fillRef>
+          <a:effectRef idx="1">
+            <a:schemeClr val="accent3"/>
+          </a:effectRef>
+          <a:fontRef idx="minor">
+            <a:schemeClr val="dk1"/>
+          </a:fontRef>
+        </p:style>
+        <p:txBody>
+          <a:bodyPr rtlCol="0" anchor="ctr"/>
+          <a:lstStyle/>
+          <a:p>
+            <a:pPr algn="ctr"/>
+            <a:r>
+              <a:rPr lang="zh-CN" altLang="en-US" dirty="0"/>
+              <a:t>数据</a:t>
+            </a:r>
+          </a:p>
+        </p:txBody>
+      </p:sp>
+      <p:sp>
+        <p:nvSpPr>
+          <p:cNvPr id="284" name="矩形 283"/>
+          <p:cNvSpPr/>
+          <p:nvPr/>
+        </p:nvSpPr>
+        <p:spPr>
+          <a:xfrm>
+            <a:off x="3796953" y="4811495"/>
+            <a:ext cx="853440" cy="370114"/>
+          </a:xfrm>
+          <a:prstGeom prst="rect">
+            <a:avLst/>
+          </a:prstGeom>
+          <a:ln>
+            <a:noFill/>
+          </a:ln>
+          <a:effectLst/>
+          <a:scene3d>
+            <a:camera prst="orthographicFront">
+              <a:rot lat="0" lon="0" rev="0"/>
+            </a:camera>
+            <a:lightRig rig="chilly" dir="t">
+              <a:rot lat="0" lon="0" rev="18480000"/>
+            </a:lightRig>
+          </a:scene3d>
+          <a:sp3d prstMaterial="clear">
+            <a:bevelT h="63500"/>
+          </a:sp3d>
+        </p:spPr>
+        <p:style>
+          <a:lnRef idx="1">
+            <a:schemeClr val="accent3"/>
+          </a:lnRef>
+          <a:fillRef idx="2">
+            <a:schemeClr val="accent3"/>
+          </a:fillRef>
+          <a:effectRef idx="1">
+            <a:schemeClr val="accent3"/>
+          </a:effectRef>
+          <a:fontRef idx="minor">
+            <a:schemeClr val="dk1"/>
+          </a:fontRef>
+        </p:style>
+        <p:txBody>
+          <a:bodyPr rtlCol="0" anchor="ctr"/>
+          <a:lstStyle/>
+          <a:p>
+            <a:pPr algn="ctr"/>
+            <a:r>
+              <a:rPr lang="zh-CN" altLang="en-US" dirty="0"/>
+              <a:t>数据</a:t>
+            </a:r>
+          </a:p>
+        </p:txBody>
+      </p:sp>
+      <p:sp>
+        <p:nvSpPr>
+          <p:cNvPr id="285" name="矩形 284"/>
+          <p:cNvSpPr/>
+          <p:nvPr/>
+        </p:nvSpPr>
+        <p:spPr>
+          <a:xfrm>
+            <a:off x="4650393" y="4811495"/>
+            <a:ext cx="853440" cy="370114"/>
+          </a:xfrm>
+          <a:prstGeom prst="rect">
+            <a:avLst/>
+          </a:prstGeom>
+          <a:ln>
+            <a:noFill/>
+          </a:ln>
+          <a:effectLst/>
+          <a:scene3d>
+            <a:camera prst="orthographicFront">
+              <a:rot lat="0" lon="0" rev="0"/>
+            </a:camera>
+            <a:lightRig rig="chilly" dir="t">
+              <a:rot lat="0" lon="0" rev="18480000"/>
+            </a:lightRig>
+          </a:scene3d>
+          <a:sp3d prstMaterial="clear">
+            <a:bevelT h="63500"/>
+          </a:sp3d>
+        </p:spPr>
+        <p:style>
+          <a:lnRef idx="1">
+            <a:schemeClr val="accent3"/>
+          </a:lnRef>
+          <a:fillRef idx="2">
+            <a:schemeClr val="accent3"/>
+          </a:fillRef>
+          <a:effectRef idx="1">
+            <a:schemeClr val="accent3"/>
+          </a:effectRef>
+          <a:fontRef idx="minor">
+            <a:schemeClr val="dk1"/>
+          </a:fontRef>
+        </p:style>
+        <p:txBody>
+          <a:bodyPr rtlCol="0" anchor="ctr"/>
+          <a:lstStyle/>
+          <a:p>
+            <a:pPr algn="ctr"/>
+            <a:r>
+              <a:rPr lang="zh-CN" altLang="en-US" dirty="0"/>
+              <a:t>数据</a:t>
+            </a:r>
+          </a:p>
+        </p:txBody>
+      </p:sp>
+      <p:sp>
+        <p:nvSpPr>
+          <p:cNvPr id="286" name="矩形 285"/>
+          <p:cNvSpPr/>
+          <p:nvPr/>
+        </p:nvSpPr>
+        <p:spPr>
+          <a:xfrm>
+            <a:off x="5503833" y="4811495"/>
+            <a:ext cx="853440" cy="370114"/>
+          </a:xfrm>
+          <a:prstGeom prst="rect">
+            <a:avLst/>
+          </a:prstGeom>
+          <a:ln>
+            <a:noFill/>
+          </a:ln>
+          <a:effectLst/>
+          <a:scene3d>
+            <a:camera prst="orthographicFront">
+              <a:rot lat="0" lon="0" rev="0"/>
+            </a:camera>
+            <a:lightRig rig="chilly" dir="t">
+              <a:rot lat="0" lon="0" rev="18480000"/>
+            </a:lightRig>
+          </a:scene3d>
+          <a:sp3d prstMaterial="clear">
+            <a:bevelT h="63500"/>
+          </a:sp3d>
+        </p:spPr>
+        <p:style>
+          <a:lnRef idx="1">
+            <a:schemeClr val="accent3"/>
+          </a:lnRef>
+          <a:fillRef idx="2">
+            <a:schemeClr val="accent3"/>
+          </a:fillRef>
+          <a:effectRef idx="1">
+            <a:schemeClr val="accent3"/>
+          </a:effectRef>
+          <a:fontRef idx="minor">
+            <a:schemeClr val="dk1"/>
+          </a:fontRef>
+        </p:style>
+        <p:txBody>
+          <a:bodyPr rtlCol="0" anchor="ctr"/>
+          <a:lstStyle/>
+          <a:p>
+            <a:pPr algn="ctr"/>
+            <a:r>
+              <a:rPr lang="zh-CN" altLang="en-US" dirty="0"/>
+              <a:t>数据</a:t>
+            </a:r>
+          </a:p>
+        </p:txBody>
+      </p:sp>
+      <p:sp>
+        <p:nvSpPr>
+          <p:cNvPr id="287" name="矩形 286"/>
+          <p:cNvSpPr/>
+          <p:nvPr/>
+        </p:nvSpPr>
+        <p:spPr>
+          <a:xfrm>
+            <a:off x="6357273" y="4811495"/>
+            <a:ext cx="853440" cy="370114"/>
+          </a:xfrm>
+          <a:prstGeom prst="rect">
+            <a:avLst/>
+          </a:prstGeom>
+          <a:ln>
+            <a:noFill/>
+          </a:ln>
+          <a:effectLst/>
+          <a:scene3d>
+            <a:camera prst="orthographicFront">
+              <a:rot lat="0" lon="0" rev="0"/>
+            </a:camera>
+            <a:lightRig rig="chilly" dir="t">
+              <a:rot lat="0" lon="0" rev="18480000"/>
+            </a:lightRig>
+          </a:scene3d>
+          <a:sp3d prstMaterial="clear">
+            <a:bevelT h="63500"/>
+          </a:sp3d>
+        </p:spPr>
+        <p:style>
+          <a:lnRef idx="1">
+            <a:schemeClr val="accent3"/>
+          </a:lnRef>
+          <a:fillRef idx="2">
+            <a:schemeClr val="accent3"/>
+          </a:fillRef>
+          <a:effectRef idx="1">
+            <a:schemeClr val="accent3"/>
+          </a:effectRef>
+          <a:fontRef idx="minor">
+            <a:schemeClr val="dk1"/>
+          </a:fontRef>
+        </p:style>
+        <p:txBody>
+          <a:bodyPr rtlCol="0" anchor="ctr"/>
+          <a:lstStyle/>
+          <a:p>
+            <a:pPr algn="ctr"/>
+            <a:r>
+              <a:rPr lang="zh-CN" altLang="en-US" dirty="0"/>
+              <a:t>数据</a:t>
+            </a:r>
+          </a:p>
+        </p:txBody>
+      </p:sp>
+      <p:sp>
+        <p:nvSpPr>
+          <p:cNvPr id="288" name="矩形 287"/>
+          <p:cNvSpPr/>
+          <p:nvPr/>
+        </p:nvSpPr>
+        <p:spPr>
+          <a:xfrm>
+            <a:off x="2943513" y="5179432"/>
+            <a:ext cx="853440" cy="370114"/>
+          </a:xfrm>
+          <a:prstGeom prst="rect">
+            <a:avLst/>
+          </a:prstGeom>
+          <a:ln>
+            <a:noFill/>
+          </a:ln>
+          <a:effectLst/>
+          <a:scene3d>
+            <a:camera prst="orthographicFront">
+              <a:rot lat="0" lon="0" rev="0"/>
+            </a:camera>
+            <a:lightRig rig="chilly" dir="t">
+              <a:rot lat="0" lon="0" rev="18480000"/>
+            </a:lightRig>
+          </a:scene3d>
+          <a:sp3d prstMaterial="clear">
+            <a:bevelT h="63500"/>
+          </a:sp3d>
+        </p:spPr>
+        <p:style>
+          <a:lnRef idx="1">
+            <a:schemeClr val="accent3"/>
+          </a:lnRef>
+          <a:fillRef idx="2">
+            <a:schemeClr val="accent3"/>
+          </a:fillRef>
+          <a:effectRef idx="1">
+            <a:schemeClr val="accent3"/>
+          </a:effectRef>
+          <a:fontRef idx="minor">
+            <a:schemeClr val="dk1"/>
+          </a:fontRef>
+        </p:style>
+        <p:txBody>
+          <a:bodyPr rtlCol="0" anchor="ctr"/>
+          <a:lstStyle/>
+          <a:p>
+            <a:pPr algn="ctr"/>
+            <a:r>
+              <a:rPr lang="zh-CN" altLang="en-US" dirty="0"/>
+              <a:t>数据</a:t>
+            </a:r>
+          </a:p>
+        </p:txBody>
+      </p:sp>
+      <p:sp>
+        <p:nvSpPr>
+          <p:cNvPr id="289" name="矩形 288"/>
+          <p:cNvSpPr/>
+          <p:nvPr/>
+        </p:nvSpPr>
+        <p:spPr>
+          <a:xfrm>
+            <a:off x="3796953" y="5179432"/>
+            <a:ext cx="853440" cy="370114"/>
+          </a:xfrm>
+          <a:prstGeom prst="rect">
+            <a:avLst/>
+          </a:prstGeom>
+          <a:ln>
+            <a:noFill/>
+          </a:ln>
+          <a:effectLst/>
+          <a:scene3d>
+            <a:camera prst="orthographicFront">
+              <a:rot lat="0" lon="0" rev="0"/>
+            </a:camera>
+            <a:lightRig rig="chilly" dir="t">
+              <a:rot lat="0" lon="0" rev="18480000"/>
+            </a:lightRig>
+          </a:scene3d>
+          <a:sp3d prstMaterial="clear">
+            <a:bevelT h="63500"/>
+          </a:sp3d>
+        </p:spPr>
+        <p:style>
+          <a:lnRef idx="1">
+            <a:schemeClr val="accent3"/>
+          </a:lnRef>
+          <a:fillRef idx="2">
+            <a:schemeClr val="accent3"/>
+          </a:fillRef>
+          <a:effectRef idx="1">
+            <a:schemeClr val="accent3"/>
+          </a:effectRef>
+          <a:fontRef idx="minor">
+            <a:schemeClr val="dk1"/>
+          </a:fontRef>
+        </p:style>
+        <p:txBody>
+          <a:bodyPr rtlCol="0" anchor="ctr"/>
+          <a:lstStyle/>
+          <a:p>
+            <a:pPr algn="ctr"/>
+            <a:r>
+              <a:rPr lang="zh-CN" altLang="en-US" dirty="0"/>
+              <a:t>数据</a:t>
+            </a:r>
+          </a:p>
+        </p:txBody>
+      </p:sp>
+      <p:sp>
+        <p:nvSpPr>
+          <p:cNvPr id="290" name="矩形 289"/>
+          <p:cNvSpPr/>
+          <p:nvPr/>
+        </p:nvSpPr>
+        <p:spPr>
+          <a:xfrm>
+            <a:off x="4650393" y="5179432"/>
+            <a:ext cx="853440" cy="370114"/>
+          </a:xfrm>
+          <a:prstGeom prst="rect">
+            <a:avLst/>
+          </a:prstGeom>
+          <a:ln>
+            <a:noFill/>
+          </a:ln>
+          <a:effectLst/>
+          <a:scene3d>
+            <a:camera prst="orthographicFront">
+              <a:rot lat="0" lon="0" rev="0"/>
+            </a:camera>
+            <a:lightRig rig="chilly" dir="t">
+              <a:rot lat="0" lon="0" rev="18480000"/>
+            </a:lightRig>
+          </a:scene3d>
+          <a:sp3d prstMaterial="clear">
+            <a:bevelT h="63500"/>
+          </a:sp3d>
+        </p:spPr>
+        <p:style>
+          <a:lnRef idx="1">
+            <a:schemeClr val="accent3"/>
+          </a:lnRef>
+          <a:fillRef idx="2">
+            <a:schemeClr val="accent3"/>
+          </a:fillRef>
+          <a:effectRef idx="1">
+            <a:schemeClr val="accent3"/>
+          </a:effectRef>
+          <a:fontRef idx="minor">
+            <a:schemeClr val="dk1"/>
+          </a:fontRef>
+        </p:style>
+        <p:txBody>
+          <a:bodyPr rtlCol="0" anchor="ctr"/>
+          <a:lstStyle/>
+          <a:p>
+            <a:pPr algn="ctr"/>
+            <a:r>
+              <a:rPr lang="zh-CN" altLang="en-US" dirty="0"/>
+              <a:t>数据</a:t>
+            </a:r>
+          </a:p>
+        </p:txBody>
+      </p:sp>
+      <p:sp>
+        <p:nvSpPr>
+          <p:cNvPr id="291" name="矩形 290"/>
+          <p:cNvSpPr/>
+          <p:nvPr/>
+        </p:nvSpPr>
+        <p:spPr>
+          <a:xfrm>
+            <a:off x="5503833" y="5179432"/>
+            <a:ext cx="853440" cy="370114"/>
+          </a:xfrm>
+          <a:prstGeom prst="rect">
+            <a:avLst/>
+          </a:prstGeom>
+          <a:ln>
+            <a:noFill/>
+          </a:ln>
+          <a:effectLst/>
+          <a:scene3d>
+            <a:camera prst="orthographicFront">
+              <a:rot lat="0" lon="0" rev="0"/>
+            </a:camera>
+            <a:lightRig rig="chilly" dir="t">
+              <a:rot lat="0" lon="0" rev="18480000"/>
+            </a:lightRig>
+          </a:scene3d>
+          <a:sp3d prstMaterial="clear">
+            <a:bevelT h="63500"/>
+          </a:sp3d>
+        </p:spPr>
+        <p:style>
+          <a:lnRef idx="1">
+            <a:schemeClr val="accent3"/>
+          </a:lnRef>
+          <a:fillRef idx="2">
+            <a:schemeClr val="accent3"/>
+          </a:fillRef>
+          <a:effectRef idx="1">
+            <a:schemeClr val="accent3"/>
+          </a:effectRef>
+          <a:fontRef idx="minor">
+            <a:schemeClr val="dk1"/>
+          </a:fontRef>
+        </p:style>
+        <p:txBody>
+          <a:bodyPr rtlCol="0" anchor="ctr"/>
+          <a:lstStyle/>
+          <a:p>
+            <a:pPr algn="ctr"/>
+            <a:r>
+              <a:rPr lang="zh-CN" altLang="en-US" dirty="0"/>
+              <a:t>数据</a:t>
+            </a:r>
+          </a:p>
+        </p:txBody>
+      </p:sp>
+      <p:sp>
+        <p:nvSpPr>
+          <p:cNvPr id="292" name="矩形 291"/>
+          <p:cNvSpPr/>
+          <p:nvPr/>
+        </p:nvSpPr>
+        <p:spPr>
+          <a:xfrm>
+            <a:off x="6357273" y="5179432"/>
+            <a:ext cx="853440" cy="370114"/>
+          </a:xfrm>
+          <a:prstGeom prst="rect">
+            <a:avLst/>
+          </a:prstGeom>
+          <a:ln>
+            <a:noFill/>
+          </a:ln>
+          <a:effectLst/>
+          <a:scene3d>
+            <a:camera prst="orthographicFront">
+              <a:rot lat="0" lon="0" rev="0"/>
+            </a:camera>
+            <a:lightRig rig="chilly" dir="t">
+              <a:rot lat="0" lon="0" rev="18480000"/>
+            </a:lightRig>
+          </a:scene3d>
+          <a:sp3d prstMaterial="clear">
+            <a:bevelT h="63500"/>
+          </a:sp3d>
+        </p:spPr>
+        <p:style>
+          <a:lnRef idx="1">
+            <a:schemeClr val="accent3"/>
+          </a:lnRef>
+          <a:fillRef idx="2">
+            <a:schemeClr val="accent3"/>
+          </a:fillRef>
+          <a:effectRef idx="1">
+            <a:schemeClr val="accent3"/>
+          </a:effectRef>
+          <a:fontRef idx="minor">
+            <a:schemeClr val="dk1"/>
+          </a:fontRef>
+        </p:style>
+        <p:txBody>
+          <a:bodyPr rtlCol="0" anchor="ctr"/>
+          <a:lstStyle/>
+          <a:p>
+            <a:pPr algn="ctr"/>
+            <a:r>
+              <a:rPr lang="zh-CN" altLang="en-US" dirty="0"/>
+              <a:t>数据</a:t>
+            </a:r>
+          </a:p>
+        </p:txBody>
+      </p:sp>
+      <p:sp>
+        <p:nvSpPr>
+          <p:cNvPr id="293" name="下箭头 292"/>
+          <p:cNvSpPr/>
+          <p:nvPr/>
+        </p:nvSpPr>
+        <p:spPr>
+          <a:xfrm>
+            <a:off x="4929051" y="2641497"/>
+            <a:ext cx="357052" cy="428272"/>
+          </a:xfrm>
+          <a:prstGeom prst="downArrow">
+            <a:avLst/>
+          </a:prstGeom>
+        </p:spPr>
+        <p:style>
+          <a:lnRef idx="0">
+            <a:schemeClr val="accent4"/>
+          </a:lnRef>
+          <a:fillRef idx="3">
+            <a:schemeClr val="accent4"/>
+          </a:fillRef>
+          <a:effectRef idx="3">
+            <a:schemeClr val="accent4"/>
+          </a:effectRef>
+          <a:fontRef idx="minor">
+            <a:schemeClr val="lt1"/>
+          </a:fontRef>
+        </p:style>
+        <p:txBody>
+          <a:bodyPr rtlCol="0" anchor="ctr"/>
+          <a:lstStyle/>
+          <a:p>
+            <a:pPr algn="ctr"/>
+            <a:endParaRPr lang="zh-CN" altLang="en-US"/>
+          </a:p>
+        </p:txBody>
+      </p:sp>
+      <p:sp>
+        <p:nvSpPr>
+          <p:cNvPr id="294" name="TextBox 293"/>
+          <p:cNvSpPr txBox="1"/>
+          <p:nvPr/>
+        </p:nvSpPr>
+        <p:spPr>
+          <a:xfrm>
+            <a:off x="911370" y="3084447"/>
+            <a:ext cx="598241" cy="338554"/>
+          </a:xfrm>
+          <a:prstGeom prst="rect">
+            <a:avLst/>
+          </a:prstGeom>
+          <a:noFill/>
+        </p:spPr>
+        <p:txBody>
+          <a:bodyPr wrap="none" rtlCol="0">
+            <a:spAutoFit/>
+          </a:bodyPr>
+          <a:lstStyle/>
+          <a:p>
+            <a:r>
+              <a:rPr lang="zh-CN" altLang="en-US" sz="1600" b="1" dirty="0"/>
+              <a:t>初期</a:t>
+            </a:r>
+          </a:p>
+        </p:txBody>
+      </p:sp>
+      <p:cxnSp>
+        <p:nvCxnSpPr>
+          <p:cNvPr id="296" name="直接箭头连接符 295"/>
+          <p:cNvCxnSpPr/>
+          <p:nvPr/>
+        </p:nvCxnSpPr>
+        <p:spPr>
+          <a:xfrm>
+            <a:off x="1654629" y="3253724"/>
+            <a:ext cx="775062" cy="0"/>
+          </a:xfrm>
+          <a:prstGeom prst="straightConnector1">
+            <a:avLst/>
+          </a:prstGeom>
+          <a:ln w="28575">
+            <a:tailEnd type="arrow"/>
+          </a:ln>
+        </p:spPr>
+        <p:style>
+          <a:lnRef idx="3">
+            <a:schemeClr val="dk1"/>
+          </a:lnRef>
+          <a:fillRef idx="0">
+            <a:schemeClr val="dk1"/>
+          </a:fillRef>
+          <a:effectRef idx="2">
+            <a:schemeClr val="dk1"/>
+          </a:effectRef>
+          <a:fontRef idx="minor">
+            <a:schemeClr val="tx1"/>
+          </a:fontRef>
+        </p:style>
+      </p:cxnSp>
+      <p:sp>
+        <p:nvSpPr>
+          <p:cNvPr id="299" name="TextBox 298"/>
+          <p:cNvSpPr txBox="1"/>
+          <p:nvPr/>
+        </p:nvSpPr>
+        <p:spPr>
+          <a:xfrm>
+            <a:off x="911370" y="4087583"/>
+            <a:ext cx="688009" cy="338554"/>
+          </a:xfrm>
+          <a:prstGeom prst="rect">
+            <a:avLst/>
+          </a:prstGeom>
+          <a:noFill/>
+        </p:spPr>
+        <p:txBody>
+          <a:bodyPr wrap="none" rtlCol="0">
+            <a:spAutoFit/>
+          </a:bodyPr>
+          <a:lstStyle/>
+          <a:p>
+            <a:r>
+              <a:rPr lang="en-US" altLang="zh-CN" sz="1600" b="1" dirty="0" smtClean="0"/>
+              <a:t>next()</a:t>
+            </a:r>
+            <a:endParaRPr lang="zh-CN" altLang="en-US" sz="1600" b="1" dirty="0"/>
+          </a:p>
+        </p:txBody>
+      </p:sp>
+      <p:cxnSp>
+        <p:nvCxnSpPr>
+          <p:cNvPr id="300" name="直接箭头连接符 299"/>
+          <p:cNvCxnSpPr/>
+          <p:nvPr/>
+        </p:nvCxnSpPr>
+        <p:spPr>
+          <a:xfrm>
+            <a:off x="1654629" y="4256860"/>
+            <a:ext cx="775062" cy="0"/>
+          </a:xfrm>
+          <a:prstGeom prst="straightConnector1">
+            <a:avLst/>
+          </a:prstGeom>
+          <a:ln w="28575">
+            <a:tailEnd type="arrow"/>
+          </a:ln>
+        </p:spPr>
+        <p:style>
+          <a:lnRef idx="3">
+            <a:schemeClr val="dk1"/>
+          </a:lnRef>
+          <a:fillRef idx="0">
+            <a:schemeClr val="dk1"/>
+          </a:fillRef>
+          <a:effectRef idx="2">
+            <a:schemeClr val="dk1"/>
+          </a:effectRef>
+          <a:fontRef idx="minor">
+            <a:schemeClr val="tx1"/>
+          </a:fontRef>
+        </p:style>
+      </p:cxnSp>
+      <p:sp>
+        <p:nvSpPr>
+          <p:cNvPr id="301" name="TextBox 300"/>
+          <p:cNvSpPr txBox="1"/>
+          <p:nvPr/>
+        </p:nvSpPr>
+        <p:spPr>
+          <a:xfrm>
+            <a:off x="911370" y="5513080"/>
+            <a:ext cx="598241" cy="338554"/>
+          </a:xfrm>
+          <a:prstGeom prst="rect">
+            <a:avLst/>
+          </a:prstGeom>
+          <a:noFill/>
+        </p:spPr>
+        <p:txBody>
+          <a:bodyPr wrap="none" rtlCol="0">
+            <a:spAutoFit/>
+          </a:bodyPr>
+          <a:lstStyle/>
+          <a:p>
+            <a:r>
+              <a:rPr lang="zh-CN" altLang="en-US" sz="1600" b="1" dirty="0" smtClean="0"/>
+              <a:t>结尾</a:t>
+            </a:r>
+            <a:endParaRPr lang="zh-CN" altLang="en-US" sz="1600" b="1" dirty="0"/>
+          </a:p>
+        </p:txBody>
+      </p:sp>
+      <p:cxnSp>
+        <p:nvCxnSpPr>
+          <p:cNvPr id="302" name="直接箭头连接符 301"/>
+          <p:cNvCxnSpPr/>
+          <p:nvPr/>
+        </p:nvCxnSpPr>
+        <p:spPr>
+          <a:xfrm>
+            <a:off x="1654629" y="5682357"/>
+            <a:ext cx="775062" cy="0"/>
+          </a:xfrm>
+          <a:prstGeom prst="straightConnector1">
+            <a:avLst/>
+          </a:prstGeom>
+          <a:ln w="28575">
+            <a:tailEnd type="arrow"/>
+          </a:ln>
+        </p:spPr>
+        <p:style>
+          <a:lnRef idx="3">
+            <a:schemeClr val="dk1"/>
+          </a:lnRef>
+          <a:fillRef idx="0">
+            <a:schemeClr val="dk1"/>
+          </a:fillRef>
+          <a:effectRef idx="2">
+            <a:schemeClr val="dk1"/>
+          </a:effectRef>
+          <a:fontRef idx="minor">
+            <a:schemeClr val="tx1"/>
+          </a:fontRef>
+        </p:style>
+      </p:cxnSp>
+    </p:spTree>
+    <p:extLst>
+      <p:ext uri="{BB962C8B-B14F-4D97-AF65-F5344CB8AC3E}">
+        <p14:creationId xmlns:p14="http://schemas.microsoft.com/office/powerpoint/2010/main" val="1745614830"/>
+      </p:ext>
+    </p:extLst>
+  </p:cSld>
+  <p:clrMapOvr>
+    <a:masterClrMapping/>
+  </p:clrMapOvr>
+  <p:timing>
+    <p:tnLst>
+      <p:par>
+        <p:cTn id="1" dur="indefinite" restart="never" nodeType="tmRoot"/>
+      </p:par>
+    </p:tnLst>
+  </p:timing>
+</p:sld>
+</file>
+
+<file path=ppt/slides/slide33.xml><?xml version="1.0" encoding="utf-8"?>
+<p:sld xmlns:a="http://schemas.openxmlformats.org/drawingml/2006/main" xmlns:r="http://schemas.openxmlformats.org/officeDocument/2006/relationships" xmlns:p="http://schemas.openxmlformats.org/presentationml/2006/main">
+  <p:cSld>
+    <p:spTree>
+      <p:nvGrpSpPr>
+        <p:cNvPr id="1" name=""/>
+        <p:cNvGrpSpPr/>
+        <p:nvPr/>
+      </p:nvGrpSpPr>
+      <p:grpSpPr>
+        <a:xfrm>
+          <a:off x="0" y="0"/>
+          <a:ext cx="0" cy="0"/>
+          <a:chOff x="0" y="0"/>
+          <a:chExt cx="0" cy="0"/>
+        </a:xfrm>
+      </p:grpSpPr>
+    </p:spTree>
+    <p:extLst>
+      <p:ext uri="{BB962C8B-B14F-4D97-AF65-F5344CB8AC3E}">
+        <p14:creationId xmlns:p14="http://schemas.microsoft.com/office/powerpoint/2010/main" val="1745614830"/>
       </p:ext>
     </p:extLst>
   </p:cSld>

--- a/assets/Pictures.pptx
+++ b/assets/Pictures.pptx
@@ -39,8 +39,7 @@
     <p:sldId id="288" r:id="rId33"/>
     <p:sldId id="290" r:id="rId34"/>
     <p:sldId id="291" r:id="rId35"/>
-    <p:sldId id="292" r:id="rId36"/>
-    <p:sldId id="293" r:id="rId37"/>
+    <p:sldId id="293" r:id="rId36"/>
   </p:sldIdLst>
   <p:sldSz cx="12192000" cy="6858000"/>
   <p:notesSz cx="6858000" cy="9144000"/>
@@ -273,7 +272,7 @@
           <a:p>
             <a:fld id="{D997B5FA-0921-464F-AAE1-844C04324D75}" type="datetimeFigureOut">
               <a:rPr lang="zh-CN" altLang="en-US" smtClean="0"/>
-              <a:t>2018/7/29</a:t>
+              <a:t>2018/8/16</a:t>
             </a:fld>
             <a:endParaRPr lang="zh-CN" altLang="en-US"/>
           </a:p>
@@ -443,7 +442,7 @@
           <a:p>
             <a:fld id="{D997B5FA-0921-464F-AAE1-844C04324D75}" type="datetimeFigureOut">
               <a:rPr lang="zh-CN" altLang="en-US" smtClean="0"/>
-              <a:t>2018/7/29</a:t>
+              <a:t>2018/8/16</a:t>
             </a:fld>
             <a:endParaRPr lang="zh-CN" altLang="en-US"/>
           </a:p>
@@ -623,7 +622,7 @@
           <a:p>
             <a:fld id="{D997B5FA-0921-464F-AAE1-844C04324D75}" type="datetimeFigureOut">
               <a:rPr lang="zh-CN" altLang="en-US" smtClean="0"/>
-              <a:t>2018/7/29</a:t>
+              <a:t>2018/8/16</a:t>
             </a:fld>
             <a:endParaRPr lang="zh-CN" altLang="en-US"/>
           </a:p>
@@ -793,7 +792,7 @@
           <a:p>
             <a:fld id="{D997B5FA-0921-464F-AAE1-844C04324D75}" type="datetimeFigureOut">
               <a:rPr lang="zh-CN" altLang="en-US" smtClean="0"/>
-              <a:t>2018/7/29</a:t>
+              <a:t>2018/8/16</a:t>
             </a:fld>
             <a:endParaRPr lang="zh-CN" altLang="en-US"/>
           </a:p>
@@ -1039,7 +1038,7 @@
           <a:p>
             <a:fld id="{D997B5FA-0921-464F-AAE1-844C04324D75}" type="datetimeFigureOut">
               <a:rPr lang="zh-CN" altLang="en-US" smtClean="0"/>
-              <a:t>2018/7/29</a:t>
+              <a:t>2018/8/16</a:t>
             </a:fld>
             <a:endParaRPr lang="zh-CN" altLang="en-US"/>
           </a:p>
@@ -1271,7 +1270,7 @@
           <a:p>
             <a:fld id="{D997B5FA-0921-464F-AAE1-844C04324D75}" type="datetimeFigureOut">
               <a:rPr lang="zh-CN" altLang="en-US" smtClean="0"/>
-              <a:t>2018/7/29</a:t>
+              <a:t>2018/8/16</a:t>
             </a:fld>
             <a:endParaRPr lang="zh-CN" altLang="en-US"/>
           </a:p>
@@ -1638,7 +1637,7 @@
           <a:p>
             <a:fld id="{D997B5FA-0921-464F-AAE1-844C04324D75}" type="datetimeFigureOut">
               <a:rPr lang="zh-CN" altLang="en-US" smtClean="0"/>
-              <a:t>2018/7/29</a:t>
+              <a:t>2018/8/16</a:t>
             </a:fld>
             <a:endParaRPr lang="zh-CN" altLang="en-US"/>
           </a:p>
@@ -1756,7 +1755,7 @@
           <a:p>
             <a:fld id="{D997B5FA-0921-464F-AAE1-844C04324D75}" type="datetimeFigureOut">
               <a:rPr lang="zh-CN" altLang="en-US" smtClean="0"/>
-              <a:t>2018/7/29</a:t>
+              <a:t>2018/8/16</a:t>
             </a:fld>
             <a:endParaRPr lang="zh-CN" altLang="en-US"/>
           </a:p>
@@ -1851,7 +1850,7 @@
           <a:p>
             <a:fld id="{D997B5FA-0921-464F-AAE1-844C04324D75}" type="datetimeFigureOut">
               <a:rPr lang="zh-CN" altLang="en-US" smtClean="0"/>
-              <a:t>2018/7/29</a:t>
+              <a:t>2018/8/16</a:t>
             </a:fld>
             <a:endParaRPr lang="zh-CN" altLang="en-US"/>
           </a:p>
@@ -2128,7 +2127,7 @@
           <a:p>
             <a:fld id="{D997B5FA-0921-464F-AAE1-844C04324D75}" type="datetimeFigureOut">
               <a:rPr lang="zh-CN" altLang="en-US" smtClean="0"/>
-              <a:t>2018/7/29</a:t>
+              <a:t>2018/8/16</a:t>
             </a:fld>
             <a:endParaRPr lang="zh-CN" altLang="en-US"/>
           </a:p>
@@ -2381,7 +2380,7 @@
           <a:p>
             <a:fld id="{D997B5FA-0921-464F-AAE1-844C04324D75}" type="datetimeFigureOut">
               <a:rPr lang="zh-CN" altLang="en-US" smtClean="0"/>
-              <a:t>2018/7/29</a:t>
+              <a:t>2018/8/16</a:t>
             </a:fld>
             <a:endParaRPr lang="zh-CN" altLang="en-US"/>
           </a:p>
@@ -2594,7 +2593,7 @@
           <a:p>
             <a:fld id="{D997B5FA-0921-464F-AAE1-844C04324D75}" type="datetimeFigureOut">
               <a:rPr lang="zh-CN" altLang="en-US" smtClean="0"/>
-              <a:t>2018/7/29</a:t>
+              <a:t>2018/8/16</a:t>
             </a:fld>
             <a:endParaRPr lang="zh-CN" altLang="en-US"/>
           </a:p>
@@ -49450,43 +49449,6 @@
 </p:sld>
 </file>
 
-<file path=ppt/slides/slide36.xml><?xml version="1.0" encoding="utf-8"?>
-<p:sld xmlns:a="http://schemas.openxmlformats.org/drawingml/2006/main" xmlns:r="http://schemas.openxmlformats.org/officeDocument/2006/relationships" xmlns:p="http://schemas.openxmlformats.org/presentationml/2006/main">
-  <p:cSld>
-    <p:spTree>
-      <p:nvGrpSpPr>
-        <p:cNvPr id="1" name=""/>
-        <p:cNvGrpSpPr/>
-        <p:nvPr/>
-      </p:nvGrpSpPr>
-      <p:grpSpPr>
-        <a:xfrm>
-          <a:off x="0" y="0"/>
-          <a:ext cx="0" cy="0"/>
-          <a:chOff x="0" y="0"/>
-          <a:chExt cx="0" cy="0"/>
-        </a:xfrm>
-      </p:grpSpPr>
-    </p:spTree>
-    <p:extLst>
-      <p:ext uri="{BB962C8B-B14F-4D97-AF65-F5344CB8AC3E}">
-        <p14:creationId xmlns:p14="http://schemas.microsoft.com/office/powerpoint/2010/main" val="3456823798"/>
-      </p:ext>
-    </p:extLst>
-  </p:cSld>
-  <p:clrMapOvr>
-    <a:masterClrMapping/>
-  </p:clrMapOvr>
-  <p:timing>
-    <p:tnLst>
-      <p:par>
-        <p:cTn id="1" dur="indefinite" restart="never" nodeType="tmRoot"/>
-      </p:par>
-    </p:tnLst>
-  </p:timing>
-</p:sld>
-</file>
-
 <file path=ppt/slides/slide4.xml><?xml version="1.0" encoding="utf-8"?>
 <p:sld xmlns:a="http://schemas.openxmlformats.org/drawingml/2006/main" xmlns:r="http://schemas.openxmlformats.org/officeDocument/2006/relationships" xmlns:p="http://schemas.openxmlformats.org/presentationml/2006/main">
   <p:cSld>
@@ -63623,7 +63585,7 @@
   <a:extraClrSchemeLst/>
   <a:extLst>
     <a:ext uri="{05A4C25C-085E-4340-85A3-A5531E510DB2}">
-      <thm15:themeFamily xmlns:thm15="http://schemas.microsoft.com/office/thememl/2012/main" xmlns="" name="Office Theme" id="{62F939B6-93AF-4DB8-9C6B-D6C7DFDC589F}" vid="{4A3C46E8-61CC-4603-A589-7422A47A8E4A}"/>
+      <thm15:themeFamily xmlns="" xmlns:thm15="http://schemas.microsoft.com/office/thememl/2012/main" name="Office Theme" id="{62F939B6-93AF-4DB8-9C6B-D6C7DFDC589F}" vid="{4A3C46E8-61CC-4603-A589-7422A47A8E4A}"/>
     </a:ext>
   </a:extLst>
 </a:theme>
